--- a/Fangies.pptx
+++ b/Fangies.pptx
@@ -10,16 +10,17 @@
     <p:sldId id="262" r:id="rId4"/>
     <p:sldId id="263" r:id="rId5"/>
     <p:sldId id="270" r:id="rId6"/>
-    <p:sldId id="264" r:id="rId7"/>
-    <p:sldId id="265" r:id="rId8"/>
-    <p:sldId id="256" r:id="rId9"/>
-    <p:sldId id="258" r:id="rId10"/>
-    <p:sldId id="266" r:id="rId11"/>
-    <p:sldId id="257" r:id="rId12"/>
-    <p:sldId id="267" r:id="rId13"/>
-    <p:sldId id="268" r:id="rId14"/>
-    <p:sldId id="269" r:id="rId15"/>
-    <p:sldId id="259" r:id="rId16"/>
+    <p:sldId id="271" r:id="rId7"/>
+    <p:sldId id="264" r:id="rId8"/>
+    <p:sldId id="265" r:id="rId9"/>
+    <p:sldId id="256" r:id="rId10"/>
+    <p:sldId id="258" r:id="rId11"/>
+    <p:sldId id="266" r:id="rId12"/>
+    <p:sldId id="257" r:id="rId13"/>
+    <p:sldId id="267" r:id="rId14"/>
+    <p:sldId id="268" r:id="rId15"/>
+    <p:sldId id="269" r:id="rId16"/>
+    <p:sldId id="272" r:id="rId17"/>
   </p:sldIdLst>
   <p:sldSz cx="12192000" cy="6858000"/>
   <p:notesSz cx="6858000" cy="9144000"/>
@@ -118,6 +119,11 @@
       </a:defRPr>
     </a:lvl9pPr>
   </p:defaultTextStyle>
+  <p:extLst>
+    <p:ext uri="{EFAFB233-063F-42B5-8137-9DF3F51BA10A}">
+      <p15:sldGuideLst xmlns:p15="http://schemas.microsoft.com/office/powerpoint/2012/main"/>
+    </p:ext>
+  </p:extLst>
 </p:presentation>
 </file>
 
@@ -3085,6 +3091,110 @@
           <a:p>
             <a:r>
               <a:rPr lang="de-CH" dirty="0" smtClean="0"/>
+              <a:t>Spielablauf</a:t>
+            </a:r>
+            <a:endParaRPr lang="de-CH" dirty="0"/>
+          </a:p>
+        </p:txBody>
+      </p:sp>
+      <p:sp>
+        <p:nvSpPr>
+          <p:cNvPr id="3" name="Content Placeholder 2"/>
+          <p:cNvSpPr>
+            <a:spLocks noGrp="1"/>
+          </p:cNvSpPr>
+          <p:nvPr>
+            <p:ph idx="1"/>
+          </p:nvPr>
+        </p:nvSpPr>
+        <p:spPr/>
+        <p:txBody>
+          <a:bodyPr/>
+          <a:lstStyle/>
+          <a:p>
+            <a:r>
+              <a:rPr lang="de-CH" dirty="0" smtClean="0"/>
+              <a:t>Übersicht der Anzahl Spieler (Socket Verbindungen)</a:t>
+            </a:r>
+          </a:p>
+          <a:p>
+            <a:r>
+              <a:rPr lang="de-CH" dirty="0" smtClean="0"/>
+              <a:t>Bei Kollision </a:t>
+            </a:r>
+            <a:r>
+              <a:rPr lang="de-CH" dirty="0" smtClean="0">
+                <a:sym typeface="Wingdings" panose="05000000000000000000" pitchFamily="2" charset="2"/>
+              </a:rPr>
+              <a:t> Weitergabe der Kollisionsinformation an Clients</a:t>
+            </a:r>
+          </a:p>
+          <a:p>
+            <a:r>
+              <a:rPr lang="de-CH" dirty="0" smtClean="0">
+                <a:sym typeface="Wingdings" panose="05000000000000000000" pitchFamily="2" charset="2"/>
+              </a:rPr>
+              <a:t>Senden von Infos an Client</a:t>
+            </a:r>
+          </a:p>
+          <a:p>
+            <a:r>
+              <a:rPr lang="de-CH" dirty="0" smtClean="0">
+                <a:sym typeface="Wingdings" panose="05000000000000000000" pitchFamily="2" charset="2"/>
+              </a:rPr>
+              <a:t>Bei Spielende die Clients informieren</a:t>
+            </a:r>
+            <a:endParaRPr lang="de-CH" dirty="0"/>
+          </a:p>
+        </p:txBody>
+      </p:sp>
+    </p:spTree>
+    <p:extLst>
+      <p:ext uri="{BB962C8B-B14F-4D97-AF65-F5344CB8AC3E}">
+        <p14:creationId xmlns:p14="http://schemas.microsoft.com/office/powerpoint/2010/main" val="4113413918"/>
+      </p:ext>
+    </p:extLst>
+  </p:cSld>
+  <p:clrMapOvr>
+    <a:masterClrMapping/>
+  </p:clrMapOvr>
+</p:sld>
+</file>
+
+<file path=ppt/slides/slide11.xml><?xml version="1.0" encoding="utf-8"?>
+<p:sld xmlns:a="http://schemas.openxmlformats.org/drawingml/2006/main" xmlns:r="http://schemas.openxmlformats.org/officeDocument/2006/relationships" xmlns:p="http://schemas.openxmlformats.org/presentationml/2006/main">
+  <p:cSld>
+    <p:spTree>
+      <p:nvGrpSpPr>
+        <p:cNvPr id="1" name=""/>
+        <p:cNvGrpSpPr/>
+        <p:nvPr/>
+      </p:nvGrpSpPr>
+      <p:grpSpPr>
+        <a:xfrm>
+          <a:off x="0" y="0"/>
+          <a:ext cx="0" cy="0"/>
+          <a:chOff x="0" y="0"/>
+          <a:chExt cx="0" cy="0"/>
+        </a:xfrm>
+      </p:grpSpPr>
+      <p:sp>
+        <p:nvSpPr>
+          <p:cNvPr id="2" name="Title 1"/>
+          <p:cNvSpPr>
+            <a:spLocks noGrp="1"/>
+          </p:cNvSpPr>
+          <p:nvPr>
+            <p:ph type="title"/>
+          </p:nvPr>
+        </p:nvSpPr>
+        <p:spPr/>
+        <p:txBody>
+          <a:bodyPr/>
+          <a:lstStyle/>
+          <a:p>
+            <a:r>
+              <a:rPr lang="de-CH" dirty="0" smtClean="0"/>
               <a:t>Konzept</a:t>
             </a:r>
             <a:endParaRPr lang="de-CH" dirty="0"/>
@@ -3133,109 +3243,6 @@
 </p:sld>
 </file>
 
-<file path=ppt/slides/slide11.xml><?xml version="1.0" encoding="utf-8"?>
-<p:sld xmlns:a="http://schemas.openxmlformats.org/drawingml/2006/main" xmlns:r="http://schemas.openxmlformats.org/officeDocument/2006/relationships" xmlns:p="http://schemas.openxmlformats.org/presentationml/2006/main">
-  <p:cSld>
-    <p:spTree>
-      <p:nvGrpSpPr>
-        <p:cNvPr id="1" name=""/>
-        <p:cNvGrpSpPr/>
-        <p:nvPr/>
-      </p:nvGrpSpPr>
-      <p:grpSpPr>
-        <a:xfrm>
-          <a:off x="0" y="0"/>
-          <a:ext cx="0" cy="0"/>
-          <a:chOff x="0" y="0"/>
-          <a:chExt cx="0" cy="0"/>
-        </a:xfrm>
-      </p:grpSpPr>
-      <p:sp>
-        <p:nvSpPr>
-          <p:cNvPr id="2" name="Title 1"/>
-          <p:cNvSpPr>
-            <a:spLocks noGrp="1"/>
-          </p:cNvSpPr>
-          <p:nvPr>
-            <p:ph type="title"/>
-          </p:nvPr>
-        </p:nvSpPr>
-        <p:spPr/>
-        <p:txBody>
-          <a:bodyPr/>
-          <a:lstStyle/>
-          <a:p>
-            <a:r>
-              <a:rPr lang="de-CH" dirty="0" smtClean="0"/>
-              <a:t>Socket Verbindungen überwachen</a:t>
-            </a:r>
-          </a:p>
-        </p:txBody>
-      </p:sp>
-      <p:sp>
-        <p:nvSpPr>
-          <p:cNvPr id="3" name="Content Placeholder 2"/>
-          <p:cNvSpPr>
-            <a:spLocks noGrp="1"/>
-          </p:cNvSpPr>
-          <p:nvPr>
-            <p:ph idx="1"/>
-          </p:nvPr>
-        </p:nvSpPr>
-        <p:spPr/>
-        <p:txBody>
-          <a:bodyPr/>
-          <a:lstStyle/>
-          <a:p>
-            <a:r>
-              <a:rPr lang="de-CH" dirty="0" smtClean="0"/>
-              <a:t>Verantwortlichkeiten</a:t>
-            </a:r>
-          </a:p>
-          <a:p>
-            <a:pPr lvl="1"/>
-            <a:r>
-              <a:rPr lang="de-CH" dirty="0" smtClean="0"/>
-              <a:t>Spielablauf</a:t>
-            </a:r>
-          </a:p>
-          <a:p>
-            <a:pPr lvl="1"/>
-            <a:r>
-              <a:rPr lang="de-CH" dirty="0" smtClean="0"/>
-              <a:t>Kollisionserkennung</a:t>
-            </a:r>
-          </a:p>
-          <a:p>
-            <a:pPr lvl="1"/>
-            <a:r>
-              <a:rPr lang="de-CH" dirty="0" smtClean="0"/>
-              <a:t>Kommunikation mit Clients</a:t>
-            </a:r>
-          </a:p>
-          <a:p>
-            <a:pPr lvl="1"/>
-            <a:r>
-              <a:rPr lang="de-CH" dirty="0" smtClean="0"/>
-              <a:t>Verwaltung von Spielen (TODO)</a:t>
-            </a:r>
-            <a:endParaRPr lang="de-CH" dirty="0"/>
-          </a:p>
-        </p:txBody>
-      </p:sp>
-    </p:spTree>
-    <p:extLst>
-      <p:ext uri="{BB962C8B-B14F-4D97-AF65-F5344CB8AC3E}">
-        <p14:creationId xmlns:p14="http://schemas.microsoft.com/office/powerpoint/2010/main" val="1688152308"/>
-      </p:ext>
-    </p:extLst>
-  </p:cSld>
-  <p:clrMapOvr>
-    <a:masterClrMapping/>
-  </p:clrMapOvr>
-</p:sld>
-</file>
-
 <file path=ppt/slides/slide12.xml><?xml version="1.0" encoding="utf-8"?>
 <p:sld xmlns:a="http://schemas.openxmlformats.org/drawingml/2006/main" xmlns:r="http://schemas.openxmlformats.org/officeDocument/2006/relationships" xmlns:p="http://schemas.openxmlformats.org/presentationml/2006/main">
   <p:cSld>
@@ -3270,9 +3277,8 @@
           <a:p>
             <a:r>
               <a:rPr lang="de-CH" dirty="0" smtClean="0"/>
-              <a:t>Verbundene Clients einem Spiel zuteilen</a:t>
-            </a:r>
-            <a:endParaRPr lang="de-CH" dirty="0"/>
+              <a:t>Socket Verbindungen überwachen</a:t>
+            </a:r>
           </a:p>
         </p:txBody>
       </p:sp>
@@ -3291,6 +3297,38 @@
           <a:bodyPr/>
           <a:lstStyle/>
           <a:p>
+            <a:r>
+              <a:rPr lang="de-CH" dirty="0" smtClean="0"/>
+              <a:t>Verantwortlichkeiten</a:t>
+            </a:r>
+          </a:p>
+          <a:p>
+            <a:pPr lvl="1"/>
+            <a:r>
+              <a:rPr lang="de-CH" dirty="0" smtClean="0"/>
+              <a:t>Spielablauf</a:t>
+            </a:r>
+          </a:p>
+          <a:p>
+            <a:pPr lvl="1"/>
+            <a:r>
+              <a:rPr lang="de-CH" dirty="0" smtClean="0"/>
+              <a:t>Kollisionserkennung</a:t>
+            </a:r>
+          </a:p>
+          <a:p>
+            <a:pPr lvl="1"/>
+            <a:r>
+              <a:rPr lang="de-CH" dirty="0" smtClean="0"/>
+              <a:t>Kommunikation mit Clients</a:t>
+            </a:r>
+          </a:p>
+          <a:p>
+            <a:pPr lvl="1"/>
+            <a:r>
+              <a:rPr lang="de-CH" dirty="0" smtClean="0"/>
+              <a:t>Verwaltung von Spielen (TODO)</a:t>
+            </a:r>
             <a:endParaRPr lang="de-CH" dirty="0"/>
           </a:p>
         </p:txBody>
@@ -3298,7 +3336,7 @@
     </p:spTree>
     <p:extLst>
       <p:ext uri="{BB962C8B-B14F-4D97-AF65-F5344CB8AC3E}">
-        <p14:creationId xmlns:p14="http://schemas.microsoft.com/office/powerpoint/2010/main" val="2253720489"/>
+        <p14:creationId xmlns:p14="http://schemas.microsoft.com/office/powerpoint/2010/main" val="1688152308"/>
       </p:ext>
     </p:extLst>
   </p:cSld>
@@ -3342,35 +3380,167 @@
           <a:p>
             <a:r>
               <a:rPr lang="de-CH" dirty="0" smtClean="0"/>
-              <a:t>Clients Spielinformationen zukommen lassen</a:t>
+              <a:t>Handler des Servers</a:t>
             </a:r>
             <a:endParaRPr lang="de-CH" dirty="0"/>
           </a:p>
         </p:txBody>
       </p:sp>
-      <p:sp>
-        <p:nvSpPr>
-          <p:cNvPr id="3" name="Content Placeholder 2"/>
-          <p:cNvSpPr>
-            <a:spLocks noGrp="1"/>
-          </p:cNvSpPr>
-          <p:nvPr>
-            <p:ph idx="1"/>
-          </p:nvPr>
-        </p:nvSpPr>
-        <p:spPr/>
-        <p:txBody>
-          <a:bodyPr/>
-          <a:lstStyle/>
-          <a:p>
-            <a:endParaRPr lang="de-CH"/>
+      <p:pic>
+        <p:nvPicPr>
+          <p:cNvPr id="4" name="Content Placeholder 3"/>
+          <p:cNvPicPr>
+            <a:picLocks noGrp="1" noChangeAspect="1"/>
+          </p:cNvPicPr>
+          <p:nvPr>
+            <p:ph sz="half" idx="1"/>
+          </p:nvPr>
+        </p:nvPicPr>
+        <p:blipFill>
+          <a:blip r:embed="rId2"/>
+          <a:stretch>
+            <a:fillRect/>
+          </a:stretch>
+        </p:blipFill>
+        <p:spPr>
+          <a:xfrm>
+            <a:off x="1162050" y="2172494"/>
+            <a:ext cx="4533900" cy="3657600"/>
+          </a:xfrm>
+          <a:prstGeom prst="rect">
+            <a:avLst/>
+          </a:prstGeom>
+          <a:solidFill>
+            <a:srgbClr val="FF0000"/>
+          </a:solidFill>
+        </p:spPr>
+      </p:pic>
+      <p:sp>
+        <p:nvSpPr>
+          <p:cNvPr id="7" name="Content Placeholder 6"/>
+          <p:cNvSpPr>
+            <a:spLocks noGrp="1"/>
+          </p:cNvSpPr>
+          <p:nvPr>
+            <p:ph sz="half" idx="2"/>
+          </p:nvPr>
+        </p:nvSpPr>
+        <p:spPr/>
+        <p:txBody>
+          <a:bodyPr>
+            <a:normAutofit fontScale="92500" lnSpcReduction="10000"/>
+          </a:bodyPr>
+          <a:lstStyle/>
+          <a:p>
+            <a:r>
+              <a:rPr lang="de-CH" dirty="0" err="1" smtClean="0"/>
+              <a:t>onClientDisconnect</a:t>
+            </a:r>
+            <a:endParaRPr lang="de-CH" dirty="0" smtClean="0"/>
+          </a:p>
+          <a:p>
+            <a:pPr lvl="1"/>
+            <a:r>
+              <a:rPr lang="de-CH" sz="2000" dirty="0" smtClean="0"/>
+              <a:t>Alle Clients informieren, damit diese den «verlorenen Spieler» nicht mehr zeichnen</a:t>
+            </a:r>
+            <a:endParaRPr lang="de-CH" sz="1800" dirty="0" smtClean="0"/>
+          </a:p>
+          <a:p>
+            <a:r>
+              <a:rPr lang="de-CH" dirty="0" err="1" smtClean="0"/>
+              <a:t>onNewPlayer</a:t>
+            </a:r>
+            <a:endParaRPr lang="de-CH" dirty="0" smtClean="0"/>
+          </a:p>
+          <a:p>
+            <a:pPr lvl="1"/>
+            <a:r>
+              <a:rPr lang="de-CH" sz="2000" dirty="0"/>
+              <a:t>Alle Clients informieren, damit diese den </a:t>
+            </a:r>
+            <a:r>
+              <a:rPr lang="de-CH" sz="2000" dirty="0" smtClean="0"/>
+              <a:t>«neuen </a:t>
+            </a:r>
+            <a:r>
+              <a:rPr lang="de-CH" sz="2000" dirty="0"/>
+              <a:t>Spieler» </a:t>
+            </a:r>
+            <a:r>
+              <a:rPr lang="de-CH" sz="2000" dirty="0" smtClean="0"/>
+              <a:t>zeichnen</a:t>
+            </a:r>
+          </a:p>
+          <a:p>
+            <a:r>
+              <a:rPr lang="de-CH" dirty="0" err="1" smtClean="0"/>
+              <a:t>onMovePlayer</a:t>
+            </a:r>
+            <a:endParaRPr lang="de-CH" dirty="0" smtClean="0"/>
+          </a:p>
+          <a:p>
+            <a:pPr lvl="1"/>
+            <a:r>
+              <a:rPr lang="de-CH" dirty="0" smtClean="0"/>
+              <a:t>Alle Clients über die neue Position Informieren</a:t>
+            </a:r>
+          </a:p>
+          <a:p>
+            <a:pPr lvl="1"/>
+            <a:r>
+              <a:rPr lang="de-CH" dirty="0" err="1" smtClean="0"/>
+              <a:t>Kollisionskontolle</a:t>
+            </a:r>
+            <a:r>
+              <a:rPr lang="de-CH" dirty="0" smtClean="0"/>
+              <a:t>!</a:t>
+            </a:r>
+          </a:p>
+          <a:p>
+            <a:r>
+              <a:rPr lang="de-CH" dirty="0" err="1" smtClean="0"/>
+              <a:t>OnActivePlayerUpdate</a:t>
+            </a:r>
+            <a:r>
+              <a:rPr lang="de-CH" dirty="0" smtClean="0"/>
+              <a:t> </a:t>
+            </a:r>
+          </a:p>
+          <a:p>
+            <a:pPr lvl="1"/>
+            <a:r>
+              <a:rPr lang="de-CH" sz="2200" dirty="0" smtClean="0"/>
+              <a:t>(</a:t>
+            </a:r>
+            <a:r>
+              <a:rPr lang="de-CH" sz="2200" dirty="0" err="1" smtClean="0"/>
+              <a:t>LocalID</a:t>
+            </a:r>
+            <a:r>
+              <a:rPr lang="de-CH" sz="2200" dirty="0" smtClean="0"/>
+              <a:t> &lt;&gt; </a:t>
+            </a:r>
+            <a:r>
+              <a:rPr lang="de-CH" sz="2200" dirty="0" err="1" smtClean="0"/>
+              <a:t>PlayerID</a:t>
+            </a:r>
+            <a:r>
+              <a:rPr lang="de-CH" sz="2200" dirty="0" smtClean="0"/>
+              <a:t>)</a:t>
+            </a:r>
+            <a:endParaRPr lang="de-CH" sz="2200" dirty="0"/>
+          </a:p>
+          <a:p>
+            <a:pPr lvl="1"/>
+            <a:endParaRPr lang="de-CH" dirty="0"/>
           </a:p>
         </p:txBody>
       </p:sp>
     </p:spTree>
     <p:extLst>
       <p:ext uri="{BB962C8B-B14F-4D97-AF65-F5344CB8AC3E}">
-        <p14:creationId xmlns:p14="http://schemas.microsoft.com/office/powerpoint/2010/main" val="2608550188"/>
+        <p14:creationId xmlns:p14="http://schemas.microsoft.com/office/powerpoint/2010/main" val="2253720489"/>
       </p:ext>
     </p:extLst>
   </p:cSld>
@@ -3414,35 +3584,85 @@
           <a:p>
             <a:r>
               <a:rPr lang="de-CH" dirty="0" smtClean="0"/>
-              <a:t>Kollisionen erkennen und weiterleiten</a:t>
+              <a:t>Clients Spielinformationen zukommen lassen</a:t>
             </a:r>
             <a:endParaRPr lang="de-CH" dirty="0"/>
           </a:p>
         </p:txBody>
       </p:sp>
-      <p:sp>
-        <p:nvSpPr>
-          <p:cNvPr id="3" name="Content Placeholder 2"/>
-          <p:cNvSpPr>
-            <a:spLocks noGrp="1"/>
-          </p:cNvSpPr>
-          <p:nvPr>
-            <p:ph idx="1"/>
-          </p:nvPr>
-        </p:nvSpPr>
-        <p:spPr/>
-        <p:txBody>
-          <a:bodyPr/>
-          <a:lstStyle/>
-          <a:p>
-            <a:endParaRPr lang="de-CH"/>
+      <p:pic>
+        <p:nvPicPr>
+          <p:cNvPr id="6" name="Content Placeholder 5"/>
+          <p:cNvPicPr>
+            <a:picLocks noGrp="1" noChangeAspect="1"/>
+          </p:cNvPicPr>
+          <p:nvPr>
+            <p:ph sz="half" idx="1"/>
+          </p:nvPr>
+        </p:nvPicPr>
+        <p:blipFill>
+          <a:blip r:embed="rId2"/>
+          <a:stretch>
+            <a:fillRect/>
+          </a:stretch>
+        </p:blipFill>
+        <p:spPr>
+          <a:xfrm>
+            <a:off x="838200" y="2829468"/>
+            <a:ext cx="5181600" cy="2343651"/>
+          </a:xfrm>
+          <a:prstGeom prst="rect">
+            <a:avLst/>
+          </a:prstGeom>
+        </p:spPr>
+      </p:pic>
+      <p:sp>
+        <p:nvSpPr>
+          <p:cNvPr id="5" name="Content Placeholder 4"/>
+          <p:cNvSpPr>
+            <a:spLocks noGrp="1"/>
+          </p:cNvSpPr>
+          <p:nvPr>
+            <p:ph sz="half" idx="2"/>
+          </p:nvPr>
+        </p:nvSpPr>
+        <p:spPr/>
+        <p:txBody>
+          <a:bodyPr/>
+          <a:lstStyle/>
+          <a:p>
+            <a:r>
+              <a:rPr lang="de-CH" dirty="0" smtClean="0"/>
+              <a:t>Diese Texte werden bei Clients angezeigt</a:t>
+            </a:r>
+          </a:p>
+          <a:p>
+            <a:r>
+              <a:rPr lang="de-CH" dirty="0" smtClean="0"/>
+              <a:t>Zwei Stufen</a:t>
+            </a:r>
+          </a:p>
+          <a:p>
+            <a:pPr lvl="1"/>
+            <a:r>
+              <a:rPr lang="de-CH" dirty="0" smtClean="0"/>
+              <a:t>Informationen</a:t>
+            </a:r>
+          </a:p>
+          <a:p>
+            <a:pPr lvl="1"/>
+            <a:r>
+              <a:rPr lang="de-CH" dirty="0" smtClean="0"/>
+              <a:t>Fehler (Wichtig)!</a:t>
+            </a:r>
+            <a:endParaRPr lang="de-CH" dirty="0"/>
           </a:p>
         </p:txBody>
       </p:sp>
     </p:spTree>
     <p:extLst>
       <p:ext uri="{BB962C8B-B14F-4D97-AF65-F5344CB8AC3E}">
-        <p14:creationId xmlns:p14="http://schemas.microsoft.com/office/powerpoint/2010/main" val="2083298695"/>
+        <p14:creationId xmlns:p14="http://schemas.microsoft.com/office/powerpoint/2010/main" val="2608550188"/>
       </p:ext>
     </p:extLst>
   </p:cSld>
@@ -3486,35 +3706,226 @@
           <a:p>
             <a:r>
               <a:rPr lang="de-CH" dirty="0" smtClean="0"/>
-              <a:t>Kommunikation mit Clients</a:t>
+              <a:t>Kollisionen erkennen und weiterleiten</a:t>
             </a:r>
             <a:endParaRPr lang="de-CH" dirty="0"/>
           </a:p>
         </p:txBody>
       </p:sp>
-      <p:sp>
-        <p:nvSpPr>
-          <p:cNvPr id="3" name="Content Placeholder 2"/>
-          <p:cNvSpPr>
-            <a:spLocks noGrp="1"/>
-          </p:cNvSpPr>
-          <p:nvPr>
-            <p:ph idx="1"/>
-          </p:nvPr>
-        </p:nvSpPr>
-        <p:spPr/>
-        <p:txBody>
-          <a:bodyPr/>
-          <a:lstStyle/>
-          <a:p>
+      <p:pic>
+        <p:nvPicPr>
+          <p:cNvPr id="6" name="Content Placeholder 5"/>
+          <p:cNvPicPr>
+            <a:picLocks noGrp="1" noChangeAspect="1"/>
+          </p:cNvPicPr>
+          <p:nvPr>
+            <p:ph sz="half" idx="1"/>
+          </p:nvPr>
+        </p:nvPicPr>
+        <p:blipFill>
+          <a:blip r:embed="rId2"/>
+          <a:stretch>
+            <a:fillRect/>
+          </a:stretch>
+        </p:blipFill>
+        <p:spPr>
+          <a:xfrm>
+            <a:off x="1291352" y="1825625"/>
+            <a:ext cx="4275295" cy="4351338"/>
+          </a:xfrm>
+          <a:prstGeom prst="rect">
+            <a:avLst/>
+          </a:prstGeom>
+        </p:spPr>
+      </p:pic>
+      <p:sp>
+        <p:nvSpPr>
+          <p:cNvPr id="5" name="Content Placeholder 4"/>
+          <p:cNvSpPr>
+            <a:spLocks noGrp="1"/>
+          </p:cNvSpPr>
+          <p:nvPr>
+            <p:ph sz="half" idx="2"/>
+          </p:nvPr>
+        </p:nvSpPr>
+        <p:spPr/>
+        <p:txBody>
+          <a:bodyPr/>
+          <a:lstStyle/>
+          <a:p>
+            <a:r>
+              <a:rPr lang="de-CH" dirty="0" smtClean="0"/>
+              <a:t>Bei Spielerbewegung</a:t>
+            </a:r>
+          </a:p>
+          <a:p>
+            <a:pPr lvl="1"/>
+            <a:r>
+              <a:rPr lang="de-CH" dirty="0" smtClean="0"/>
+              <a:t>Überprüft die jeweiligen Koordinaten der Spieler gegeneinander</a:t>
+            </a:r>
+          </a:p>
+          <a:p>
+            <a:pPr lvl="1"/>
+            <a:r>
+              <a:rPr lang="de-CH" dirty="0" smtClean="0"/>
+              <a:t>Toleranzbereich wird eingehalten</a:t>
+            </a:r>
+            <a:br>
+              <a:rPr lang="de-CH" dirty="0" smtClean="0"/>
+            </a:br>
             <a:endParaRPr lang="de-CH" dirty="0"/>
           </a:p>
         </p:txBody>
       </p:sp>
+      <p:pic>
+        <p:nvPicPr>
+          <p:cNvPr id="1028" name="Picture 4" descr="http://cboard.cprogramming.com/attachments/game-programming/1856d1036866782-matrixes-collision-detection-overlap.jpg"/>
+          <p:cNvPicPr>
+            <a:picLocks noChangeAspect="1" noChangeArrowheads="1"/>
+          </p:cNvPicPr>
+          <p:nvPr/>
+        </p:nvPicPr>
+        <p:blipFill>
+          <a:blip r:embed="rId3">
+            <a:extLst>
+              <a:ext uri="{28A0092B-C50C-407E-A947-70E740481C1C}">
+                <a14:useLocalDpi xmlns:a14="http://schemas.microsoft.com/office/drawing/2010/main" val="0"/>
+              </a:ext>
+            </a:extLst>
+          </a:blip>
+          <a:srcRect/>
+          <a:stretch>
+            <a:fillRect/>
+          </a:stretch>
+        </p:blipFill>
+        <p:spPr bwMode="auto">
+          <a:xfrm>
+            <a:off x="6614040" y="3934073"/>
+            <a:ext cx="4564706" cy="2242890"/>
+          </a:xfrm>
+          <a:prstGeom prst="rect">
+            <a:avLst/>
+          </a:prstGeom>
+          <a:noFill/>
+          <a:extLst>
+            <a:ext uri="{909E8E84-426E-40DD-AFC4-6F175D3DCCD1}">
+              <a14:hiddenFill xmlns:a14="http://schemas.microsoft.com/office/drawing/2010/main">
+                <a:solidFill>
+                  <a:srgbClr val="FFFFFF"/>
+                </a:solidFill>
+              </a14:hiddenFill>
+            </a:ext>
+          </a:extLst>
+        </p:spPr>
+      </p:pic>
     </p:spTree>
     <p:extLst>
       <p:ext uri="{BB962C8B-B14F-4D97-AF65-F5344CB8AC3E}">
-        <p14:creationId xmlns:p14="http://schemas.microsoft.com/office/powerpoint/2010/main" val="389468745"/>
+        <p14:creationId xmlns:p14="http://schemas.microsoft.com/office/powerpoint/2010/main" val="2083298695"/>
+      </p:ext>
+    </p:extLst>
+  </p:cSld>
+  <p:clrMapOvr>
+    <a:masterClrMapping/>
+  </p:clrMapOvr>
+</p:sld>
+</file>
+
+<file path=ppt/slides/slide16.xml><?xml version="1.0" encoding="utf-8"?>
+<p:sld xmlns:a="http://schemas.openxmlformats.org/drawingml/2006/main" xmlns:r="http://schemas.openxmlformats.org/officeDocument/2006/relationships" xmlns:p="http://schemas.openxmlformats.org/presentationml/2006/main">
+  <p:cSld>
+    <p:spTree>
+      <p:nvGrpSpPr>
+        <p:cNvPr id="1" name=""/>
+        <p:cNvGrpSpPr/>
+        <p:nvPr/>
+      </p:nvGrpSpPr>
+      <p:grpSpPr>
+        <a:xfrm>
+          <a:off x="0" y="0"/>
+          <a:ext cx="0" cy="0"/>
+          <a:chOff x="0" y="0"/>
+          <a:chExt cx="0" cy="0"/>
+        </a:xfrm>
+      </p:grpSpPr>
+      <p:sp>
+        <p:nvSpPr>
+          <p:cNvPr id="2" name="Title 1"/>
+          <p:cNvSpPr>
+            <a:spLocks noGrp="1"/>
+          </p:cNvSpPr>
+          <p:nvPr>
+            <p:ph type="title"/>
+          </p:nvPr>
+        </p:nvSpPr>
+        <p:spPr/>
+        <p:txBody>
+          <a:bodyPr/>
+          <a:lstStyle/>
+          <a:p>
+            <a:r>
+              <a:rPr lang="de-CH" dirty="0" smtClean="0"/>
+              <a:t>Weitere Ideen </a:t>
+            </a:r>
+            <a:endParaRPr lang="de-CH" dirty="0"/>
+          </a:p>
+        </p:txBody>
+      </p:sp>
+      <p:sp>
+        <p:nvSpPr>
+          <p:cNvPr id="5" name="Content Placeholder 4"/>
+          <p:cNvSpPr>
+            <a:spLocks noGrp="1"/>
+          </p:cNvSpPr>
+          <p:nvPr>
+            <p:ph idx="1"/>
+          </p:nvPr>
+        </p:nvSpPr>
+        <p:spPr/>
+        <p:txBody>
+          <a:bodyPr/>
+          <a:lstStyle/>
+          <a:p>
+            <a:r>
+              <a:rPr lang="de-CH" dirty="0" smtClean="0"/>
+              <a:t>Einzelne Clients die Spiele Hosten lassen</a:t>
+            </a:r>
+          </a:p>
+          <a:p>
+            <a:pPr lvl="1"/>
+            <a:r>
+              <a:rPr lang="de-CH" dirty="0" smtClean="0"/>
+              <a:t>Weitere Entlastung des Servers</a:t>
+            </a:r>
+          </a:p>
+          <a:p>
+            <a:pPr lvl="1"/>
+            <a:r>
+              <a:rPr lang="de-CH" dirty="0" smtClean="0"/>
+              <a:t>Eine Überwachung des Clients wäre noch immer zwingend</a:t>
+            </a:r>
+          </a:p>
+          <a:p>
+            <a:r>
+              <a:rPr lang="de-CH" dirty="0" smtClean="0"/>
+              <a:t>Items und Powers</a:t>
+            </a:r>
+          </a:p>
+          <a:p>
+            <a:pPr lvl="1"/>
+            <a:r>
+              <a:rPr lang="de-CH" dirty="0" smtClean="0"/>
+              <a:t>Sammelbare Items auf dem Spielfeld</a:t>
+            </a:r>
+            <a:endParaRPr lang="de-CH" dirty="0"/>
+          </a:p>
+        </p:txBody>
+      </p:sp>
+    </p:spTree>
+    <p:extLst>
+      <p:ext uri="{BB962C8B-B14F-4D97-AF65-F5344CB8AC3E}">
+        <p14:creationId xmlns:p14="http://schemas.microsoft.com/office/powerpoint/2010/main" val="567196683"/>
       </p:ext>
     </p:extLst>
   </p:cSld>
@@ -4078,14 +4489,6 @@
               </a:rPr>
               <a:t>Kommunikation</a:t>
             </a:r>
-            <a:endParaRPr lang="de-CH" dirty="0" smtClean="0">
-              <a:solidFill>
-                <a:schemeClr val="tx1">
-                  <a:lumMod val="95000"/>
-                  <a:lumOff val="5000"/>
-                </a:schemeClr>
-              </a:solidFill>
-            </a:endParaRPr>
           </a:p>
         </p:txBody>
       </p:sp>
@@ -4409,6 +4812,82 @@
 </file>
 
 <file path=ppt/slides/slide6.xml><?xml version="1.0" encoding="utf-8"?>
+<p:sld xmlns:a="http://schemas.openxmlformats.org/drawingml/2006/main" xmlns:r="http://schemas.openxmlformats.org/officeDocument/2006/relationships" xmlns:p="http://schemas.openxmlformats.org/presentationml/2006/main">
+  <p:cSld>
+    <p:spTree>
+      <p:nvGrpSpPr>
+        <p:cNvPr id="1" name=""/>
+        <p:cNvGrpSpPr/>
+        <p:nvPr/>
+      </p:nvGrpSpPr>
+      <p:grpSpPr>
+        <a:xfrm>
+          <a:off x="0" y="0"/>
+          <a:ext cx="0" cy="0"/>
+          <a:chOff x="0" y="0"/>
+          <a:chExt cx="0" cy="0"/>
+        </a:xfrm>
+      </p:grpSpPr>
+      <p:sp>
+        <p:nvSpPr>
+          <p:cNvPr id="2" name="Title 1"/>
+          <p:cNvSpPr>
+            <a:spLocks noGrp="1"/>
+          </p:cNvSpPr>
+          <p:nvPr>
+            <p:ph type="title"/>
+          </p:nvPr>
+        </p:nvSpPr>
+        <p:spPr/>
+        <p:txBody>
+          <a:bodyPr/>
+          <a:lstStyle/>
+          <a:p>
+            <a:r>
+              <a:rPr lang="de-CH" dirty="0" err="1" smtClean="0"/>
+              <a:t>Canvas</a:t>
+            </a:r>
+            <a:r>
+              <a:rPr lang="de-CH" dirty="0" smtClean="0"/>
+              <a:t> als Spielfeld</a:t>
+            </a:r>
+            <a:endParaRPr lang="de-CH" dirty="0"/>
+          </a:p>
+        </p:txBody>
+      </p:sp>
+      <p:sp>
+        <p:nvSpPr>
+          <p:cNvPr id="3" name="Content Placeholder 2"/>
+          <p:cNvSpPr>
+            <a:spLocks noGrp="1"/>
+          </p:cNvSpPr>
+          <p:nvPr>
+            <p:ph idx="1"/>
+          </p:nvPr>
+        </p:nvSpPr>
+        <p:spPr/>
+        <p:txBody>
+          <a:bodyPr/>
+          <a:lstStyle/>
+          <a:p>
+            <a:endParaRPr lang="de-CH" dirty="0"/>
+          </a:p>
+        </p:txBody>
+      </p:sp>
+    </p:spTree>
+    <p:extLst>
+      <p:ext uri="{BB962C8B-B14F-4D97-AF65-F5344CB8AC3E}">
+        <p14:creationId xmlns:p14="http://schemas.microsoft.com/office/powerpoint/2010/main" val="2618167782"/>
+      </p:ext>
+    </p:extLst>
+  </p:cSld>
+  <p:clrMapOvr>
+    <a:masterClrMapping/>
+  </p:clrMapOvr>
+</p:sld>
+</file>
+
+<file path=ppt/slides/slide7.xml><?xml version="1.0" encoding="utf-8"?>
 <p:sld xmlns:a="http://schemas.openxmlformats.org/drawingml/2006/main" xmlns:r="http://schemas.openxmlformats.org/officeDocument/2006/relationships" xmlns:p="http://schemas.openxmlformats.org/presentationml/2006/main">
   <p:cSld>
     <p:spTree>
@@ -4884,86 +5363,6 @@
 </p:sld>
 </file>
 
-<file path=ppt/slides/slide7.xml><?xml version="1.0" encoding="utf-8"?>
-<p:sld xmlns:a="http://schemas.openxmlformats.org/drawingml/2006/main" xmlns:r="http://schemas.openxmlformats.org/officeDocument/2006/relationships" xmlns:p="http://schemas.openxmlformats.org/presentationml/2006/main">
-  <p:cSld>
-    <p:spTree>
-      <p:nvGrpSpPr>
-        <p:cNvPr id="1" name=""/>
-        <p:cNvGrpSpPr/>
-        <p:nvPr/>
-      </p:nvGrpSpPr>
-      <p:grpSpPr>
-        <a:xfrm>
-          <a:off x="0" y="0"/>
-          <a:ext cx="0" cy="0"/>
-          <a:chOff x="0" y="0"/>
-          <a:chExt cx="0" cy="0"/>
-        </a:xfrm>
-      </p:grpSpPr>
-      <p:sp>
-        <p:nvSpPr>
-          <p:cNvPr id="4" name="Title 3"/>
-          <p:cNvSpPr>
-            <a:spLocks noGrp="1"/>
-          </p:cNvSpPr>
-          <p:nvPr>
-            <p:ph type="ctrTitle"/>
-          </p:nvPr>
-        </p:nvSpPr>
-        <p:spPr/>
-        <p:txBody>
-          <a:bodyPr/>
-          <a:lstStyle/>
-          <a:p>
-            <a:r>
-              <a:rPr lang="de-CH" dirty="0" smtClean="0"/>
-              <a:t>Client </a:t>
-            </a:r>
-            <a:r>
-              <a:rPr lang="de-CH" dirty="0" err="1" smtClean="0"/>
-              <a:t>side</a:t>
-            </a:r>
-            <a:endParaRPr lang="de-CH" dirty="0"/>
-          </a:p>
-        </p:txBody>
-      </p:sp>
-      <p:sp>
-        <p:nvSpPr>
-          <p:cNvPr id="6" name="Subtitle 2"/>
-          <p:cNvSpPr>
-            <a:spLocks noGrp="1"/>
-          </p:cNvSpPr>
-          <p:nvPr>
-            <p:ph type="subTitle" idx="1"/>
-          </p:nvPr>
-        </p:nvSpPr>
-        <p:spPr/>
-        <p:txBody>
-          <a:bodyPr/>
-          <a:lstStyle/>
-          <a:p>
-            <a:r>
-              <a:rPr lang="de-CH" dirty="0" smtClean="0"/>
-              <a:t>Konzepte, Varianten, Lösungen, Probleme, Erkenntnisse</a:t>
-            </a:r>
-            <a:endParaRPr lang="de-CH" dirty="0"/>
-          </a:p>
-        </p:txBody>
-      </p:sp>
-    </p:spTree>
-    <p:extLst>
-      <p:ext uri="{BB962C8B-B14F-4D97-AF65-F5344CB8AC3E}">
-        <p14:creationId xmlns:p14="http://schemas.microsoft.com/office/powerpoint/2010/main" val="3526071580"/>
-      </p:ext>
-    </p:extLst>
-  </p:cSld>
-  <p:clrMapOvr>
-    <a:masterClrMapping/>
-  </p:clrMapOvr>
-</p:sld>
-</file>
-
 <file path=ppt/slides/slide8.xml><?xml version="1.0" encoding="utf-8"?>
 <p:sld xmlns:a="http://schemas.openxmlformats.org/drawingml/2006/main" xmlns:r="http://schemas.openxmlformats.org/officeDocument/2006/relationships" xmlns:p="http://schemas.openxmlformats.org/presentationml/2006/main">
   <p:cSld>
@@ -4983,7 +5382,7 @@
       </p:grpSpPr>
       <p:sp>
         <p:nvSpPr>
-          <p:cNvPr id="2" name="Title 1"/>
+          <p:cNvPr id="4" name="Title 3"/>
           <p:cNvSpPr>
             <a:spLocks noGrp="1"/>
           </p:cNvSpPr>
@@ -4998,7 +5397,7 @@
           <a:p>
             <a:r>
               <a:rPr lang="de-CH" dirty="0" smtClean="0"/>
-              <a:t>Server </a:t>
+              <a:t>Client </a:t>
             </a:r>
             <a:r>
               <a:rPr lang="de-CH" dirty="0" err="1" smtClean="0"/>
@@ -5010,7 +5409,7 @@
       </p:sp>
       <p:sp>
         <p:nvSpPr>
-          <p:cNvPr id="3" name="Subtitle 2"/>
+          <p:cNvPr id="6" name="Subtitle 2"/>
           <p:cNvSpPr>
             <a:spLocks noGrp="1"/>
           </p:cNvSpPr>
@@ -5034,7 +5433,7 @@
     </p:spTree>
     <p:extLst>
       <p:ext uri="{BB962C8B-B14F-4D97-AF65-F5344CB8AC3E}">
-        <p14:creationId xmlns:p14="http://schemas.microsoft.com/office/powerpoint/2010/main" val="4142332838"/>
+        <p14:creationId xmlns:p14="http://schemas.microsoft.com/office/powerpoint/2010/main" val="3526071580"/>
       </p:ext>
     </p:extLst>
   </p:cSld>
@@ -5068,7 +5467,7 @@
             <a:spLocks noGrp="1"/>
           </p:cNvSpPr>
           <p:nvPr>
-            <p:ph type="title"/>
+            <p:ph type="ctrTitle"/>
           </p:nvPr>
         </p:nvSpPr>
         <p:spPr/>
@@ -5078,7 +5477,11 @@
           <a:p>
             <a:r>
               <a:rPr lang="de-CH" dirty="0" smtClean="0"/>
-              <a:t>Spielablauf</a:t>
+              <a:t>Server </a:t>
+            </a:r>
+            <a:r>
+              <a:rPr lang="de-CH" dirty="0" err="1" smtClean="0"/>
+              <a:t>side</a:t>
             </a:r>
             <a:endParaRPr lang="de-CH" dirty="0"/>
           </a:p>
@@ -5086,12 +5489,12 @@
       </p:sp>
       <p:sp>
         <p:nvSpPr>
-          <p:cNvPr id="3" name="Content Placeholder 2"/>
-          <p:cNvSpPr>
-            <a:spLocks noGrp="1"/>
-          </p:cNvSpPr>
-          <p:nvPr>
-            <p:ph idx="1"/>
+          <p:cNvPr id="3" name="Subtitle 2"/>
+          <p:cNvSpPr>
+            <a:spLocks noGrp="1"/>
+          </p:cNvSpPr>
+          <p:nvPr>
+            <p:ph type="subTitle" idx="1"/>
           </p:nvPr>
         </p:nvSpPr>
         <p:spPr/>
@@ -5101,35 +5504,7 @@
           <a:p>
             <a:r>
               <a:rPr lang="de-CH" dirty="0" smtClean="0"/>
-              <a:t>Übersicht der Anzahl Spieler (Socket Verbindungen)</a:t>
-            </a:r>
-          </a:p>
-          <a:p>
-            <a:r>
-              <a:rPr lang="de-CH" dirty="0" smtClean="0"/>
-              <a:t>Bei Kollision </a:t>
-            </a:r>
-            <a:r>
-              <a:rPr lang="de-CH" dirty="0" smtClean="0">
-                <a:sym typeface="Wingdings" panose="05000000000000000000" pitchFamily="2" charset="2"/>
-              </a:rPr>
-              <a:t> Weitergabe der Kollisionsinformation an Clients</a:t>
-            </a:r>
-          </a:p>
-          <a:p>
-            <a:r>
-              <a:rPr lang="de-CH" dirty="0" smtClean="0">
-                <a:sym typeface="Wingdings" panose="05000000000000000000" pitchFamily="2" charset="2"/>
-              </a:rPr>
-              <a:t>Senden von Infos an Client</a:t>
-            </a:r>
-          </a:p>
-          <a:p>
-            <a:r>
-              <a:rPr lang="de-CH" dirty="0" smtClean="0">
-                <a:sym typeface="Wingdings" panose="05000000000000000000" pitchFamily="2" charset="2"/>
-              </a:rPr>
-              <a:t>Bei Spielende die Clients informieren</a:t>
+              <a:t>Konzepte, Varianten, Lösungen, Probleme, Erkenntnisse</a:t>
             </a:r>
             <a:endParaRPr lang="de-CH" dirty="0"/>
           </a:p>
@@ -5138,7 +5513,7 @@
     </p:spTree>
     <p:extLst>
       <p:ext uri="{BB962C8B-B14F-4D97-AF65-F5344CB8AC3E}">
-        <p14:creationId xmlns:p14="http://schemas.microsoft.com/office/powerpoint/2010/main" val="4113413918"/>
+        <p14:creationId xmlns:p14="http://schemas.microsoft.com/office/powerpoint/2010/main" val="4142332838"/>
       </p:ext>
     </p:extLst>
   </p:cSld>

--- a/Fangies.pptx
+++ b/Fangies.pptx
@@ -2,7 +2,7 @@
 <file path=ppt/presentation.xml><?xml version="1.0" encoding="utf-8"?>
 <p:presentation xmlns:a="http://schemas.openxmlformats.org/drawingml/2006/main" xmlns:r="http://schemas.openxmlformats.org/officeDocument/2006/relationships" xmlns:p="http://schemas.openxmlformats.org/presentationml/2006/main" saveSubsetFonts="1">
   <p:sldMasterIdLst>
-    <p:sldMasterId id="2147483648" r:id="rId1"/>
+    <p:sldMasterId id="2147483690" r:id="rId1"/>
   </p:sldMasterIdLst>
   <p:sldIdLst>
     <p:sldId id="260" r:id="rId2"/>
@@ -128,7 +128,7 @@
 </file>
 
 <file path=ppt/slideLayouts/slideLayout1.xml><?xml version="1.0" encoding="utf-8"?>
-<p:sldLayout xmlns:a="http://schemas.openxmlformats.org/drawingml/2006/main" xmlns:r="http://schemas.openxmlformats.org/officeDocument/2006/relationships" xmlns:p="http://schemas.openxmlformats.org/presentationml/2006/main" type="title" preserve="1">
+<p:sldLayout xmlns:a="http://schemas.openxmlformats.org/drawingml/2006/main" xmlns:r="http://schemas.openxmlformats.org/officeDocument/2006/relationships" xmlns:p="http://schemas.openxmlformats.org/presentationml/2006/main" showMasterSp="0" type="title" preserve="1">
   <p:cSld name="Title Slide">
     <p:spTree>
       <p:nvGrpSpPr>
@@ -156,15 +156,17 @@
         </p:nvSpPr>
         <p:spPr>
           <a:xfrm>
-            <a:off x="1524000" y="1122363"/>
-            <a:ext cx="9144000" cy="2387600"/>
+            <a:off x="457200" y="4960137"/>
+            <a:ext cx="7772400" cy="1463040"/>
           </a:xfrm>
         </p:spPr>
         <p:txBody>
-          <a:bodyPr anchor="b"/>
+          <a:bodyPr anchor="ctr">
+            <a:normAutofit/>
+          </a:bodyPr>
           <a:lstStyle>
-            <a:lvl1pPr algn="ctr">
-              <a:defRPr sz="6000"/>
+            <a:lvl1pPr algn="r">
+              <a:defRPr sz="5000" spc="200" baseline="0"/>
             </a:lvl1pPr>
           </a:lstStyle>
           <a:p>
@@ -172,7 +174,7 @@
               <a:rPr lang="en-US" smtClean="0"/>
               <a:t>Click to edit Master title style</a:t>
             </a:r>
-            <a:endParaRPr lang="de-CH"/>
+            <a:endParaRPr lang="en-US" dirty="0"/>
           </a:p>
         </p:txBody>
       </p:sp>
@@ -188,20 +190,35 @@
         </p:nvSpPr>
         <p:spPr>
           <a:xfrm>
-            <a:off x="1524000" y="3602038"/>
-            <a:ext cx="9144000" cy="1655762"/>
+            <a:off x="8610600" y="4960137"/>
+            <a:ext cx="3200400" cy="1463040"/>
           </a:xfrm>
         </p:spPr>
         <p:txBody>
-          <a:bodyPr/>
+          <a:bodyPr lIns="91440" rIns="91440" anchor="ctr">
+            <a:normAutofit/>
+          </a:bodyPr>
           <a:lstStyle>
-            <a:lvl1pPr marL="0" indent="0" algn="ctr">
-              <a:buNone/>
-              <a:defRPr sz="2400"/>
+            <a:lvl1pPr marL="0" indent="0" algn="l">
+              <a:lnSpc>
+                <a:spcPct val="100000"/>
+              </a:lnSpc>
+              <a:spcBef>
+                <a:spcPts val="0"/>
+              </a:spcBef>
+              <a:buNone/>
+              <a:defRPr sz="1800">
+                <a:solidFill>
+                  <a:schemeClr val="tx1">
+                    <a:lumMod val="95000"/>
+                    <a:lumOff val="5000"/>
+                  </a:schemeClr>
+                </a:solidFill>
+              </a:defRPr>
             </a:lvl1pPr>
             <a:lvl2pPr marL="457200" indent="0" algn="ctr">
               <a:buNone/>
-              <a:defRPr sz="2000"/>
+              <a:defRPr sz="1800"/>
             </a:lvl2pPr>
             <a:lvl3pPr marL="914400" indent="0" algn="ctr">
               <a:buNone/>
@@ -209,27 +226,27 @@
             </a:lvl3pPr>
             <a:lvl4pPr marL="1371600" indent="0" algn="ctr">
               <a:buNone/>
-              <a:defRPr sz="1600"/>
+              <a:defRPr sz="1800"/>
             </a:lvl4pPr>
             <a:lvl5pPr marL="1828800" indent="0" algn="ctr">
               <a:buNone/>
-              <a:defRPr sz="1600"/>
+              <a:defRPr sz="1800"/>
             </a:lvl5pPr>
             <a:lvl6pPr marL="2286000" indent="0" algn="ctr">
               <a:buNone/>
-              <a:defRPr sz="1600"/>
+              <a:defRPr sz="1800"/>
             </a:lvl6pPr>
             <a:lvl7pPr marL="2743200" indent="0" algn="ctr">
               <a:buNone/>
-              <a:defRPr sz="1600"/>
+              <a:defRPr sz="1800"/>
             </a:lvl7pPr>
             <a:lvl8pPr marL="3200400" indent="0" algn="ctr">
               <a:buNone/>
-              <a:defRPr sz="1600"/>
+              <a:defRPr sz="1800"/>
             </a:lvl8pPr>
             <a:lvl9pPr marL="3657600" indent="0" algn="ctr">
               <a:buNone/>
-              <a:defRPr sz="1600"/>
+              <a:defRPr sz="1800"/>
             </a:lvl9pPr>
           </a:lstStyle>
           <a:p>
@@ -237,7 +254,7 @@
               <a:rPr lang="en-US" smtClean="0"/>
               <a:t>Click to edit Master subtitle style</a:t>
             </a:r>
-            <a:endParaRPr lang="de-CH"/>
+            <a:endParaRPr lang="en-US" dirty="0"/>
           </a:p>
         </p:txBody>
       </p:sp>
@@ -254,7 +271,11 @@
         <p:spPr/>
         <p:txBody>
           <a:bodyPr/>
-          <a:lstStyle/>
+          <a:lstStyle>
+            <a:lvl1pPr algn="l">
+              <a:defRPr/>
+            </a:lvl1pPr>
+          </a:lstStyle>
           <a:p>
             <a:fld id="{D47FFB9B-0AC0-4702-BD5D-BB6C896DA0F2}" type="datetimeFigureOut">
               <a:rPr lang="de-CH" smtClean="0"/>
@@ -306,10 +327,83 @@
           </a:p>
         </p:txBody>
       </p:sp>
+      <p:cxnSp>
+        <p:nvCxnSpPr>
+          <p:cNvPr id="13" name="Straight Connector 12"/>
+          <p:cNvCxnSpPr/>
+          <p:nvPr/>
+        </p:nvCxnSpPr>
+        <p:spPr>
+          <a:xfrm flipV="1">
+            <a:off x="8386842" y="5264106"/>
+            <a:ext cx="0" cy="914400"/>
+          </a:xfrm>
+          <a:prstGeom prst="line">
+            <a:avLst/>
+          </a:prstGeom>
+          <a:ln w="19050">
+            <a:solidFill>
+              <a:schemeClr val="accent2"/>
+            </a:solidFill>
+          </a:ln>
+        </p:spPr>
+        <p:style>
+          <a:lnRef idx="1">
+            <a:schemeClr val="accent1"/>
+          </a:lnRef>
+          <a:fillRef idx="0">
+            <a:schemeClr val="accent1"/>
+          </a:fillRef>
+          <a:effectRef idx="0">
+            <a:schemeClr val="accent1"/>
+          </a:effectRef>
+          <a:fontRef idx="minor">
+            <a:schemeClr val="tx1"/>
+          </a:fontRef>
+        </p:style>
+      </p:cxnSp>
+      <p:sp>
+        <p:nvSpPr>
+          <p:cNvPr id="10" name="Rectangle 9"/>
+          <p:cNvSpPr/>
+          <p:nvPr/>
+        </p:nvSpPr>
+        <p:spPr>
+          <a:xfrm>
+            <a:off x="0" y="-1"/>
+            <a:ext cx="12192000" cy="4572001"/>
+          </a:xfrm>
+          <a:prstGeom prst="rect">
+            <a:avLst/>
+          </a:prstGeom>
+          <a:solidFill>
+            <a:schemeClr val="accent2"/>
+          </a:solidFill>
+          <a:ln>
+            <a:noFill/>
+          </a:ln>
+        </p:spPr>
+        <p:style>
+          <a:lnRef idx="2">
+            <a:schemeClr val="accent1">
+              <a:shade val="50000"/>
+            </a:schemeClr>
+          </a:lnRef>
+          <a:fillRef idx="1">
+            <a:schemeClr val="accent1"/>
+          </a:fillRef>
+          <a:effectRef idx="0">
+            <a:schemeClr val="accent1"/>
+          </a:effectRef>
+          <a:fontRef idx="minor">
+            <a:schemeClr val="lt1"/>
+          </a:fontRef>
+        </p:style>
+      </p:sp>
     </p:spTree>
     <p:extLst>
       <p:ext uri="{BB962C8B-B14F-4D97-AF65-F5344CB8AC3E}">
-        <p14:creationId xmlns:p14="http://schemas.microsoft.com/office/powerpoint/2010/main" val="3199345846"/>
+        <p14:creationId xmlns:p14="http://schemas.microsoft.com/office/powerpoint/2010/main" val="2176894742"/>
       </p:ext>
     </p:extLst>
   </p:cSld>
@@ -355,7 +449,7 @@
               <a:rPr lang="en-US" smtClean="0"/>
               <a:t>Click to edit Master title style</a:t>
             </a:r>
-            <a:endParaRPr lang="de-CH"/>
+            <a:endParaRPr lang="en-US" dirty="0"/>
           </a:p>
         </p:txBody>
       </p:sp>
@@ -407,7 +501,7 @@
               <a:rPr lang="en-US" smtClean="0"/>
               <a:t>Fifth level</a:t>
             </a:r>
-            <a:endParaRPr lang="de-CH"/>
+            <a:endParaRPr lang="en-US" dirty="0"/>
           </a:p>
         </p:txBody>
       </p:sp>
@@ -479,7 +573,7 @@
     </p:spTree>
     <p:extLst>
       <p:ext uri="{BB962C8B-B14F-4D97-AF65-F5344CB8AC3E}">
-        <p14:creationId xmlns:p14="http://schemas.microsoft.com/office/powerpoint/2010/main" val="3330418982"/>
+        <p14:creationId xmlns:p14="http://schemas.microsoft.com/office/powerpoint/2010/main" val="850715000"/>
       </p:ext>
     </p:extLst>
   </p:cSld>
@@ -490,7 +584,7 @@
 </file>
 
 <file path=ppt/slideLayouts/slideLayout11.xml><?xml version="1.0" encoding="utf-8"?>
-<p:sldLayout xmlns:a="http://schemas.openxmlformats.org/drawingml/2006/main" xmlns:r="http://schemas.openxmlformats.org/officeDocument/2006/relationships" xmlns:p="http://schemas.openxmlformats.org/presentationml/2006/main" type="vertTitleAndTx" preserve="1">
+<p:sldLayout xmlns:a="http://schemas.openxmlformats.org/drawingml/2006/main" xmlns:r="http://schemas.openxmlformats.org/officeDocument/2006/relationships" xmlns:p="http://schemas.openxmlformats.org/presentationml/2006/main" showMasterSp="0" type="vertTitleAndTx" preserve="1">
   <p:cSld name="Vertical Title and Text">
     <p:spTree>
       <p:nvGrpSpPr>
@@ -518,19 +612,19 @@
         </p:nvSpPr>
         <p:spPr>
           <a:xfrm>
-            <a:off x="8724900" y="365125"/>
-            <a:ext cx="2628900" cy="5811838"/>
+            <a:off x="8724901" y="762000"/>
+            <a:ext cx="2628900" cy="5410200"/>
           </a:xfrm>
         </p:spPr>
         <p:txBody>
-          <a:bodyPr vert="eaVert"/>
+          <a:bodyPr vert="eaVert" lIns="45720" tIns="91440" rIns="45720" bIns="91440"/>
           <a:lstStyle/>
           <a:p>
             <a:r>
               <a:rPr lang="en-US" smtClean="0"/>
               <a:t>Click to edit Master title style</a:t>
             </a:r>
-            <a:endParaRPr lang="de-CH"/>
+            <a:endParaRPr lang="en-US" dirty="0"/>
           </a:p>
         </p:txBody>
       </p:sp>
@@ -546,8 +640,8 @@
         </p:nvSpPr>
         <p:spPr>
           <a:xfrm>
-            <a:off x="838200" y="365125"/>
-            <a:ext cx="7734300" cy="5811838"/>
+            <a:off x="990601" y="762000"/>
+            <a:ext cx="7581900" cy="5410200"/>
           </a:xfrm>
         </p:spPr>
         <p:txBody>
@@ -587,7 +681,7 @@
               <a:rPr lang="en-US" smtClean="0"/>
               <a:t>Fifth level</a:t>
             </a:r>
-            <a:endParaRPr lang="de-CH"/>
+            <a:endParaRPr lang="en-US" dirty="0"/>
           </a:p>
         </p:txBody>
       </p:sp>
@@ -656,10 +750,45 @@
           </a:p>
         </p:txBody>
       </p:sp>
+      <p:cxnSp>
+        <p:nvCxnSpPr>
+          <p:cNvPr id="8" name="Straight Connector 7"/>
+          <p:cNvCxnSpPr/>
+          <p:nvPr/>
+        </p:nvCxnSpPr>
+        <p:spPr>
+          <a:xfrm rot="5400000" flipV="1">
+            <a:off x="10058400" y="59263"/>
+            <a:ext cx="0" cy="914400"/>
+          </a:xfrm>
+          <a:prstGeom prst="line">
+            <a:avLst/>
+          </a:prstGeom>
+          <a:ln w="19050">
+            <a:solidFill>
+              <a:schemeClr val="accent2"/>
+            </a:solidFill>
+          </a:ln>
+        </p:spPr>
+        <p:style>
+          <a:lnRef idx="1">
+            <a:schemeClr val="accent1"/>
+          </a:lnRef>
+          <a:fillRef idx="0">
+            <a:schemeClr val="accent1"/>
+          </a:fillRef>
+          <a:effectRef idx="0">
+            <a:schemeClr val="accent1"/>
+          </a:effectRef>
+          <a:fontRef idx="minor">
+            <a:schemeClr val="tx1"/>
+          </a:fontRef>
+        </p:style>
+      </p:cxnSp>
     </p:spTree>
     <p:extLst>
       <p:ext uri="{BB962C8B-B14F-4D97-AF65-F5344CB8AC3E}">
-        <p14:creationId xmlns:p14="http://schemas.microsoft.com/office/powerpoint/2010/main" val="2407270776"/>
+        <p14:creationId xmlns:p14="http://schemas.microsoft.com/office/powerpoint/2010/main" val="440560128"/>
       </p:ext>
     </p:extLst>
   </p:cSld>
@@ -705,7 +834,7 @@
               <a:rPr lang="en-US" smtClean="0"/>
               <a:t>Click to edit Master title style</a:t>
             </a:r>
-            <a:endParaRPr lang="de-CH"/>
+            <a:endParaRPr lang="en-US" dirty="0"/>
           </a:p>
         </p:txBody>
       </p:sp>
@@ -757,7 +886,7 @@
               <a:rPr lang="en-US" smtClean="0"/>
               <a:t>Fifth level</a:t>
             </a:r>
-            <a:endParaRPr lang="de-CH"/>
+            <a:endParaRPr lang="en-US" dirty="0"/>
           </a:p>
         </p:txBody>
       </p:sp>
@@ -829,7 +958,7 @@
     </p:spTree>
     <p:extLst>
       <p:ext uri="{BB962C8B-B14F-4D97-AF65-F5344CB8AC3E}">
-        <p14:creationId xmlns:p14="http://schemas.microsoft.com/office/powerpoint/2010/main" val="779968908"/>
+        <p14:creationId xmlns:p14="http://schemas.microsoft.com/office/powerpoint/2010/main" val="3372524527"/>
       </p:ext>
     </p:extLst>
   </p:cSld>
@@ -840,7 +969,7 @@
 </file>
 
 <file path=ppt/slideLayouts/slideLayout3.xml><?xml version="1.0" encoding="utf-8"?>
-<p:sldLayout xmlns:a="http://schemas.openxmlformats.org/drawingml/2006/main" xmlns:r="http://schemas.openxmlformats.org/officeDocument/2006/relationships" xmlns:p="http://schemas.openxmlformats.org/presentationml/2006/main" type="secHead" preserve="1">
+<p:sldLayout xmlns:a="http://schemas.openxmlformats.org/drawingml/2006/main" xmlns:r="http://schemas.openxmlformats.org/officeDocument/2006/relationships" xmlns:p="http://schemas.openxmlformats.org/presentationml/2006/main" showMasterSp="0" type="secHead" preserve="1">
   <p:cSld name="Section Header">
     <p:spTree>
       <p:nvGrpSpPr>
@@ -868,15 +997,17 @@
         </p:nvSpPr>
         <p:spPr>
           <a:xfrm>
-            <a:off x="831850" y="1709738"/>
-            <a:ext cx="10515600" cy="2852737"/>
+            <a:off x="457200" y="4960137"/>
+            <a:ext cx="7772400" cy="1463040"/>
           </a:xfrm>
         </p:spPr>
         <p:txBody>
-          <a:bodyPr anchor="b"/>
+          <a:bodyPr anchor="ctr">
+            <a:normAutofit/>
+          </a:bodyPr>
           <a:lstStyle>
-            <a:lvl1pPr>
-              <a:defRPr sz="6000"/>
+            <a:lvl1pPr algn="r">
+              <a:defRPr sz="5000" b="0" spc="200" baseline="0"/>
             </a:lvl1pPr>
           </a:lstStyle>
           <a:p>
@@ -884,7 +1015,7 @@
               <a:rPr lang="en-US" smtClean="0"/>
               <a:t>Click to edit Master title style</a:t>
             </a:r>
-            <a:endParaRPr lang="de-CH"/>
+            <a:endParaRPr lang="en-US" dirty="0"/>
           </a:p>
         </p:txBody>
       </p:sp>
@@ -900,26 +1031,35 @@
         </p:nvSpPr>
         <p:spPr>
           <a:xfrm>
-            <a:off x="831850" y="4589463"/>
-            <a:ext cx="10515600" cy="1500187"/>
+            <a:off x="8610600" y="4960137"/>
+            <a:ext cx="3200400" cy="1463040"/>
           </a:xfrm>
         </p:spPr>
         <p:txBody>
-          <a:bodyPr/>
+          <a:bodyPr lIns="91440" rIns="91440" anchor="ctr">
+            <a:normAutofit/>
+          </a:bodyPr>
           <a:lstStyle>
             <a:lvl1pPr marL="0" indent="0">
-              <a:buNone/>
-              <a:defRPr sz="2400">
+              <a:lnSpc>
+                <a:spcPct val="100000"/>
+              </a:lnSpc>
+              <a:spcBef>
+                <a:spcPts val="0"/>
+              </a:spcBef>
+              <a:buNone/>
+              <a:defRPr sz="1800">
                 <a:solidFill>
                   <a:schemeClr val="tx1">
-                    <a:tint val="75000"/>
+                    <a:lumMod val="95000"/>
+                    <a:lumOff val="5000"/>
                   </a:schemeClr>
                 </a:solidFill>
               </a:defRPr>
             </a:lvl1pPr>
             <a:lvl2pPr marL="457200" indent="0">
               <a:buNone/>
-              <a:defRPr sz="2000">
+              <a:defRPr sz="1800">
                 <a:solidFill>
                   <a:schemeClr val="tx1">
                     <a:tint val="75000"/>
@@ -929,7 +1069,7 @@
             </a:lvl2pPr>
             <a:lvl3pPr marL="914400" indent="0">
               <a:buNone/>
-              <a:defRPr sz="1800">
+              <a:defRPr sz="1600">
                 <a:solidFill>
                   <a:schemeClr val="tx1">
                     <a:tint val="75000"/>
@@ -939,7 +1079,7 @@
             </a:lvl3pPr>
             <a:lvl4pPr marL="1371600" indent="0">
               <a:buNone/>
-              <a:defRPr sz="1600">
+              <a:defRPr sz="1400">
                 <a:solidFill>
                   <a:schemeClr val="tx1">
                     <a:tint val="75000"/>
@@ -949,7 +1089,7 @@
             </a:lvl4pPr>
             <a:lvl5pPr marL="1828800" indent="0">
               <a:buNone/>
-              <a:defRPr sz="1600">
+              <a:defRPr sz="1400">
                 <a:solidFill>
                   <a:schemeClr val="tx1">
                     <a:tint val="75000"/>
@@ -959,7 +1099,7 @@
             </a:lvl5pPr>
             <a:lvl6pPr marL="2286000" indent="0">
               <a:buNone/>
-              <a:defRPr sz="1600">
+              <a:defRPr sz="1400">
                 <a:solidFill>
                   <a:schemeClr val="tx1">
                     <a:tint val="75000"/>
@@ -969,7 +1109,7 @@
             </a:lvl6pPr>
             <a:lvl7pPr marL="2743200" indent="0">
               <a:buNone/>
-              <a:defRPr sz="1600">
+              <a:defRPr sz="1400">
                 <a:solidFill>
                   <a:schemeClr val="tx1">
                     <a:tint val="75000"/>
@@ -979,7 +1119,7 @@
             </a:lvl7pPr>
             <a:lvl8pPr marL="3200400" indent="0">
               <a:buNone/>
-              <a:defRPr sz="1600">
+              <a:defRPr sz="1400">
                 <a:solidFill>
                   <a:schemeClr val="tx1">
                     <a:tint val="75000"/>
@@ -989,7 +1129,7 @@
             </a:lvl8pPr>
             <a:lvl9pPr marL="3657600" indent="0">
               <a:buNone/>
-              <a:defRPr sz="1600">
+              <a:defRPr sz="1400">
                 <a:solidFill>
                   <a:schemeClr val="tx1">
                     <a:tint val="75000"/>
@@ -1072,10 +1212,120 @@
           </a:p>
         </p:txBody>
       </p:sp>
+      <p:cxnSp>
+        <p:nvCxnSpPr>
+          <p:cNvPr id="8" name="Straight Connector 7"/>
+          <p:cNvCxnSpPr/>
+          <p:nvPr/>
+        </p:nvCxnSpPr>
+        <p:spPr>
+          <a:xfrm flipV="1">
+            <a:off x="8386843" y="5264106"/>
+            <a:ext cx="0" cy="914400"/>
+          </a:xfrm>
+          <a:prstGeom prst="line">
+            <a:avLst/>
+          </a:prstGeom>
+          <a:ln w="19050">
+            <a:solidFill>
+              <a:schemeClr val="accent1">
+                <a:lumMod val="75000"/>
+              </a:schemeClr>
+            </a:solidFill>
+          </a:ln>
+        </p:spPr>
+        <p:style>
+          <a:lnRef idx="1">
+            <a:schemeClr val="accent1"/>
+          </a:lnRef>
+          <a:fillRef idx="0">
+            <a:schemeClr val="accent1"/>
+          </a:fillRef>
+          <a:effectRef idx="0">
+            <a:schemeClr val="accent1"/>
+          </a:effectRef>
+          <a:fontRef idx="minor">
+            <a:schemeClr val="tx1"/>
+          </a:fontRef>
+        </p:style>
+      </p:cxnSp>
+      <p:cxnSp>
+        <p:nvCxnSpPr>
+          <p:cNvPr id="12" name="Straight Connector 11"/>
+          <p:cNvCxnSpPr/>
+          <p:nvPr/>
+        </p:nvCxnSpPr>
+        <p:spPr>
+          <a:xfrm flipV="1">
+            <a:off x="8386842" y="5264106"/>
+            <a:ext cx="0" cy="914400"/>
+          </a:xfrm>
+          <a:prstGeom prst="line">
+            <a:avLst/>
+          </a:prstGeom>
+          <a:ln w="19050">
+            <a:solidFill>
+              <a:schemeClr val="accent3"/>
+            </a:solidFill>
+          </a:ln>
+        </p:spPr>
+        <p:style>
+          <a:lnRef idx="1">
+            <a:schemeClr val="accent1"/>
+          </a:lnRef>
+          <a:fillRef idx="0">
+            <a:schemeClr val="accent1"/>
+          </a:fillRef>
+          <a:effectRef idx="0">
+            <a:schemeClr val="accent1"/>
+          </a:effectRef>
+          <a:fontRef idx="minor">
+            <a:schemeClr val="tx1"/>
+          </a:fontRef>
+        </p:style>
+      </p:cxnSp>
+      <p:sp>
+        <p:nvSpPr>
+          <p:cNvPr id="13" name="Rectangle 12"/>
+          <p:cNvSpPr/>
+          <p:nvPr/>
+        </p:nvSpPr>
+        <p:spPr>
+          <a:xfrm>
+            <a:off x="0" y="-1"/>
+            <a:ext cx="12192000" cy="4572000"/>
+          </a:xfrm>
+          <a:prstGeom prst="rect">
+            <a:avLst/>
+          </a:prstGeom>
+          <a:solidFill>
+            <a:schemeClr val="accent3"/>
+          </a:solidFill>
+          <a:ln>
+            <a:noFill/>
+          </a:ln>
+        </p:spPr>
+        <p:style>
+          <a:lnRef idx="2">
+            <a:schemeClr val="accent1">
+              <a:shade val="50000"/>
+            </a:schemeClr>
+          </a:lnRef>
+          <a:fillRef idx="1">
+            <a:schemeClr val="accent1"/>
+          </a:fillRef>
+          <a:effectRef idx="0">
+            <a:schemeClr val="accent1"/>
+          </a:effectRef>
+          <a:fontRef idx="minor">
+            <a:schemeClr val="lt1"/>
+          </a:fontRef>
+        </p:style>
+      </p:sp>
     </p:spTree>
     <p:extLst>
       <p:ext uri="{BB962C8B-B14F-4D97-AF65-F5344CB8AC3E}">
-        <p14:creationId xmlns:p14="http://schemas.microsoft.com/office/powerpoint/2010/main" val="2922749311"/>
+        <p14:creationId xmlns:p14="http://schemas.microsoft.com/office/powerpoint/2010/main" val="3820122966"/>
       </p:ext>
     </p:extLst>
   </p:cSld>
@@ -1112,90 +1362,38 @@
             <p:ph type="title"/>
           </p:nvPr>
         </p:nvSpPr>
-        <p:spPr/>
-        <p:txBody>
-          <a:bodyPr/>
-          <a:lstStyle/>
-          <a:p>
-            <a:r>
-              <a:rPr lang="en-US" smtClean="0"/>
-              <a:t>Click to edit Master title style</a:t>
-            </a:r>
-            <a:endParaRPr lang="de-CH"/>
-          </a:p>
-        </p:txBody>
-      </p:sp>
-      <p:sp>
-        <p:nvSpPr>
-          <p:cNvPr id="3" name="Content Placeholder 2"/>
-          <p:cNvSpPr>
-            <a:spLocks noGrp="1"/>
-          </p:cNvSpPr>
-          <p:nvPr>
-            <p:ph sz="half" idx="1"/>
-          </p:nvPr>
-        </p:nvSpPr>
         <p:spPr>
           <a:xfrm>
-            <a:off x="838200" y="1825625"/>
-            <a:ext cx="5181600" cy="4351338"/>
+            <a:off x="1024128" y="585216"/>
+            <a:ext cx="9720072" cy="1499616"/>
           </a:xfrm>
         </p:spPr>
         <p:txBody>
           <a:bodyPr/>
           <a:lstStyle/>
           <a:p>
-            <a:pPr lvl="0"/>
-            <a:r>
-              <a:rPr lang="en-US" smtClean="0"/>
-              <a:t>Click to edit Master text styles</a:t>
-            </a:r>
-          </a:p>
-          <a:p>
-            <a:pPr lvl="1"/>
-            <a:r>
-              <a:rPr lang="en-US" smtClean="0"/>
-              <a:t>Second level</a:t>
-            </a:r>
-          </a:p>
-          <a:p>
-            <a:pPr lvl="2"/>
-            <a:r>
-              <a:rPr lang="en-US" smtClean="0"/>
-              <a:t>Third level</a:t>
-            </a:r>
-          </a:p>
-          <a:p>
-            <a:pPr lvl="3"/>
-            <a:r>
-              <a:rPr lang="en-US" smtClean="0"/>
-              <a:t>Fourth level</a:t>
-            </a:r>
-          </a:p>
-          <a:p>
-            <a:pPr lvl="4"/>
-            <a:r>
-              <a:rPr lang="en-US" smtClean="0"/>
-              <a:t>Fifth level</a:t>
-            </a:r>
-            <a:endParaRPr lang="de-CH"/>
-          </a:p>
-        </p:txBody>
-      </p:sp>
-      <p:sp>
-        <p:nvSpPr>
-          <p:cNvPr id="4" name="Content Placeholder 3"/>
-          <p:cNvSpPr>
-            <a:spLocks noGrp="1"/>
-          </p:cNvSpPr>
-          <p:nvPr>
-            <p:ph sz="half" idx="2"/>
+            <a:r>
+              <a:rPr lang="en-US" smtClean="0"/>
+              <a:t>Click to edit Master title style</a:t>
+            </a:r>
+            <a:endParaRPr lang="en-US" dirty="0"/>
+          </a:p>
+        </p:txBody>
+      </p:sp>
+      <p:sp>
+        <p:nvSpPr>
+          <p:cNvPr id="3" name="Content Placeholder 2"/>
+          <p:cNvSpPr>
+            <a:spLocks noGrp="1"/>
+          </p:cNvSpPr>
+          <p:nvPr>
+            <p:ph sz="half" idx="1"/>
           </p:nvPr>
         </p:nvSpPr>
         <p:spPr>
           <a:xfrm>
-            <a:off x="6172200" y="1825625"/>
-            <a:ext cx="5181600" cy="4351338"/>
+            <a:off x="1024127" y="2286000"/>
+            <a:ext cx="4754880" cy="4023360"/>
           </a:xfrm>
         </p:spPr>
         <p:txBody>
@@ -1235,7 +1433,64 @@
               <a:rPr lang="en-US" smtClean="0"/>
               <a:t>Fifth level</a:t>
             </a:r>
-            <a:endParaRPr lang="de-CH"/>
+            <a:endParaRPr lang="en-US" dirty="0"/>
+          </a:p>
+        </p:txBody>
+      </p:sp>
+      <p:sp>
+        <p:nvSpPr>
+          <p:cNvPr id="4" name="Content Placeholder 3"/>
+          <p:cNvSpPr>
+            <a:spLocks noGrp="1"/>
+          </p:cNvSpPr>
+          <p:nvPr>
+            <p:ph sz="half" idx="2"/>
+          </p:nvPr>
+        </p:nvSpPr>
+        <p:spPr>
+          <a:xfrm>
+            <a:off x="5989320" y="2286000"/>
+            <a:ext cx="4754880" cy="4023360"/>
+          </a:xfrm>
+        </p:spPr>
+        <p:txBody>
+          <a:bodyPr/>
+          <a:lstStyle/>
+          <a:p>
+            <a:pPr lvl="0"/>
+            <a:r>
+              <a:rPr lang="en-US" smtClean="0"/>
+              <a:t>Click to edit Master text styles</a:t>
+            </a:r>
+          </a:p>
+          <a:p>
+            <a:pPr lvl="1"/>
+            <a:r>
+              <a:rPr lang="en-US" smtClean="0"/>
+              <a:t>Second level</a:t>
+            </a:r>
+          </a:p>
+          <a:p>
+            <a:pPr lvl="2"/>
+            <a:r>
+              <a:rPr lang="en-US" smtClean="0"/>
+              <a:t>Third level</a:t>
+            </a:r>
+          </a:p>
+          <a:p>
+            <a:pPr lvl="3"/>
+            <a:r>
+              <a:rPr lang="en-US" smtClean="0"/>
+              <a:t>Fourth level</a:t>
+            </a:r>
+          </a:p>
+          <a:p>
+            <a:pPr lvl="4"/>
+            <a:r>
+              <a:rPr lang="en-US" smtClean="0"/>
+              <a:t>Fifth level</a:t>
+            </a:r>
+            <a:endParaRPr lang="en-US" dirty="0"/>
           </a:p>
         </p:txBody>
       </p:sp>
@@ -1307,7 +1562,7 @@
     </p:spTree>
     <p:extLst>
       <p:ext uri="{BB962C8B-B14F-4D97-AF65-F5344CB8AC3E}">
-        <p14:creationId xmlns:p14="http://schemas.microsoft.com/office/powerpoint/2010/main" val="1271493252"/>
+        <p14:creationId xmlns:p14="http://schemas.microsoft.com/office/powerpoint/2010/main" val="3731405114"/>
       </p:ext>
     </p:extLst>
   </p:cSld>
@@ -1336,54 +1591,64 @@
       </p:grpSpPr>
       <p:sp>
         <p:nvSpPr>
-          <p:cNvPr id="2" name="Title 1"/>
+          <p:cNvPr id="10" name="Title 9"/>
           <p:cNvSpPr>
             <a:spLocks noGrp="1"/>
           </p:cNvSpPr>
           <p:nvPr>
             <p:ph type="title"/>
+          </p:nvPr>
+        </p:nvSpPr>
+        <p:spPr/>
+        <p:txBody>
+          <a:bodyPr/>
+          <a:lstStyle/>
+          <a:p>
+            <a:r>
+              <a:rPr lang="en-US" smtClean="0"/>
+              <a:t>Click to edit Master title style</a:t>
+            </a:r>
+            <a:endParaRPr lang="en-US" dirty="0"/>
+          </a:p>
+        </p:txBody>
+      </p:sp>
+      <p:sp>
+        <p:nvSpPr>
+          <p:cNvPr id="3" name="Text Placeholder 2"/>
+          <p:cNvSpPr>
+            <a:spLocks noGrp="1"/>
+          </p:cNvSpPr>
+          <p:nvPr>
+            <p:ph type="body" idx="1"/>
           </p:nvPr>
         </p:nvSpPr>
         <p:spPr>
           <a:xfrm>
-            <a:off x="839788" y="365125"/>
-            <a:ext cx="10515600" cy="1325563"/>
+            <a:off x="1024128" y="2179636"/>
+            <a:ext cx="4754880" cy="822960"/>
           </a:xfrm>
         </p:spPr>
         <p:txBody>
-          <a:bodyPr/>
-          <a:lstStyle/>
-          <a:p>
-            <a:r>
-              <a:rPr lang="en-US" smtClean="0"/>
-              <a:t>Click to edit Master title style</a:t>
-            </a:r>
-            <a:endParaRPr lang="de-CH"/>
-          </a:p>
-        </p:txBody>
-      </p:sp>
-      <p:sp>
-        <p:nvSpPr>
-          <p:cNvPr id="3" name="Text Placeholder 2"/>
-          <p:cNvSpPr>
-            <a:spLocks noGrp="1"/>
-          </p:cNvSpPr>
-          <p:nvPr>
-            <p:ph type="body" idx="1"/>
-          </p:nvPr>
-        </p:nvSpPr>
-        <p:spPr>
-          <a:xfrm>
-            <a:off x="839788" y="1681163"/>
-            <a:ext cx="5157787" cy="823912"/>
-          </a:xfrm>
-        </p:spPr>
-        <p:txBody>
-          <a:bodyPr anchor="b"/>
+          <a:bodyPr lIns="137160" rIns="137160" anchor="ctr">
+            <a:normAutofit/>
+          </a:bodyPr>
           <a:lstStyle>
             <a:lvl1pPr marL="0" indent="0">
-              <a:buNone/>
-              <a:defRPr sz="2400" b="1"/>
+              <a:spcBef>
+                <a:spcPts val="0"/>
+              </a:spcBef>
+              <a:spcAft>
+                <a:spcPts val="0"/>
+              </a:spcAft>
+              <a:buNone/>
+              <a:defRPr sz="2300" b="0" cap="none" baseline="0">
+                <a:solidFill>
+                  <a:schemeClr val="accent2">
+                    <a:lumMod val="75000"/>
+                  </a:schemeClr>
+                </a:solidFill>
+                <a:latin typeface="+mn-lt"/>
+              </a:defRPr>
             </a:lvl1pPr>
             <a:lvl2pPr marL="457200" indent="0">
               <a:buNone/>
@@ -1439,8 +1704,8 @@
         </p:nvSpPr>
         <p:spPr>
           <a:xfrm>
-            <a:off x="839788" y="2505075"/>
-            <a:ext cx="5157787" cy="3684588"/>
+            <a:off x="1024128" y="2967788"/>
+            <a:ext cx="4754880" cy="3341572"/>
           </a:xfrm>
         </p:spPr>
         <p:txBody>
@@ -1480,7 +1745,7 @@
               <a:rPr lang="en-US" smtClean="0"/>
               <a:t>Fifth level</a:t>
             </a:r>
-            <a:endParaRPr lang="de-CH"/>
+            <a:endParaRPr lang="en-US" dirty="0"/>
           </a:p>
         </p:txBody>
       </p:sp>
@@ -1496,16 +1761,33 @@
         </p:nvSpPr>
         <p:spPr>
           <a:xfrm>
-            <a:off x="6172200" y="1681163"/>
-            <a:ext cx="5183188" cy="823912"/>
+            <a:off x="5990888" y="2179636"/>
+            <a:ext cx="4754880" cy="822960"/>
           </a:xfrm>
         </p:spPr>
         <p:txBody>
-          <a:bodyPr anchor="b"/>
+          <a:bodyPr lIns="137160" rIns="137160" anchor="ctr">
+            <a:normAutofit/>
+          </a:bodyPr>
           <a:lstStyle>
             <a:lvl1pPr marL="0" indent="0">
-              <a:buNone/>
-              <a:defRPr sz="2400" b="1"/>
+              <a:spcBef>
+                <a:spcPts val="0"/>
+              </a:spcBef>
+              <a:spcAft>
+                <a:spcPts val="0"/>
+              </a:spcAft>
+              <a:buNone/>
+              <a:defRPr lang="en-US" sz="2300" b="0" kern="1200" cap="none" baseline="0" dirty="0">
+                <a:solidFill>
+                  <a:schemeClr val="accent2">
+                    <a:lumMod val="75000"/>
+                  </a:schemeClr>
+                </a:solidFill>
+                <a:latin typeface="+mn-lt"/>
+                <a:ea typeface="+mn-ea"/>
+                <a:cs typeface="+mn-cs"/>
+              </a:defRPr>
             </a:lvl1pPr>
             <a:lvl2pPr marL="457200" indent="0">
               <a:buNone/>
@@ -1541,7 +1823,15 @@
             </a:lvl9pPr>
           </a:lstStyle>
           <a:p>
-            <a:pPr lvl="0"/>
+            <a:pPr marL="0" lvl="0" indent="0" algn="l" defTabSz="914400" rtl="0" eaLnBrk="1" latinLnBrk="0" hangingPunct="1">
+              <a:lnSpc>
+                <a:spcPct val="90000"/>
+              </a:lnSpc>
+              <a:spcBef>
+                <a:spcPts val="1800"/>
+              </a:spcBef>
+              <a:buNone/>
+            </a:pPr>
             <a:r>
               <a:rPr lang="en-US" smtClean="0"/>
               <a:t>Click to edit Master text styles</a:t>
@@ -1561,8 +1851,8 @@
         </p:nvSpPr>
         <p:spPr>
           <a:xfrm>
-            <a:off x="6172200" y="2505075"/>
-            <a:ext cx="5183188" cy="3684588"/>
+            <a:off x="5990888" y="2967788"/>
+            <a:ext cx="4754880" cy="3341572"/>
           </a:xfrm>
         </p:spPr>
         <p:txBody>
@@ -1602,7 +1892,7 @@
               <a:rPr lang="en-US" smtClean="0"/>
               <a:t>Fifth level</a:t>
             </a:r>
-            <a:endParaRPr lang="de-CH"/>
+            <a:endParaRPr lang="en-US" dirty="0"/>
           </a:p>
         </p:txBody>
       </p:sp>
@@ -1674,7 +1964,7 @@
     </p:spTree>
     <p:extLst>
       <p:ext uri="{BB962C8B-B14F-4D97-AF65-F5344CB8AC3E}">
-        <p14:creationId xmlns:p14="http://schemas.microsoft.com/office/powerpoint/2010/main" val="2484703866"/>
+        <p14:creationId xmlns:p14="http://schemas.microsoft.com/office/powerpoint/2010/main" val="3787553341"/>
       </p:ext>
     </p:extLst>
   </p:cSld>
@@ -1720,7 +2010,7 @@
               <a:rPr lang="en-US" smtClean="0"/>
               <a:t>Click to edit Master title style</a:t>
             </a:r>
-            <a:endParaRPr lang="de-CH"/>
+            <a:endParaRPr lang="en-US" dirty="0"/>
           </a:p>
         </p:txBody>
       </p:sp>
@@ -1792,7 +2082,7 @@
     </p:spTree>
     <p:extLst>
       <p:ext uri="{BB962C8B-B14F-4D97-AF65-F5344CB8AC3E}">
-        <p14:creationId xmlns:p14="http://schemas.microsoft.com/office/powerpoint/2010/main" val="966185175"/>
+        <p14:creationId xmlns:p14="http://schemas.microsoft.com/office/powerpoint/2010/main" val="3457624344"/>
       </p:ext>
     </p:extLst>
   </p:cSld>
@@ -1803,7 +2093,7 @@
 </file>
 
 <file path=ppt/slideLayouts/slideLayout7.xml><?xml version="1.0" encoding="utf-8"?>
-<p:sldLayout xmlns:a="http://schemas.openxmlformats.org/drawingml/2006/main" xmlns:r="http://schemas.openxmlformats.org/officeDocument/2006/relationships" xmlns:p="http://schemas.openxmlformats.org/presentationml/2006/main" type="blank" preserve="1">
+<p:sldLayout xmlns:a="http://schemas.openxmlformats.org/drawingml/2006/main" xmlns:r="http://schemas.openxmlformats.org/officeDocument/2006/relationships" xmlns:p="http://schemas.openxmlformats.org/presentationml/2006/main" showMasterSp="0" type="blank" preserve="1">
   <p:cSld name="Blank">
     <p:spTree>
       <p:nvGrpSpPr>
@@ -1887,7 +2177,7 @@
     </p:spTree>
     <p:extLst>
       <p:ext uri="{BB962C8B-B14F-4D97-AF65-F5344CB8AC3E}">
-        <p14:creationId xmlns:p14="http://schemas.microsoft.com/office/powerpoint/2010/main" val="1785627294"/>
+        <p14:creationId xmlns:p14="http://schemas.microsoft.com/office/powerpoint/2010/main" val="4206879803"/>
       </p:ext>
     </p:extLst>
   </p:cSld>
@@ -1916,7 +2206,7 @@
       </p:grpSpPr>
       <p:sp>
         <p:nvSpPr>
-          <p:cNvPr id="2" name="Title 1"/>
+          <p:cNvPr id="8" name="Title 7"/>
           <p:cNvSpPr>
             <a:spLocks noGrp="1"/>
           </p:cNvSpPr>
@@ -1926,15 +2216,20 @@
         </p:nvSpPr>
         <p:spPr>
           <a:xfrm>
-            <a:off x="839788" y="457200"/>
-            <a:ext cx="3932237" cy="1600200"/>
+            <a:off x="1024128" y="471509"/>
+            <a:ext cx="4389120" cy="1737360"/>
           </a:xfrm>
         </p:spPr>
         <p:txBody>
-          <a:bodyPr anchor="b"/>
+          <a:bodyPr>
+            <a:noAutofit/>
+          </a:bodyPr>
           <a:lstStyle>
             <a:lvl1pPr>
-              <a:defRPr sz="3200"/>
+              <a:lnSpc>
+                <a:spcPct val="80000"/>
+              </a:lnSpc>
+              <a:defRPr sz="4000"/>
             </a:lvl1pPr>
           </a:lstStyle>
           <a:p>
@@ -1942,7 +2237,7 @@
               <a:rPr lang="en-US" smtClean="0"/>
               <a:t>Click to edit Master title style</a:t>
             </a:r>
-            <a:endParaRPr lang="de-CH"/>
+            <a:endParaRPr lang="en-US" dirty="0"/>
           </a:p>
         </p:txBody>
       </p:sp>
@@ -1958,39 +2253,39 @@
         </p:nvSpPr>
         <p:spPr>
           <a:xfrm>
-            <a:off x="5183188" y="987425"/>
-            <a:ext cx="6172200" cy="4873625"/>
+            <a:off x="5715000" y="822960"/>
+            <a:ext cx="5678424" cy="5184648"/>
           </a:xfrm>
         </p:spPr>
         <p:txBody>
           <a:bodyPr/>
           <a:lstStyle>
             <a:lvl1pPr>
-              <a:defRPr sz="3200"/>
+              <a:defRPr sz="2400"/>
             </a:lvl1pPr>
             <a:lvl2pPr>
-              <a:defRPr sz="2800"/>
+              <a:defRPr sz="2000"/>
             </a:lvl2pPr>
             <a:lvl3pPr>
-              <a:defRPr sz="2400"/>
+              <a:defRPr sz="1600"/>
             </a:lvl3pPr>
             <a:lvl4pPr>
-              <a:defRPr sz="2000"/>
+              <a:defRPr sz="1600"/>
             </a:lvl4pPr>
             <a:lvl5pPr>
-              <a:defRPr sz="2000"/>
+              <a:defRPr sz="1600"/>
             </a:lvl5pPr>
             <a:lvl6pPr>
-              <a:defRPr sz="2000"/>
+              <a:defRPr sz="1600"/>
             </a:lvl6pPr>
             <a:lvl7pPr>
-              <a:defRPr sz="2000"/>
+              <a:defRPr sz="1600"/>
             </a:lvl7pPr>
             <a:lvl8pPr>
-              <a:defRPr sz="2000"/>
+              <a:defRPr sz="1600"/>
             </a:lvl8pPr>
             <a:lvl9pPr>
-              <a:defRPr sz="2000"/>
+              <a:defRPr sz="1600"/>
             </a:lvl9pPr>
           </a:lstStyle>
           <a:p>
@@ -2027,7 +2322,7 @@
               <a:rPr lang="en-US" smtClean="0"/>
               <a:t>Fifth level</a:t>
             </a:r>
-            <a:endParaRPr lang="de-CH"/>
+            <a:endParaRPr lang="en-US" dirty="0"/>
           </a:p>
         </p:txBody>
       </p:sp>
@@ -2043,48 +2338,56 @@
         </p:nvSpPr>
         <p:spPr>
           <a:xfrm>
-            <a:off x="839788" y="2057400"/>
-            <a:ext cx="3932237" cy="3811588"/>
+            <a:off x="1024128" y="2257506"/>
+            <a:ext cx="4389120" cy="3762294"/>
           </a:xfrm>
         </p:spPr>
         <p:txBody>
-          <a:bodyPr/>
+          <a:bodyPr lIns="91440" rIns="91440">
+            <a:normAutofit/>
+          </a:bodyPr>
           <a:lstStyle>
             <a:lvl1pPr marL="0" indent="0">
+              <a:lnSpc>
+                <a:spcPct val="108000"/>
+              </a:lnSpc>
+              <a:spcBef>
+                <a:spcPts val="600"/>
+              </a:spcBef>
               <a:buNone/>
               <a:defRPr sz="1600"/>
             </a:lvl1pPr>
             <a:lvl2pPr marL="457200" indent="0">
               <a:buNone/>
-              <a:defRPr sz="1400"/>
+              <a:defRPr sz="1200"/>
             </a:lvl2pPr>
             <a:lvl3pPr marL="914400" indent="0">
               <a:buNone/>
-              <a:defRPr sz="1200"/>
+              <a:defRPr sz="1000"/>
             </a:lvl3pPr>
             <a:lvl4pPr marL="1371600" indent="0">
               <a:buNone/>
-              <a:defRPr sz="1000"/>
+              <a:defRPr sz="900"/>
             </a:lvl4pPr>
             <a:lvl5pPr marL="1828800" indent="0">
               <a:buNone/>
-              <a:defRPr sz="1000"/>
+              <a:defRPr sz="900"/>
             </a:lvl5pPr>
             <a:lvl6pPr marL="2286000" indent="0">
               <a:buNone/>
-              <a:defRPr sz="1000"/>
+              <a:defRPr sz="900"/>
             </a:lvl6pPr>
             <a:lvl7pPr marL="2743200" indent="0">
               <a:buNone/>
-              <a:defRPr sz="1000"/>
+              <a:defRPr sz="900"/>
             </a:lvl7pPr>
             <a:lvl8pPr marL="3200400" indent="0">
               <a:buNone/>
-              <a:defRPr sz="1000"/>
+              <a:defRPr sz="900"/>
             </a:lvl8pPr>
             <a:lvl9pPr marL="3657600" indent="0">
               <a:buNone/>
-              <a:defRPr sz="1000"/>
+              <a:defRPr sz="900"/>
             </a:lvl9pPr>
           </a:lstStyle>
           <a:p>
@@ -2164,7 +2467,7 @@
     </p:spTree>
     <p:extLst>
       <p:ext uri="{BB962C8B-B14F-4D97-AF65-F5344CB8AC3E}">
-        <p14:creationId xmlns:p14="http://schemas.microsoft.com/office/powerpoint/2010/main" val="1240638112"/>
+        <p14:creationId xmlns:p14="http://schemas.microsoft.com/office/powerpoint/2010/main" val="828832050"/>
       </p:ext>
     </p:extLst>
   </p:cSld>
@@ -2175,7 +2478,7 @@
 </file>
 
 <file path=ppt/slideLayouts/slideLayout9.xml><?xml version="1.0" encoding="utf-8"?>
-<p:sldLayout xmlns:a="http://schemas.openxmlformats.org/drawingml/2006/main" xmlns:r="http://schemas.openxmlformats.org/officeDocument/2006/relationships" xmlns:p="http://schemas.openxmlformats.org/presentationml/2006/main" type="picTx" preserve="1">
+<p:sldLayout xmlns:a="http://schemas.openxmlformats.org/drawingml/2006/main" xmlns:r="http://schemas.openxmlformats.org/officeDocument/2006/relationships" xmlns:p="http://schemas.openxmlformats.org/presentationml/2006/main" showMasterSp="0" type="picTx" preserve="1">
   <p:cSld name="Picture with Caption">
     <p:spTree>
       <p:nvGrpSpPr>
@@ -2203,15 +2506,17 @@
         </p:nvSpPr>
         <p:spPr>
           <a:xfrm>
-            <a:off x="839788" y="457200"/>
-            <a:ext cx="3932237" cy="1600200"/>
+            <a:off x="457200" y="4960138"/>
+            <a:ext cx="7772400" cy="1463040"/>
           </a:xfrm>
         </p:spPr>
         <p:txBody>
-          <a:bodyPr anchor="b"/>
+          <a:bodyPr anchor="ctr">
+            <a:normAutofit/>
+          </a:bodyPr>
           <a:lstStyle>
-            <a:lvl1pPr>
-              <a:defRPr sz="3200"/>
+            <a:lvl1pPr algn="r">
+              <a:defRPr sz="5000" spc="200" baseline="0"/>
             </a:lvl1pPr>
           </a:lstStyle>
           <a:p>
@@ -2219,7 +2524,7 @@
               <a:rPr lang="en-US" smtClean="0"/>
               <a:t>Click to edit Master title style</a:t>
             </a:r>
-            <a:endParaRPr lang="de-CH"/>
+            <a:endParaRPr lang="en-US" dirty="0"/>
           </a:p>
         </p:txBody>
       </p:sp>
@@ -2227,7 +2532,7 @@
         <p:nvSpPr>
           <p:cNvPr id="3" name="Picture Placeholder 2"/>
           <p:cNvSpPr>
-            <a:spLocks noGrp="1"/>
+            <a:spLocks noGrp="1" noChangeAspect="1"/>
           </p:cNvSpPr>
           <p:nvPr>
             <p:ph type="pic" idx="1"/>
@@ -2235,12 +2540,18 @@
         </p:nvSpPr>
         <p:spPr>
           <a:xfrm>
-            <a:off x="5183188" y="987425"/>
-            <a:ext cx="6172200" cy="4873625"/>
+            <a:off x="0" y="-1"/>
+            <a:ext cx="12188952" cy="4572000"/>
           </a:xfrm>
+          <a:solidFill>
+            <a:schemeClr val="accent2">
+              <a:lumMod val="60000"/>
+              <a:lumOff val="40000"/>
+            </a:schemeClr>
+          </a:solidFill>
         </p:spPr>
         <p:txBody>
-          <a:bodyPr/>
+          <a:bodyPr lIns="457200" tIns="365760" rIns="45720" bIns="45720" anchor="t"/>
           <a:lstStyle>
             <a:lvl1pPr marL="0" indent="0">
               <a:buNone/>
@@ -2280,7 +2591,11 @@
             </a:lvl9pPr>
           </a:lstStyle>
           <a:p>
-            <a:endParaRPr lang="de-CH"/>
+            <a:r>
+              <a:rPr lang="en-US" smtClean="0"/>
+              <a:t>Click icon to add picture</a:t>
+            </a:r>
+            <a:endParaRPr lang="en-US" dirty="0"/>
           </a:p>
         </p:txBody>
       </p:sp>
@@ -2296,16 +2611,31 @@
         </p:nvSpPr>
         <p:spPr>
           <a:xfrm>
-            <a:off x="839788" y="2057400"/>
-            <a:ext cx="3932237" cy="3811588"/>
+            <a:off x="8610600" y="4960138"/>
+            <a:ext cx="3200400" cy="1463040"/>
           </a:xfrm>
         </p:spPr>
         <p:txBody>
-          <a:bodyPr/>
+          <a:bodyPr lIns="91440" rIns="91440" anchor="ctr">
+            <a:normAutofit/>
+          </a:bodyPr>
           <a:lstStyle>
             <a:lvl1pPr marL="0" indent="0">
-              <a:buNone/>
-              <a:defRPr sz="1600"/>
+              <a:lnSpc>
+                <a:spcPct val="100000"/>
+              </a:lnSpc>
+              <a:spcBef>
+                <a:spcPts val="0"/>
+              </a:spcBef>
+              <a:buNone/>
+              <a:defRPr sz="1800">
+                <a:solidFill>
+                  <a:schemeClr val="tx1">
+                    <a:lumMod val="95000"/>
+                    <a:lumOff val="5000"/>
+                  </a:schemeClr>
+                </a:solidFill>
+              </a:defRPr>
             </a:lvl1pPr>
             <a:lvl2pPr marL="457200" indent="0">
               <a:buNone/>
@@ -2414,10 +2744,45 @@
           </a:p>
         </p:txBody>
       </p:sp>
+      <p:cxnSp>
+        <p:nvCxnSpPr>
+          <p:cNvPr id="8" name="Straight Connector 7"/>
+          <p:cNvCxnSpPr/>
+          <p:nvPr/>
+        </p:nvCxnSpPr>
+        <p:spPr>
+          <a:xfrm flipV="1">
+            <a:off x="8386843" y="5264106"/>
+            <a:ext cx="0" cy="914400"/>
+          </a:xfrm>
+          <a:prstGeom prst="line">
+            <a:avLst/>
+          </a:prstGeom>
+          <a:ln w="19050">
+            <a:solidFill>
+              <a:schemeClr val="accent1"/>
+            </a:solidFill>
+          </a:ln>
+        </p:spPr>
+        <p:style>
+          <a:lnRef idx="1">
+            <a:schemeClr val="accent1"/>
+          </a:lnRef>
+          <a:fillRef idx="0">
+            <a:schemeClr val="accent1"/>
+          </a:fillRef>
+          <a:effectRef idx="0">
+            <a:schemeClr val="accent1"/>
+          </a:effectRef>
+          <a:fontRef idx="minor">
+            <a:schemeClr val="tx1"/>
+          </a:fontRef>
+        </p:style>
+      </p:cxnSp>
     </p:spTree>
     <p:extLst>
       <p:ext uri="{BB962C8B-B14F-4D97-AF65-F5344CB8AC3E}">
-        <p14:creationId xmlns:p14="http://schemas.microsoft.com/office/powerpoint/2010/main" val="218087557"/>
+        <p14:creationId xmlns:p14="http://schemas.microsoft.com/office/powerpoint/2010/main" val="3512297866"/>
       </p:ext>
     </p:extLst>
   </p:cSld>
@@ -2461,8 +2826,8 @@
         </p:nvSpPr>
         <p:spPr>
           <a:xfrm>
-            <a:off x="838200" y="365125"/>
-            <a:ext cx="10515600" cy="1325563"/>
+            <a:off x="1024128" y="585216"/>
+            <a:ext cx="9720072" cy="1499616"/>
           </a:xfrm>
           <a:prstGeom prst="rect">
             <a:avLst/>
@@ -2478,7 +2843,7 @@
               <a:rPr lang="en-US" smtClean="0"/>
               <a:t>Click to edit Master title style</a:t>
             </a:r>
-            <a:endParaRPr lang="de-CH"/>
+            <a:endParaRPr lang="en-US" dirty="0"/>
           </a:p>
         </p:txBody>
       </p:sp>
@@ -2494,15 +2859,15 @@
         </p:nvSpPr>
         <p:spPr>
           <a:xfrm>
-            <a:off x="838200" y="1825625"/>
-            <a:ext cx="10515600" cy="4351338"/>
+            <a:off x="1024128" y="2286000"/>
+            <a:ext cx="9720073" cy="4023360"/>
           </a:xfrm>
           <a:prstGeom prst="rect">
             <a:avLst/>
           </a:prstGeom>
         </p:spPr>
         <p:txBody>
-          <a:bodyPr vert="horz" lIns="91440" tIns="45720" rIns="91440" bIns="45720" rtlCol="0">
+          <a:bodyPr vert="horz" lIns="45720" tIns="45720" rIns="45720" bIns="45720" rtlCol="0">
             <a:normAutofit/>
           </a:bodyPr>
           <a:lstStyle/>
@@ -2540,7 +2905,7 @@
               <a:rPr lang="en-US" smtClean="0"/>
               <a:t>Fifth level</a:t>
             </a:r>
-            <a:endParaRPr lang="de-CH"/>
+            <a:endParaRPr lang="en-US" dirty="0"/>
           </a:p>
         </p:txBody>
       </p:sp>
@@ -2556,8 +2921,8 @@
         </p:nvSpPr>
         <p:spPr>
           <a:xfrm>
-            <a:off x="838200" y="6356350"/>
-            <a:ext cx="2743200" cy="365125"/>
+            <a:off x="1024129" y="6470704"/>
+            <a:ext cx="2154143" cy="274320"/>
           </a:xfrm>
           <a:prstGeom prst="rect">
             <a:avLst/>
@@ -2567,12 +2932,14 @@
           <a:bodyPr vert="horz" lIns="91440" tIns="45720" rIns="91440" bIns="45720" rtlCol="0" anchor="ctr"/>
           <a:lstStyle>
             <a:lvl1pPr algn="l">
-              <a:defRPr sz="1200">
+              <a:defRPr sz="1000">
                 <a:solidFill>
                   <a:schemeClr val="tx1">
-                    <a:tint val="75000"/>
+                    <a:lumMod val="95000"/>
+                    <a:lumOff val="5000"/>
                   </a:schemeClr>
                 </a:solidFill>
+                <a:latin typeface="+mj-lt"/>
               </a:defRPr>
             </a:lvl1pPr>
           </a:lstStyle>
@@ -2597,8 +2964,8 @@
         </p:nvSpPr>
         <p:spPr>
           <a:xfrm>
-            <a:off x="4038600" y="6356350"/>
-            <a:ext cx="4114800" cy="365125"/>
+            <a:off x="4842932" y="6470704"/>
+            <a:ext cx="5901459" cy="274320"/>
           </a:xfrm>
           <a:prstGeom prst="rect">
             <a:avLst/>
@@ -2607,13 +2974,15 @@
         <p:txBody>
           <a:bodyPr vert="horz" lIns="91440" tIns="45720" rIns="91440" bIns="45720" rtlCol="0" anchor="ctr"/>
           <a:lstStyle>
-            <a:lvl1pPr algn="ctr">
-              <a:defRPr sz="1200">
+            <a:lvl1pPr algn="r">
+              <a:defRPr sz="1000" cap="all" baseline="0">
                 <a:solidFill>
                   <a:schemeClr val="tx1">
-                    <a:tint val="75000"/>
+                    <a:lumMod val="95000"/>
+                    <a:lumOff val="5000"/>
                   </a:schemeClr>
                 </a:solidFill>
+                <a:latin typeface="+mj-lt"/>
               </a:defRPr>
             </a:lvl1pPr>
           </a:lstStyle>
@@ -2634,8 +3003,8 @@
         </p:nvSpPr>
         <p:spPr>
           <a:xfrm>
-            <a:off x="8610600" y="6356350"/>
-            <a:ext cx="2743200" cy="365125"/>
+            <a:off x="10837333" y="6470704"/>
+            <a:ext cx="973667" cy="274320"/>
           </a:xfrm>
           <a:prstGeom prst="rect">
             <a:avLst/>
@@ -2644,13 +3013,15 @@
         <p:txBody>
           <a:bodyPr vert="horz" lIns="91440" tIns="45720" rIns="91440" bIns="45720" rtlCol="0" anchor="ctr"/>
           <a:lstStyle>
-            <a:lvl1pPr algn="r">
-              <a:defRPr sz="1200">
+            <a:lvl1pPr algn="l">
+              <a:defRPr sz="1000">
                 <a:solidFill>
                   <a:schemeClr val="tx1">
-                    <a:tint val="75000"/>
+                    <a:lumMod val="95000"/>
+                    <a:lumOff val="5000"/>
                   </a:schemeClr>
                 </a:solidFill>
+                <a:latin typeface="+mj-lt"/>
               </a:defRPr>
             </a:lvl1pPr>
           </a:lstStyle>
@@ -2663,40 +3034,78 @@
           </a:p>
         </p:txBody>
       </p:sp>
+      <p:cxnSp>
+        <p:nvCxnSpPr>
+          <p:cNvPr id="8" name="Straight Connector 7"/>
+          <p:cNvCxnSpPr/>
+          <p:nvPr/>
+        </p:nvCxnSpPr>
+        <p:spPr>
+          <a:xfrm flipV="1">
+            <a:off x="762000" y="826324"/>
+            <a:ext cx="0" cy="914400"/>
+          </a:xfrm>
+          <a:prstGeom prst="line">
+            <a:avLst/>
+          </a:prstGeom>
+          <a:ln w="19050">
+            <a:solidFill>
+              <a:schemeClr val="accent2"/>
+            </a:solidFill>
+          </a:ln>
+        </p:spPr>
+        <p:style>
+          <a:lnRef idx="1">
+            <a:schemeClr val="accent1"/>
+          </a:lnRef>
+          <a:fillRef idx="0">
+            <a:schemeClr val="accent1"/>
+          </a:fillRef>
+          <a:effectRef idx="0">
+            <a:schemeClr val="accent1"/>
+          </a:effectRef>
+          <a:fontRef idx="minor">
+            <a:schemeClr val="tx1"/>
+          </a:fontRef>
+        </p:style>
+      </p:cxnSp>
     </p:spTree>
     <p:extLst>
       <p:ext uri="{BB962C8B-B14F-4D97-AF65-F5344CB8AC3E}">
-        <p14:creationId xmlns:p14="http://schemas.microsoft.com/office/powerpoint/2010/main" val="3372985962"/>
+        <p14:creationId xmlns:p14="http://schemas.microsoft.com/office/powerpoint/2010/main" val="1837121778"/>
       </p:ext>
     </p:extLst>
   </p:cSld>
-  <p:clrMap bg1="lt1" tx1="dk1" bg2="lt2" tx2="dk2" accent1="accent1" accent2="accent2" accent3="accent3" accent4="accent4" accent5="accent5" accent6="accent6" hlink="hlink" folHlink="folHlink"/>
+  <p:clrMap bg1="dk1" tx1="lt1" bg2="dk2" tx2="lt2" accent1="accent1" accent2="accent2" accent3="accent3" accent4="accent4" accent5="accent5" accent6="accent6" hlink="hlink" folHlink="folHlink"/>
   <p:sldLayoutIdLst>
-    <p:sldLayoutId id="2147483649" r:id="rId1"/>
-    <p:sldLayoutId id="2147483650" r:id="rId2"/>
-    <p:sldLayoutId id="2147483651" r:id="rId3"/>
-    <p:sldLayoutId id="2147483652" r:id="rId4"/>
-    <p:sldLayoutId id="2147483653" r:id="rId5"/>
-    <p:sldLayoutId id="2147483654" r:id="rId6"/>
-    <p:sldLayoutId id="2147483655" r:id="rId7"/>
-    <p:sldLayoutId id="2147483656" r:id="rId8"/>
-    <p:sldLayoutId id="2147483657" r:id="rId9"/>
-    <p:sldLayoutId id="2147483658" r:id="rId10"/>
-    <p:sldLayoutId id="2147483659" r:id="rId11"/>
+    <p:sldLayoutId id="2147483691" r:id="rId1"/>
+    <p:sldLayoutId id="2147483692" r:id="rId2"/>
+    <p:sldLayoutId id="2147483693" r:id="rId3"/>
+    <p:sldLayoutId id="2147483694" r:id="rId4"/>
+    <p:sldLayoutId id="2147483695" r:id="rId5"/>
+    <p:sldLayoutId id="2147483696" r:id="rId6"/>
+    <p:sldLayoutId id="2147483697" r:id="rId7"/>
+    <p:sldLayoutId id="2147483698" r:id="rId8"/>
+    <p:sldLayoutId id="2147483699" r:id="rId9"/>
+    <p:sldLayoutId id="2147483700" r:id="rId10"/>
+    <p:sldLayoutId id="2147483701" r:id="rId11"/>
   </p:sldLayoutIdLst>
   <p:txStyles>
     <p:titleStyle>
       <a:lvl1pPr algn="l" defTabSz="914400" rtl="0" eaLnBrk="1" latinLnBrk="0" hangingPunct="1">
         <a:lnSpc>
-          <a:spcPct val="90000"/>
+          <a:spcPct val="80000"/>
         </a:lnSpc>
         <a:spcBef>
           <a:spcPct val="0"/>
         </a:spcBef>
         <a:buNone/>
-        <a:defRPr sz="4400" kern="1200">
+        <a:defRPr sz="5000" kern="1200" cap="all" spc="100" baseline="0">
           <a:solidFill>
-            <a:schemeClr val="tx1"/>
+            <a:schemeClr val="tx1">
+              <a:lumMod val="95000"/>
+              <a:lumOff val="5000"/>
+            </a:schemeClr>
           </a:solidFill>
           <a:latin typeface="+mj-lt"/>
           <a:ea typeface="+mj-ea"/>
@@ -2705,16 +3114,23 @@
       </a:lvl1pPr>
     </p:titleStyle>
     <p:bodyStyle>
-      <a:lvl1pPr marL="228600" indent="-228600" algn="l" defTabSz="914400" rtl="0" eaLnBrk="1" latinLnBrk="0" hangingPunct="1">
+      <a:lvl1pPr marL="91440" indent="-91440" algn="l" defTabSz="914400" rtl="0" eaLnBrk="1" latinLnBrk="0" hangingPunct="1">
         <a:lnSpc>
           <a:spcPct val="90000"/>
         </a:lnSpc>
         <a:spcBef>
-          <a:spcPts val="1000"/>
+          <a:spcPts val="1200"/>
         </a:spcBef>
-        <a:buFont typeface="Arial" panose="020B0604020202020204" pitchFamily="34" charset="0"/>
-        <a:buChar char="•"/>
-        <a:defRPr sz="2800" kern="1200">
+        <a:spcAft>
+          <a:spcPts val="200"/>
+        </a:spcAft>
+        <a:buClr>
+          <a:schemeClr val="accent2"/>
+        </a:buClr>
+        <a:buSzPct val="100000"/>
+        <a:buFont typeface="Tw Cen MT" panose="020B0602020104020603" pitchFamily="34" charset="0"/>
+        <a:buChar char=" "/>
+        <a:defRPr sz="2200" kern="1200">
           <a:solidFill>
             <a:schemeClr val="tx1"/>
           </a:solidFill>
@@ -2723,16 +3139,22 @@
           <a:cs typeface="+mn-cs"/>
         </a:defRPr>
       </a:lvl1pPr>
-      <a:lvl2pPr marL="685800" indent="-228600" algn="l" defTabSz="914400" rtl="0" eaLnBrk="1" latinLnBrk="0" hangingPunct="1">
+      <a:lvl2pPr marL="265176" indent="-137160" algn="l" defTabSz="914400" rtl="0" eaLnBrk="1" latinLnBrk="0" hangingPunct="1">
         <a:lnSpc>
           <a:spcPct val="90000"/>
         </a:lnSpc>
         <a:spcBef>
-          <a:spcPts val="500"/>
+          <a:spcPts val="200"/>
         </a:spcBef>
-        <a:buFont typeface="Arial" panose="020B0604020202020204" pitchFamily="34" charset="0"/>
-        <a:buChar char="•"/>
-        <a:defRPr sz="2400" kern="1200">
+        <a:spcAft>
+          <a:spcPts val="400"/>
+        </a:spcAft>
+        <a:buClr>
+          <a:schemeClr val="accent2"/>
+        </a:buClr>
+        <a:buFont typeface="Wingdings 3" pitchFamily="18" charset="2"/>
+        <a:buChar char=""/>
+        <a:defRPr sz="1800" kern="1200">
           <a:solidFill>
             <a:schemeClr val="tx1"/>
           </a:solidFill>
@@ -2741,16 +3163,22 @@
           <a:cs typeface="+mn-cs"/>
         </a:defRPr>
       </a:lvl2pPr>
-      <a:lvl3pPr marL="1143000" indent="-228600" algn="l" defTabSz="914400" rtl="0" eaLnBrk="1" latinLnBrk="0" hangingPunct="1">
+      <a:lvl3pPr marL="448056" indent="-137160" algn="l" defTabSz="914400" rtl="0" eaLnBrk="1" latinLnBrk="0" hangingPunct="1">
         <a:lnSpc>
           <a:spcPct val="90000"/>
         </a:lnSpc>
         <a:spcBef>
-          <a:spcPts val="500"/>
+          <a:spcPts val="200"/>
         </a:spcBef>
-        <a:buFont typeface="Arial" panose="020B0604020202020204" pitchFamily="34" charset="0"/>
-        <a:buChar char="•"/>
-        <a:defRPr sz="2000" kern="1200">
+        <a:spcAft>
+          <a:spcPts val="400"/>
+        </a:spcAft>
+        <a:buClr>
+          <a:schemeClr val="accent2"/>
+        </a:buClr>
+        <a:buFont typeface="Wingdings 3" pitchFamily="18" charset="2"/>
+        <a:buChar char=""/>
+        <a:defRPr sz="1400" kern="1200">
           <a:solidFill>
             <a:schemeClr val="tx1"/>
           </a:solidFill>
@@ -2759,16 +3187,22 @@
           <a:cs typeface="+mn-cs"/>
         </a:defRPr>
       </a:lvl3pPr>
-      <a:lvl4pPr marL="1600200" indent="-228600" algn="l" defTabSz="914400" rtl="0" eaLnBrk="1" latinLnBrk="0" hangingPunct="1">
+      <a:lvl4pPr marL="594360" indent="-137160" algn="l" defTabSz="914400" rtl="0" eaLnBrk="1" latinLnBrk="0" hangingPunct="1">
         <a:lnSpc>
           <a:spcPct val="90000"/>
         </a:lnSpc>
         <a:spcBef>
-          <a:spcPts val="500"/>
+          <a:spcPts val="200"/>
         </a:spcBef>
-        <a:buFont typeface="Arial" panose="020B0604020202020204" pitchFamily="34" charset="0"/>
-        <a:buChar char="•"/>
-        <a:defRPr sz="1800" kern="1200">
+        <a:spcAft>
+          <a:spcPts val="400"/>
+        </a:spcAft>
+        <a:buClr>
+          <a:schemeClr val="accent2"/>
+        </a:buClr>
+        <a:buFont typeface="Wingdings 3" pitchFamily="18" charset="2"/>
+        <a:buChar char=""/>
+        <a:defRPr sz="1400" kern="1200">
           <a:solidFill>
             <a:schemeClr val="tx1"/>
           </a:solidFill>
@@ -2777,16 +3211,22 @@
           <a:cs typeface="+mn-cs"/>
         </a:defRPr>
       </a:lvl4pPr>
-      <a:lvl5pPr marL="2057400" indent="-228600" algn="l" defTabSz="914400" rtl="0" eaLnBrk="1" latinLnBrk="0" hangingPunct="1">
+      <a:lvl5pPr marL="777240" indent="-137160" algn="l" defTabSz="914400" rtl="0" eaLnBrk="1" latinLnBrk="0" hangingPunct="1">
         <a:lnSpc>
           <a:spcPct val="90000"/>
         </a:lnSpc>
         <a:spcBef>
-          <a:spcPts val="500"/>
+          <a:spcPts val="200"/>
         </a:spcBef>
-        <a:buFont typeface="Arial" panose="020B0604020202020204" pitchFamily="34" charset="0"/>
-        <a:buChar char="•"/>
-        <a:defRPr sz="1800" kern="1200">
+        <a:spcAft>
+          <a:spcPts val="400"/>
+        </a:spcAft>
+        <a:buClr>
+          <a:schemeClr val="accent2"/>
+        </a:buClr>
+        <a:buFont typeface="Wingdings 3" pitchFamily="18" charset="2"/>
+        <a:buChar char=""/>
+        <a:defRPr sz="1400" kern="1200">
           <a:solidFill>
             <a:schemeClr val="tx1"/>
           </a:solidFill>
@@ -2795,16 +3235,22 @@
           <a:cs typeface="+mn-cs"/>
         </a:defRPr>
       </a:lvl5pPr>
-      <a:lvl6pPr marL="2514600" indent="-228600" algn="l" defTabSz="914400" rtl="0" eaLnBrk="1" latinLnBrk="0" hangingPunct="1">
+      <a:lvl6pPr marL="914400" indent="-137160" algn="l" defTabSz="914400" rtl="0" eaLnBrk="1" latinLnBrk="0" hangingPunct="1">
         <a:lnSpc>
           <a:spcPct val="90000"/>
         </a:lnSpc>
         <a:spcBef>
-          <a:spcPts val="500"/>
+          <a:spcPts val="200"/>
         </a:spcBef>
-        <a:buFont typeface="Arial" panose="020B0604020202020204" pitchFamily="34" charset="0"/>
-        <a:buChar char="•"/>
-        <a:defRPr sz="1800" kern="1200">
+        <a:spcAft>
+          <a:spcPts val="400"/>
+        </a:spcAft>
+        <a:buClr>
+          <a:schemeClr val="accent2"/>
+        </a:buClr>
+        <a:buFont typeface="Wingdings 3" pitchFamily="18" charset="2"/>
+        <a:buChar char=""/>
+        <a:defRPr sz="1400" kern="1200">
           <a:solidFill>
             <a:schemeClr val="tx1"/>
           </a:solidFill>
@@ -2813,16 +3259,22 @@
           <a:cs typeface="+mn-cs"/>
         </a:defRPr>
       </a:lvl6pPr>
-      <a:lvl7pPr marL="2971800" indent="-228600" algn="l" defTabSz="914400" rtl="0" eaLnBrk="1" latinLnBrk="0" hangingPunct="1">
+      <a:lvl7pPr marL="1060704" indent="-137160" algn="l" defTabSz="914400" rtl="0" eaLnBrk="1" latinLnBrk="0" hangingPunct="1">
         <a:lnSpc>
           <a:spcPct val="90000"/>
         </a:lnSpc>
         <a:spcBef>
-          <a:spcPts val="500"/>
+          <a:spcPts val="200"/>
         </a:spcBef>
-        <a:buFont typeface="Arial" panose="020B0604020202020204" pitchFamily="34" charset="0"/>
-        <a:buChar char="•"/>
-        <a:defRPr sz="1800" kern="1200">
+        <a:spcAft>
+          <a:spcPts val="400"/>
+        </a:spcAft>
+        <a:buClr>
+          <a:schemeClr val="accent2"/>
+        </a:buClr>
+        <a:buFont typeface="Wingdings 3" pitchFamily="18" charset="2"/>
+        <a:buChar char=""/>
+        <a:defRPr sz="1400" kern="1200">
           <a:solidFill>
             <a:schemeClr val="tx1"/>
           </a:solidFill>
@@ -2831,16 +3283,22 @@
           <a:cs typeface="+mn-cs"/>
         </a:defRPr>
       </a:lvl7pPr>
-      <a:lvl8pPr marL="3429000" indent="-228600" algn="l" defTabSz="914400" rtl="0" eaLnBrk="1" latinLnBrk="0" hangingPunct="1">
+      <a:lvl8pPr marL="1216152" indent="-137160" algn="l" defTabSz="914400" rtl="0" eaLnBrk="1" latinLnBrk="0" hangingPunct="1">
         <a:lnSpc>
           <a:spcPct val="90000"/>
         </a:lnSpc>
         <a:spcBef>
-          <a:spcPts val="500"/>
+          <a:spcPts val="200"/>
         </a:spcBef>
-        <a:buFont typeface="Arial" panose="020B0604020202020204" pitchFamily="34" charset="0"/>
-        <a:buChar char="•"/>
-        <a:defRPr sz="1800" kern="1200">
+        <a:spcAft>
+          <a:spcPts val="400"/>
+        </a:spcAft>
+        <a:buClr>
+          <a:schemeClr val="accent2"/>
+        </a:buClr>
+        <a:buFont typeface="Wingdings 3" pitchFamily="18" charset="2"/>
+        <a:buChar char=""/>
+        <a:defRPr sz="1400" kern="1200">
           <a:solidFill>
             <a:schemeClr val="tx1"/>
           </a:solidFill>
@@ -2849,16 +3307,22 @@
           <a:cs typeface="+mn-cs"/>
         </a:defRPr>
       </a:lvl8pPr>
-      <a:lvl9pPr marL="3886200" indent="-228600" algn="l" defTabSz="914400" rtl="0" eaLnBrk="1" latinLnBrk="0" hangingPunct="1">
+      <a:lvl9pPr marL="1362456" indent="-137160" algn="l" defTabSz="914400" rtl="0" eaLnBrk="1" latinLnBrk="0" hangingPunct="1">
         <a:lnSpc>
           <a:spcPct val="90000"/>
         </a:lnSpc>
         <a:spcBef>
-          <a:spcPts val="500"/>
+          <a:spcPts val="200"/>
         </a:spcBef>
-        <a:buFont typeface="Arial" panose="020B0604020202020204" pitchFamily="34" charset="0"/>
-        <a:buChar char="•"/>
-        <a:defRPr sz="1800" kern="1200">
+        <a:spcAft>
+          <a:spcPts val="400"/>
+        </a:spcAft>
+        <a:buClr>
+          <a:schemeClr val="accent2"/>
+        </a:buClr>
+        <a:buFont typeface="Wingdings 3" pitchFamily="18" charset="2"/>
+        <a:buChar char=""/>
+        <a:defRPr sz="1400" kern="1200">
           <a:solidFill>
             <a:schemeClr val="tx1"/>
           </a:solidFill>
@@ -2870,7 +3334,7 @@
     </p:bodyStyle>
     <p:otherStyle>
       <a:defPPr>
-        <a:defRPr lang="de-DE"/>
+        <a:defRPr lang="en-US"/>
       </a:defPPr>
       <a:lvl1pPr marL="0" algn="l" defTabSz="914400" rtl="0" eaLnBrk="1" latinLnBrk="0" hangingPunct="1">
         <a:defRPr sz="1800" kern="1200">
@@ -3225,8 +3689,8 @@
         </p:blipFill>
         <p:spPr>
           <a:xfrm>
-            <a:off x="1571625" y="1858169"/>
-            <a:ext cx="9048750" cy="4286250"/>
+            <a:off x="1637859" y="2286000"/>
+            <a:ext cx="8492419" cy="4022725"/>
           </a:xfrm>
         </p:spPr>
       </p:pic>
@@ -3404,7 +3868,7 @@
         </p:blipFill>
         <p:spPr>
           <a:xfrm>
-            <a:off x="1162050" y="2172494"/>
+            <a:off x="1134269" y="2468562"/>
             <a:ext cx="4533900" cy="3657600"/>
           </a:xfrm>
           <a:prstGeom prst="rect">
@@ -3428,7 +3892,7 @@
         <p:spPr/>
         <p:txBody>
           <a:bodyPr>
-            <a:normAutofit fontScale="92500" lnSpcReduction="10000"/>
+            <a:normAutofit lnSpcReduction="10000"/>
           </a:bodyPr>
           <a:lstStyle/>
           <a:p>
@@ -3608,8 +4072,8 @@
         </p:blipFill>
         <p:spPr>
           <a:xfrm>
-            <a:off x="838200" y="2829468"/>
-            <a:ext cx="5181600" cy="2343651"/>
+            <a:off x="1023938" y="3222112"/>
+            <a:ext cx="4754562" cy="2150500"/>
           </a:xfrm>
           <a:prstGeom prst="rect">
             <a:avLst/>
@@ -3730,8 +4194,8 @@
         </p:blipFill>
         <p:spPr>
           <a:xfrm>
-            <a:off x="1291352" y="1825625"/>
-            <a:ext cx="4275295" cy="4351338"/>
+            <a:off x="1425007" y="2286000"/>
+            <a:ext cx="3952424" cy="4022725"/>
           </a:xfrm>
           <a:prstGeom prst="rect">
             <a:avLst/>
@@ -4793,8 +5257,8 @@
         </p:blipFill>
         <p:spPr>
           <a:xfrm>
-            <a:off x="3000375" y="1905794"/>
-            <a:ext cx="6191250" cy="4191000"/>
+            <a:off x="2912738" y="2286000"/>
+            <a:ext cx="5942661" cy="4022725"/>
           </a:xfrm>
         </p:spPr>
       </p:pic>
@@ -5003,94 +5467,6 @@
           </a:p>
           <a:p>
             <a:pPr lvl="1"/>
-            <a:endParaRPr lang="de-CH" dirty="0"/>
-          </a:p>
-        </p:txBody>
-      </p:sp>
-      <p:sp>
-        <p:nvSpPr>
-          <p:cNvPr id="4" name="Rectangle 3"/>
-          <p:cNvSpPr/>
-          <p:nvPr/>
-        </p:nvSpPr>
-        <p:spPr>
-          <a:xfrm>
-            <a:off x="7249298" y="586303"/>
-            <a:ext cx="1260389" cy="741405"/>
-          </a:xfrm>
-          <a:prstGeom prst="rect">
-            <a:avLst/>
-          </a:prstGeom>
-        </p:spPr>
-        <p:style>
-          <a:lnRef idx="2">
-            <a:schemeClr val="accent1">
-              <a:shade val="50000"/>
-            </a:schemeClr>
-          </a:lnRef>
-          <a:fillRef idx="1">
-            <a:schemeClr val="accent1"/>
-          </a:fillRef>
-          <a:effectRef idx="0">
-            <a:schemeClr val="accent1"/>
-          </a:effectRef>
-          <a:fontRef idx="minor">
-            <a:schemeClr val="lt1"/>
-          </a:fontRef>
-        </p:style>
-        <p:txBody>
-          <a:bodyPr rtlCol="0" anchor="ctr"/>
-          <a:lstStyle/>
-          <a:p>
-            <a:pPr algn="ctr"/>
-            <a:r>
-              <a:rPr lang="de-CH" dirty="0" smtClean="0"/>
-              <a:t>Client</a:t>
-            </a:r>
-            <a:endParaRPr lang="de-CH" dirty="0"/>
-          </a:p>
-        </p:txBody>
-      </p:sp>
-      <p:sp>
-        <p:nvSpPr>
-          <p:cNvPr id="5" name="Rectangle 4"/>
-          <p:cNvSpPr/>
-          <p:nvPr/>
-        </p:nvSpPr>
-        <p:spPr>
-          <a:xfrm>
-            <a:off x="9016314" y="557471"/>
-            <a:ext cx="1260389" cy="741405"/>
-          </a:xfrm>
-          <a:prstGeom prst="rect">
-            <a:avLst/>
-          </a:prstGeom>
-        </p:spPr>
-        <p:style>
-          <a:lnRef idx="2">
-            <a:schemeClr val="accent1">
-              <a:shade val="50000"/>
-            </a:schemeClr>
-          </a:lnRef>
-          <a:fillRef idx="1">
-            <a:schemeClr val="accent1"/>
-          </a:fillRef>
-          <a:effectRef idx="0">
-            <a:schemeClr val="accent1"/>
-          </a:effectRef>
-          <a:fontRef idx="minor">
-            <a:schemeClr val="lt1"/>
-          </a:fontRef>
-        </p:style>
-        <p:txBody>
-          <a:bodyPr rtlCol="0" anchor="ctr"/>
-          <a:lstStyle/>
-          <a:p>
-            <a:pPr algn="ctr"/>
-            <a:r>
-              <a:rPr lang="de-CH" dirty="0" smtClean="0"/>
-              <a:t>Server</a:t>
-            </a:r>
             <a:endParaRPr lang="de-CH" dirty="0"/>
           </a:p>
         </p:txBody>
@@ -5524,93 +5900,60 @@
 </file>
 
 <file path=ppt/theme/theme1.xml><?xml version="1.0" encoding="utf-8"?>
-<a:theme xmlns:a="http://schemas.openxmlformats.org/drawingml/2006/main" name="Office Theme">
+<a:theme xmlns:a="http://schemas.openxmlformats.org/drawingml/2006/main" name="Integral">
   <a:themeElements>
-    <a:clrScheme name="Office">
+    <a:clrScheme name="Integral">
       <a:dk1>
-        <a:sysClr val="windowText" lastClr="000000"/>
+        <a:srgbClr val="2E2B21"/>
       </a:dk1>
       <a:lt1>
-        <a:sysClr val="window" lastClr="FFFFFF"/>
+        <a:srgbClr val="FFFFFF"/>
       </a:lt1>
       <a:dk2>
-        <a:srgbClr val="44546A"/>
+        <a:srgbClr val="605B4F"/>
       </a:dk2>
       <a:lt2>
-        <a:srgbClr val="E7E6E6"/>
+        <a:srgbClr val="D8D6BE"/>
       </a:lt2>
       <a:accent1>
-        <a:srgbClr val="5B9BD5"/>
+        <a:srgbClr val="A9A57C"/>
       </a:accent1>
       <a:accent2>
-        <a:srgbClr val="ED7D31"/>
+        <a:srgbClr val="9CBEBD"/>
       </a:accent2>
       <a:accent3>
-        <a:srgbClr val="A5A5A5"/>
+        <a:srgbClr val="D2CB6C"/>
       </a:accent3>
       <a:accent4>
-        <a:srgbClr val="FFC000"/>
+        <a:srgbClr val="95A39D"/>
       </a:accent4>
       <a:accent5>
-        <a:srgbClr val="4472C4"/>
+        <a:srgbClr val="C89F5D"/>
       </a:accent5>
       <a:accent6>
-        <a:srgbClr val="70AD47"/>
+        <a:srgbClr val="B1A089"/>
       </a:accent6>
       <a:hlink>
-        <a:srgbClr val="0563C1"/>
+        <a:srgbClr val="D25814"/>
       </a:hlink>
       <a:folHlink>
-        <a:srgbClr val="954F72"/>
+        <a:srgbClr val="849A0A"/>
       </a:folHlink>
     </a:clrScheme>
-    <a:fontScheme name="Office">
+    <a:fontScheme name="Integral">
       <a:majorFont>
-        <a:latin typeface="Calibri Light" panose="020F0302020204030204"/>
+        <a:latin typeface="Tw Cen MT Condensed" panose="020B0606020104020203"/>
         <a:ea typeface=""/>
         <a:cs typeface=""/>
-        <a:font script="Jpan" typeface="ＭＳ Ｐゴシック"/>
-        <a:font script="Hang" typeface="맑은 고딕"/>
-        <a:font script="Hans" typeface="宋体"/>
-        <a:font script="Hant" typeface="新細明體"/>
-        <a:font script="Arab" typeface="Times New Roman"/>
-        <a:font script="Hebr" typeface="Times New Roman"/>
-        <a:font script="Thai" typeface="Angsana New"/>
-        <a:font script="Ethi" typeface="Nyala"/>
-        <a:font script="Beng" typeface="Vrinda"/>
-        <a:font script="Gujr" typeface="Shruti"/>
-        <a:font script="Khmr" typeface="MoolBoran"/>
-        <a:font script="Knda" typeface="Tunga"/>
-        <a:font script="Guru" typeface="Raavi"/>
-        <a:font script="Cans" typeface="Euphemia"/>
-        <a:font script="Cher" typeface="Plantagenet Cherokee"/>
-        <a:font script="Yiii" typeface="Microsoft Yi Baiti"/>
-        <a:font script="Tibt" typeface="Microsoft Himalaya"/>
-        <a:font script="Thaa" typeface="MV Boli"/>
-        <a:font script="Deva" typeface="Mangal"/>
-        <a:font script="Telu" typeface="Gautami"/>
-        <a:font script="Taml" typeface="Latha"/>
-        <a:font script="Syrc" typeface="Estrangelo Edessa"/>
-        <a:font script="Orya" typeface="Kalinga"/>
-        <a:font script="Mlym" typeface="Kartika"/>
-        <a:font script="Laoo" typeface="DokChampa"/>
-        <a:font script="Sinh" typeface="Iskoola Pota"/>
-        <a:font script="Mong" typeface="Mongolian Baiti"/>
-        <a:font script="Viet" typeface="Times New Roman"/>
-        <a:font script="Uigh" typeface="Microsoft Uighur"/>
-        <a:font script="Geor" typeface="Sylfaen"/>
-      </a:majorFont>
-      <a:minorFont>
-        <a:latin typeface="Calibri" panose="020F0502020204030204"/>
-        <a:ea typeface=""/>
-        <a:cs typeface=""/>
-        <a:font script="Jpan" typeface="ＭＳ Ｐゴシック"/>
-        <a:font script="Hang" typeface="맑은 고딕"/>
-        <a:font script="Hans" typeface="宋体"/>
-        <a:font script="Hant" typeface="新細明體"/>
+        <a:font script="Grek" typeface="Calibri"/>
+        <a:font script="Cyrl" typeface="Calibri"/>
+        <a:font script="Jpan" typeface="メイリオ"/>
+        <a:font script="Hang" typeface="HY얕은샘물M"/>
+        <a:font script="Hans" typeface="华文仿宋"/>
+        <a:font script="Hant" typeface="微軟正黑體"/>
         <a:font script="Arab" typeface="Arial"/>
-        <a:font script="Hebr" typeface="Arial"/>
-        <a:font script="Thai" typeface="Cordia New"/>
+        <a:font script="Hebr" typeface="Levenim MT"/>
+        <a:font script="Thai" typeface="FreesiaUPC"/>
         <a:font script="Ethi" typeface="Nyala"/>
         <a:font script="Beng" typeface="Vrinda"/>
         <a:font script="Gujr" typeface="Shruti"/>
@@ -5631,12 +5974,49 @@
         <a:font script="Laoo" typeface="DokChampa"/>
         <a:font script="Sinh" typeface="Iskoola Pota"/>
         <a:font script="Mong" typeface="Mongolian Baiti"/>
-        <a:font script="Viet" typeface="Arial"/>
+        <a:font script="Viet" typeface="Tahoma"/>
+        <a:font script="Uigh" typeface="Microsoft Uighur"/>
+        <a:font script="Geor" typeface="Sylfaen"/>
+      </a:majorFont>
+      <a:minorFont>
+        <a:latin typeface="Tw Cen MT" panose="020B0602020104020603"/>
+        <a:ea typeface=""/>
+        <a:cs typeface=""/>
+        <a:font script="Grek" typeface="Calibri"/>
+        <a:font script="Cyrl" typeface="Calibri"/>
+        <a:font script="Jpan" typeface="メイリオ"/>
+        <a:font script="Hang" typeface="HY얕은샘물M"/>
+        <a:font script="Hans" typeface="华文仿宋"/>
+        <a:font script="Hant" typeface="微軟正黑體"/>
+        <a:font script="Arab" typeface="Arial"/>
+        <a:font script="Hebr" typeface="Levenim MT"/>
+        <a:font script="Thai" typeface="FreesiaUPC"/>
+        <a:font script="Ethi" typeface="Nyala"/>
+        <a:font script="Beng" typeface="Vrinda"/>
+        <a:font script="Gujr" typeface="Shruti"/>
+        <a:font script="Khmr" typeface="DaunPenh"/>
+        <a:font script="Knda" typeface="Tunga"/>
+        <a:font script="Guru" typeface="Raavi"/>
+        <a:font script="Cans" typeface="Euphemia"/>
+        <a:font script="Cher" typeface="Plantagenet Cherokee"/>
+        <a:font script="Yiii" typeface="Microsoft Yi Baiti"/>
+        <a:font script="Tibt" typeface="Microsoft Himalaya"/>
+        <a:font script="Thaa" typeface="MV Boli"/>
+        <a:font script="Deva" typeface="Mangal"/>
+        <a:font script="Telu" typeface="Gautami"/>
+        <a:font script="Taml" typeface="Latha"/>
+        <a:font script="Syrc" typeface="Estrangelo Edessa"/>
+        <a:font script="Orya" typeface="Kalinga"/>
+        <a:font script="Mlym" typeface="Kartika"/>
+        <a:font script="Laoo" typeface="DokChampa"/>
+        <a:font script="Sinh" typeface="Iskoola Pota"/>
+        <a:font script="Mong" typeface="Mongolian Baiti"/>
+        <a:font script="Viet" typeface="Tahoma"/>
         <a:font script="Uigh" typeface="Microsoft Uighur"/>
         <a:font script="Geor" typeface="Sylfaen"/>
       </a:minorFont>
     </a:fontScheme>
-    <a:fmtScheme name="Office">
+    <a:fmtScheme name="Integral">
       <a:fillStyleLst>
         <a:solidFill>
           <a:schemeClr val="phClr"/>
@@ -5645,76 +6025,65 @@
           <a:gsLst>
             <a:gs pos="0">
               <a:schemeClr val="phClr">
-                <a:lumMod val="110000"/>
-                <a:satMod val="105000"/>
-                <a:tint val="67000"/>
-              </a:schemeClr>
-            </a:gs>
-            <a:gs pos="50000">
-              <a:schemeClr val="phClr">
-                <a:lumMod val="105000"/>
-                <a:satMod val="103000"/>
-                <a:tint val="73000"/>
+                <a:tint val="83000"/>
+                <a:satMod val="100000"/>
+                <a:lumMod val="100000"/>
               </a:schemeClr>
             </a:gs>
             <a:gs pos="100000">
               <a:schemeClr val="phClr">
-                <a:lumMod val="105000"/>
-                <a:satMod val="109000"/>
-                <a:tint val="81000"/>
+                <a:tint val="61000"/>
+                <a:satMod val="150000"/>
+                <a:lumMod val="100000"/>
               </a:schemeClr>
             </a:gs>
           </a:gsLst>
-          <a:lin ang="5400000" scaled="0"/>
+          <a:path path="circle">
+            <a:fillToRect l="100000" t="100000" r="100000" b="100000"/>
+          </a:path>
         </a:gradFill>
         <a:gradFill rotWithShape="1">
           <a:gsLst>
             <a:gs pos="0">
               <a:schemeClr val="phClr">
-                <a:satMod val="103000"/>
-                <a:lumMod val="102000"/>
-                <a:tint val="94000"/>
-              </a:schemeClr>
-            </a:gs>
-            <a:gs pos="50000">
-              <a:schemeClr val="phClr">
-                <a:satMod val="110000"/>
+                <a:tint val="100000"/>
+                <a:shade val="85000"/>
+                <a:satMod val="100000"/>
                 <a:lumMod val="100000"/>
-                <a:shade val="100000"/>
               </a:schemeClr>
             </a:gs>
             <a:gs pos="100000">
               <a:schemeClr val="phClr">
-                <a:lumMod val="99000"/>
-                <a:satMod val="120000"/>
-                <a:shade val="78000"/>
+                <a:tint val="90000"/>
+                <a:shade val="100000"/>
+                <a:satMod val="150000"/>
+                <a:lumMod val="100000"/>
               </a:schemeClr>
             </a:gs>
           </a:gsLst>
-          <a:lin ang="5400000" scaled="0"/>
+          <a:path path="circle">
+            <a:fillToRect l="100000" t="100000" r="100000" b="100000"/>
+          </a:path>
         </a:gradFill>
       </a:fillStyleLst>
       <a:lnStyleLst>
-        <a:ln w="6350" cap="flat" cmpd="sng" algn="ctr">
+        <a:ln w="9525" cap="flat" cmpd="sng" algn="ctr">
           <a:solidFill>
             <a:schemeClr val="phClr"/>
           </a:solidFill>
           <a:prstDash val="solid"/>
-          <a:miter lim="800000"/>
         </a:ln>
-        <a:ln w="12700" cap="flat" cmpd="sng" algn="ctr">
+        <a:ln w="15875" cap="flat" cmpd="sng" algn="ctr">
           <a:solidFill>
             <a:schemeClr val="phClr"/>
           </a:solidFill>
           <a:prstDash val="solid"/>
-          <a:miter lim="800000"/>
         </a:ln>
         <a:ln w="19050" cap="flat" cmpd="sng" algn="ctr">
           <a:solidFill>
             <a:schemeClr val="phClr"/>
           </a:solidFill>
           <a:prstDash val="solid"/>
-          <a:miter lim="800000"/>
         </a:ln>
       </a:lnStyleLst>
       <a:effectStyleLst>
@@ -5722,16 +6091,39 @@
           <a:effectLst/>
         </a:effectStyle>
         <a:effectStyle>
-          <a:effectLst/>
+          <a:effectLst>
+            <a:outerShdw blurRad="50800" dist="12700" dir="5400000" algn="ctr" rotWithShape="0">
+              <a:srgbClr val="000000">
+                <a:alpha val="50000"/>
+              </a:srgbClr>
+            </a:outerShdw>
+          </a:effectLst>
         </a:effectStyle>
         <a:effectStyle>
           <a:effectLst>
-            <a:outerShdw blurRad="57150" dist="19050" dir="5400000" algn="ctr" rotWithShape="0">
+            <a:outerShdw blurRad="76200" dist="25400" dir="5400000" algn="ctr" rotWithShape="0">
               <a:srgbClr val="000000">
-                <a:alpha val="63000"/>
+                <a:alpha val="60000"/>
               </a:srgbClr>
             </a:outerShdw>
           </a:effectLst>
+          <a:scene3d>
+            <a:camera prst="orthographicFront">
+              <a:rot lat="0" lon="0" rev="0"/>
+            </a:camera>
+            <a:lightRig rig="flat" dir="t">
+              <a:rot lat="0" lon="0" rev="3600000"/>
+            </a:lightRig>
+          </a:scene3d>
+          <a:sp3d contourW="12700" prstMaterial="flat">
+            <a:bevelT w="38100" h="44450" prst="angle"/>
+            <a:contourClr>
+              <a:schemeClr val="phClr">
+                <a:shade val="35000"/>
+                <a:satMod val="160000"/>
+              </a:schemeClr>
+            </a:contourClr>
+          </a:sp3d>
         </a:effectStyle>
       </a:effectStyleLst>
       <a:bgFillStyleLst>
@@ -5741,36 +6133,27 @@
         <a:solidFill>
           <a:schemeClr val="phClr">
             <a:tint val="95000"/>
-            <a:satMod val="170000"/>
+            <a:shade val="85000"/>
+            <a:satMod val="125000"/>
           </a:schemeClr>
         </a:solidFill>
-        <a:gradFill rotWithShape="1">
-          <a:gsLst>
-            <a:gs pos="0">
+        <a:blipFill rotWithShape="1">
+          <a:blip xmlns:r="http://schemas.openxmlformats.org/officeDocument/2006/relationships" r:embed="rId1">
+            <a:duotone>
               <a:schemeClr val="phClr">
-                <a:tint val="93000"/>
-                <a:satMod val="150000"/>
-                <a:shade val="98000"/>
-                <a:lumMod val="102000"/>
+                <a:tint val="95000"/>
+                <a:shade val="74000"/>
+                <a:satMod val="230000"/>
               </a:schemeClr>
-            </a:gs>
-            <a:gs pos="50000">
               <a:schemeClr val="phClr">
-                <a:tint val="98000"/>
-                <a:satMod val="130000"/>
-                <a:shade val="90000"/>
-                <a:lumMod val="103000"/>
+                <a:tint val="92000"/>
+                <a:shade val="69000"/>
+                <a:satMod val="250000"/>
               </a:schemeClr>
-            </a:gs>
-            <a:gs pos="100000">
-              <a:schemeClr val="phClr">
-                <a:shade val="63000"/>
-                <a:satMod val="120000"/>
-              </a:schemeClr>
-            </a:gs>
-          </a:gsLst>
-          <a:lin ang="5400000" scaled="0"/>
-        </a:gradFill>
+            </a:duotone>
+          </a:blip>
+          <a:tile tx="0" ty="0" sx="40000" sy="40000" flip="none" algn="tl"/>
+        </a:blipFill>
       </a:bgFillStyleLst>
     </a:fmtScheme>
   </a:themeElements>
@@ -5778,7 +6161,7 @@
   <a:extraClrSchemeLst/>
   <a:extLst>
     <a:ext uri="{05A4C25C-085E-4340-85A3-A5531E510DB2}">
-      <thm15:themeFamily xmlns:thm15="http://schemas.microsoft.com/office/thememl/2012/main" name="Office Theme" id="{62F939B6-93AF-4DB8-9C6B-D6C7DFDC589F}" vid="{4A3C46E8-61CC-4603-A589-7422A47A8E4A}"/>
+      <thm15:themeFamily xmlns:thm15="http://schemas.microsoft.com/office/thememl/2012/main" name="Integral" id="{3577F8C9-A904-41D8-97D2-FD898F53F20E}" vid="{4825F1AF-8DBC-4E3D-9F3D-688338DA83FC}"/>
     </a:ext>
   </a:extLst>
 </a:theme>

--- a/Fangies.pptx
+++ b/Fangies.pptx
@@ -3868,8 +3868,8 @@
         </p:blipFill>
         <p:spPr>
           <a:xfrm>
-            <a:off x="1134269" y="2468562"/>
-            <a:ext cx="4533900" cy="3657600"/>
+            <a:off x="628712" y="2084832"/>
+            <a:ext cx="4874164" cy="3932099"/>
           </a:xfrm>
           <a:prstGeom prst="rect">
             <a:avLst/>
@@ -4072,8 +4072,8 @@
         </p:blipFill>
         <p:spPr>
           <a:xfrm>
-            <a:off x="1023938" y="3222112"/>
-            <a:ext cx="4754562" cy="2150500"/>
+            <a:off x="364910" y="2286000"/>
+            <a:ext cx="5716449" cy="2585564"/>
           </a:xfrm>
           <a:prstGeom prst="rect">
             <a:avLst/>
@@ -4194,8 +4194,8 @@
         </p:blipFill>
         <p:spPr>
           <a:xfrm>
-            <a:off x="1425007" y="2286000"/>
-            <a:ext cx="3952424" cy="4022725"/>
+            <a:off x="892027" y="1914473"/>
+            <a:ext cx="4553183" cy="4634170"/>
           </a:xfrm>
           <a:prstGeom prst="rect">
             <a:avLst/>

--- a/Fangies.pptx
+++ b/Fangies.pptx
@@ -2,7 +2,7 @@
 <file path=ppt/presentation.xml><?xml version="1.0" encoding="utf-8"?>
 <p:presentation xmlns:a="http://schemas.openxmlformats.org/drawingml/2006/main" xmlns:r="http://schemas.openxmlformats.org/officeDocument/2006/relationships" xmlns:p="http://schemas.openxmlformats.org/presentationml/2006/main" saveSubsetFonts="1">
   <p:sldMasterIdLst>
-    <p:sldMasterId id="2147483733" r:id="rId1"/>
+    <p:sldMasterId id="2147483746" r:id="rId1"/>
   </p:sldMasterIdLst>
   <p:notesMasterIdLst>
     <p:notesMasterId r:id="rId35"/>
@@ -146,6 +146,9 @@
     <p:ext uri="{EFAFB233-063F-42B5-8137-9DF3F51BA10A}">
       <p15:sldGuideLst xmlns:p15="http://schemas.microsoft.com/office/powerpoint/2012/main"/>
     </p:ext>
+    <p:ext uri="{2D200454-40CA-4A62-9FC3-DE9A4176ACB9}">
+      <p15:notesGuideLst xmlns:p15="http://schemas.microsoft.com/office/powerpoint/2012/main"/>
+    </p:ext>
   </p:extLst>
 </p:presentation>
 </file>
@@ -2674,8 +2677,8 @@
           <a:lstStyle/>
           <a:p>
             <a:r>
-              <a:rPr lang="de-CH" dirty="0" err="1" smtClean="0"/>
-              <a:t>sdsdsdsd</a:t>
+              <a:rPr lang="de-CH" smtClean="0"/>
+              <a:t>S.Bakocs, L.Stahel</a:t>
             </a:r>
             <a:endParaRPr lang="de-CH" dirty="0"/>
           </a:p>
@@ -2707,7 +2710,7 @@
     </p:spTree>
     <p:extLst>
       <p:ext uri="{BB962C8B-B14F-4D97-AF65-F5344CB8AC3E}">
-        <p14:creationId xmlns:p14="http://schemas.microsoft.com/office/powerpoint/2010/main" val="2592906571"/>
+        <p14:creationId xmlns:p14="http://schemas.microsoft.com/office/powerpoint/2010/main" val="320420206"/>
       </p:ext>
     </p:extLst>
   </p:cSld>
@@ -2847,6 +2850,10 @@
           <a:bodyPr/>
           <a:lstStyle/>
           <a:p>
+            <a:r>
+              <a:rPr lang="de-CH" smtClean="0"/>
+              <a:t>S.Bakocs, L.Stahel</a:t>
+            </a:r>
             <a:endParaRPr lang="de-CH"/>
           </a:p>
         </p:txBody>
@@ -2877,7 +2884,7 @@
     </p:spTree>
     <p:extLst>
       <p:ext uri="{BB962C8B-B14F-4D97-AF65-F5344CB8AC3E}">
-        <p14:creationId xmlns:p14="http://schemas.microsoft.com/office/powerpoint/2010/main" val="1254042460"/>
+        <p14:creationId xmlns:p14="http://schemas.microsoft.com/office/powerpoint/2010/main" val="626396755"/>
       </p:ext>
     </p:extLst>
   </p:cSld>
@@ -3027,6 +3034,10 @@
           <a:bodyPr/>
           <a:lstStyle/>
           <a:p>
+            <a:r>
+              <a:rPr lang="de-CH" smtClean="0"/>
+              <a:t>S.Bakocs, L.Stahel</a:t>
+            </a:r>
             <a:endParaRPr lang="de-CH"/>
           </a:p>
         </p:txBody>
@@ -3057,7 +3068,7 @@
     </p:spTree>
     <p:extLst>
       <p:ext uri="{BB962C8B-B14F-4D97-AF65-F5344CB8AC3E}">
-        <p14:creationId xmlns:p14="http://schemas.microsoft.com/office/powerpoint/2010/main" val="3019438669"/>
+        <p14:creationId xmlns:p14="http://schemas.microsoft.com/office/powerpoint/2010/main" val="3907782045"/>
       </p:ext>
     </p:extLst>
   </p:cSld>
@@ -3329,7 +3340,7 @@
     </p:spTree>
     <p:extLst>
       <p:ext uri="{BB962C8B-B14F-4D97-AF65-F5344CB8AC3E}">
-        <p14:creationId xmlns:p14="http://schemas.microsoft.com/office/powerpoint/2010/main" val="1408322606"/>
+        <p14:creationId xmlns:p14="http://schemas.microsoft.com/office/powerpoint/2010/main" val="87348133"/>
       </p:ext>
     </p:extLst>
   </p:cSld>
@@ -3433,7 +3444,7 @@
       </p:sp>
       <p:sp>
         <p:nvSpPr>
-          <p:cNvPr id="7" name="Date Placeholder 6"/>
+          <p:cNvPr id="4" name="Date Placeholder 3"/>
           <p:cNvSpPr>
             <a:spLocks noGrp="1"/>
           </p:cNvSpPr>
@@ -3456,7 +3467,7 @@
       </p:sp>
       <p:sp>
         <p:nvSpPr>
-          <p:cNvPr id="8" name="Footer Placeholder 7"/>
+          <p:cNvPr id="5" name="Footer Placeholder 4"/>
           <p:cNvSpPr>
             <a:spLocks noGrp="1"/>
           </p:cNvSpPr>
@@ -3469,13 +3480,17 @@
           <a:bodyPr/>
           <a:lstStyle/>
           <a:p>
+            <a:r>
+              <a:rPr lang="de-CH" smtClean="0"/>
+              <a:t>S.Bakocs, L.Stahel</a:t>
+            </a:r>
             <a:endParaRPr lang="de-CH"/>
           </a:p>
         </p:txBody>
       </p:sp>
       <p:sp>
         <p:nvSpPr>
-          <p:cNvPr id="9" name="Slide Number Placeholder 8"/>
+          <p:cNvPr id="6" name="Slide Number Placeholder 5"/>
           <p:cNvSpPr>
             <a:spLocks noGrp="1"/>
           </p:cNvSpPr>
@@ -3499,20 +3514,13 @@
     </p:spTree>
     <p:extLst>
       <p:ext uri="{BB962C8B-B14F-4D97-AF65-F5344CB8AC3E}">
-        <p14:creationId xmlns:p14="http://schemas.microsoft.com/office/powerpoint/2010/main" val="746039812"/>
+        <p14:creationId xmlns:p14="http://schemas.microsoft.com/office/powerpoint/2010/main" val="3165900164"/>
       </p:ext>
     </p:extLst>
   </p:cSld>
   <p:clrMapOvr>
     <a:masterClrMapping/>
   </p:clrMapOvr>
-  <p:timing>
-    <p:tnLst>
-      <p:par>
-        <p:cTn id="1" dur="indefinite" restart="never" nodeType="tmRoot"/>
-      </p:par>
-    </p:tnLst>
-  </p:timing>
 </p:sldLayout>
 </file>
 
@@ -3722,6 +3730,10 @@
           <a:bodyPr/>
           <a:lstStyle/>
           <a:p>
+            <a:r>
+              <a:rPr lang="de-CH" smtClean="0"/>
+              <a:t>S.Bakocs, L.Stahel</a:t>
+            </a:r>
             <a:endParaRPr lang="de-CH"/>
           </a:p>
         </p:txBody>
@@ -3752,7 +3764,7 @@
     </p:spTree>
     <p:extLst>
       <p:ext uri="{BB962C8B-B14F-4D97-AF65-F5344CB8AC3E}">
-        <p14:creationId xmlns:p14="http://schemas.microsoft.com/office/powerpoint/2010/main" val="2683904265"/>
+        <p14:creationId xmlns:p14="http://schemas.microsoft.com/office/powerpoint/2010/main" val="1458886443"/>
       </p:ext>
     </p:extLst>
   </p:cSld>
@@ -3954,6 +3966,10 @@
           <a:bodyPr/>
           <a:lstStyle/>
           <a:p>
+            <a:r>
+              <a:rPr lang="de-CH" smtClean="0"/>
+              <a:t>S.Bakocs, L.Stahel</a:t>
+            </a:r>
             <a:endParaRPr lang="de-CH"/>
           </a:p>
         </p:txBody>
@@ -3984,7 +4000,7 @@
     </p:spTree>
     <p:extLst>
       <p:ext uri="{BB962C8B-B14F-4D97-AF65-F5344CB8AC3E}">
-        <p14:creationId xmlns:p14="http://schemas.microsoft.com/office/powerpoint/2010/main" val="3904384109"/>
+        <p14:creationId xmlns:p14="http://schemas.microsoft.com/office/powerpoint/2010/main" val="1369478740"/>
       </p:ext>
     </p:extLst>
   </p:cSld>
@@ -4321,6 +4337,10 @@
           <a:bodyPr/>
           <a:lstStyle/>
           <a:p>
+            <a:r>
+              <a:rPr lang="de-CH" smtClean="0"/>
+              <a:t>S.Bakocs, L.Stahel</a:t>
+            </a:r>
             <a:endParaRPr lang="de-CH"/>
           </a:p>
         </p:txBody>
@@ -4351,7 +4371,7 @@
     </p:spTree>
     <p:extLst>
       <p:ext uri="{BB962C8B-B14F-4D97-AF65-F5344CB8AC3E}">
-        <p14:creationId xmlns:p14="http://schemas.microsoft.com/office/powerpoint/2010/main" val="522935289"/>
+        <p14:creationId xmlns:p14="http://schemas.microsoft.com/office/powerpoint/2010/main" val="2315196328"/>
       </p:ext>
     </p:extLst>
   </p:cSld>
@@ -4439,6 +4459,10 @@
           <a:bodyPr/>
           <a:lstStyle/>
           <a:p>
+            <a:r>
+              <a:rPr lang="de-CH" smtClean="0"/>
+              <a:t>S.Bakocs, L.Stahel</a:t>
+            </a:r>
             <a:endParaRPr lang="de-CH"/>
           </a:p>
         </p:txBody>
@@ -4469,7 +4493,7 @@
     </p:spTree>
     <p:extLst>
       <p:ext uri="{BB962C8B-B14F-4D97-AF65-F5344CB8AC3E}">
-        <p14:creationId xmlns:p14="http://schemas.microsoft.com/office/powerpoint/2010/main" val="2992491791"/>
+        <p14:creationId xmlns:p14="http://schemas.microsoft.com/office/powerpoint/2010/main" val="648342069"/>
       </p:ext>
     </p:extLst>
   </p:cSld>
@@ -4534,6 +4558,10 @@
           <a:bodyPr/>
           <a:lstStyle/>
           <a:p>
+            <a:r>
+              <a:rPr lang="de-CH" smtClean="0"/>
+              <a:t>S.Bakocs, L.Stahel</a:t>
+            </a:r>
             <a:endParaRPr lang="de-CH"/>
           </a:p>
         </p:txBody>
@@ -4564,7 +4592,7 @@
     </p:spTree>
     <p:extLst>
       <p:ext uri="{BB962C8B-B14F-4D97-AF65-F5344CB8AC3E}">
-        <p14:creationId xmlns:p14="http://schemas.microsoft.com/office/powerpoint/2010/main" val="3384319290"/>
+        <p14:creationId xmlns:p14="http://schemas.microsoft.com/office/powerpoint/2010/main" val="3603459799"/>
       </p:ext>
     </p:extLst>
   </p:cSld>
@@ -4811,6 +4839,10 @@
           <a:bodyPr/>
           <a:lstStyle/>
           <a:p>
+            <a:r>
+              <a:rPr lang="de-CH" smtClean="0"/>
+              <a:t>S.Bakocs, L.Stahel</a:t>
+            </a:r>
             <a:endParaRPr lang="de-CH"/>
           </a:p>
         </p:txBody>
@@ -4841,7 +4873,7 @@
     </p:spTree>
     <p:extLst>
       <p:ext uri="{BB962C8B-B14F-4D97-AF65-F5344CB8AC3E}">
-        <p14:creationId xmlns:p14="http://schemas.microsoft.com/office/powerpoint/2010/main" val="1219030962"/>
+        <p14:creationId xmlns:p14="http://schemas.microsoft.com/office/powerpoint/2010/main" val="3350657858"/>
       </p:ext>
     </p:extLst>
   </p:cSld>
@@ -5064,6 +5096,10 @@
           <a:bodyPr/>
           <a:lstStyle/>
           <a:p>
+            <a:r>
+              <a:rPr lang="de-CH" smtClean="0"/>
+              <a:t>S.Bakocs, L.Stahel</a:t>
+            </a:r>
             <a:endParaRPr lang="de-CH"/>
           </a:p>
         </p:txBody>
@@ -5094,7 +5130,7 @@
     </p:spTree>
     <p:extLst>
       <p:ext uri="{BB962C8B-B14F-4D97-AF65-F5344CB8AC3E}">
-        <p14:creationId xmlns:p14="http://schemas.microsoft.com/office/powerpoint/2010/main" val="2991669654"/>
+        <p14:creationId xmlns:p14="http://schemas.microsoft.com/office/powerpoint/2010/main" val="1404360069"/>
       </p:ext>
     </p:extLst>
   </p:cSld>
@@ -5254,11 +5290,11 @@
             </a:lvl1pPr>
           </a:lstStyle>
           <a:p>
-            <a:fld id="{D47FFB9B-0AC0-4702-BD5D-BB6C896DA0F2}" type="datetimeFigureOut">
+            <a:fld id="{99295F8A-F3B9-498B-A05D-D006CEAB37E4}" type="datetimeFigureOut">
               <a:rPr lang="de-CH" smtClean="0"/>
               <a:t>04.01.2015</a:t>
             </a:fld>
-            <a:endParaRPr lang="de-CH" dirty="0"/>
+            <a:endParaRPr lang="de-CH"/>
           </a:p>
         </p:txBody>
       </p:sp>
@@ -5295,6 +5331,10 @@
             </a:lvl1pPr>
           </a:lstStyle>
           <a:p>
+            <a:r>
+              <a:rPr lang="de-CH" smtClean="0"/>
+              <a:t>S.Bakocs, L.Stahel</a:t>
+            </a:r>
             <a:endParaRPr lang="de-CH"/>
           </a:p>
         </p:txBody>
@@ -5332,7 +5372,7 @@
             </a:lvl1pPr>
           </a:lstStyle>
           <a:p>
-            <a:fld id="{0903F862-C958-4CC4-BEED-6508A7FB4281}" type="slidenum">
+            <a:fld id="{97B257D3-3168-41FB-94D0-3705FB893E26}" type="slidenum">
               <a:rPr lang="de-CH" smtClean="0"/>
               <a:t>‹#›</a:t>
             </a:fld>
@@ -5343,25 +5383,26 @@
     </p:spTree>
     <p:extLst>
       <p:ext uri="{BB962C8B-B14F-4D97-AF65-F5344CB8AC3E}">
-        <p14:creationId xmlns:p14="http://schemas.microsoft.com/office/powerpoint/2010/main" val="2064703852"/>
+        <p14:creationId xmlns:p14="http://schemas.microsoft.com/office/powerpoint/2010/main" val="3472317125"/>
       </p:ext>
     </p:extLst>
   </p:cSld>
   <p:clrMap bg1="lt1" tx1="dk1" bg2="lt2" tx2="dk2" accent1="accent1" accent2="accent2" accent3="accent3" accent4="accent4" accent5="accent5" accent6="accent6" hlink="hlink" folHlink="folHlink"/>
   <p:sldLayoutIdLst>
-    <p:sldLayoutId id="2147483734" r:id="rId1"/>
-    <p:sldLayoutId id="2147483735" r:id="rId2"/>
-    <p:sldLayoutId id="2147483736" r:id="rId3"/>
-    <p:sldLayoutId id="2147483737" r:id="rId4"/>
-    <p:sldLayoutId id="2147483738" r:id="rId5"/>
-    <p:sldLayoutId id="2147483739" r:id="rId6"/>
-    <p:sldLayoutId id="2147483740" r:id="rId7"/>
-    <p:sldLayoutId id="2147483741" r:id="rId8"/>
-    <p:sldLayoutId id="2147483742" r:id="rId9"/>
-    <p:sldLayoutId id="2147483743" r:id="rId10"/>
-    <p:sldLayoutId id="2147483744" r:id="rId11"/>
-    <p:sldLayoutId id="2147483745" r:id="rId12"/>
+    <p:sldLayoutId id="2147483747" r:id="rId1"/>
+    <p:sldLayoutId id="2147483748" r:id="rId2"/>
+    <p:sldLayoutId id="2147483749" r:id="rId3"/>
+    <p:sldLayoutId id="2147483750" r:id="rId4"/>
+    <p:sldLayoutId id="2147483751" r:id="rId5"/>
+    <p:sldLayoutId id="2147483752" r:id="rId6"/>
+    <p:sldLayoutId id="2147483753" r:id="rId7"/>
+    <p:sldLayoutId id="2147483754" r:id="rId8"/>
+    <p:sldLayoutId id="2147483755" r:id="rId9"/>
+    <p:sldLayoutId id="2147483756" r:id="rId10"/>
+    <p:sldLayoutId id="2147483757" r:id="rId11"/>
+    <p:sldLayoutId id="2147483758" r:id="rId12"/>
   </p:sldLayoutIdLst>
+  <p:hf hdr="0"/>
   <p:txStyles>
     <p:titleStyle>
       <a:lvl1pPr algn="l" defTabSz="914400" rtl="0" eaLnBrk="1" latinLnBrk="0" hangingPunct="1">
@@ -5678,7 +5719,7 @@
           <a:lstStyle/>
           <a:p>
             <a:r>
-              <a:rPr lang="de-CH" smtClean="0"/>
+              <a:rPr lang="de-CH" dirty="0" err="1" smtClean="0"/>
               <a:t>Fangies</a:t>
             </a:r>
             <a:endParaRPr lang="de-CH" dirty="0"/>
@@ -5703,49 +5744,138 @@
         </p:spPr>
         <p:txBody>
           <a:bodyPr>
-            <a:normAutofit lnSpcReduction="10000"/>
+            <a:normAutofit/>
           </a:bodyPr>
           <a:lstStyle/>
           <a:p>
             <a:r>
-              <a:rPr lang="de-CH" sz="2000" smtClean="0"/>
-              <a:t>RunRunRainbowRun </a:t>
-            </a:r>
-            <a:r>
-              <a:rPr lang="de-CH" sz="2000" smtClean="0">
+              <a:rPr lang="de-CH" sz="2000" dirty="0" err="1" smtClean="0"/>
+              <a:t>RunRunRainbowRun</a:t>
+            </a:r>
+            <a:r>
+              <a:rPr lang="de-CH" sz="2000" dirty="0" smtClean="0"/>
+              <a:t> </a:t>
+            </a:r>
+            <a:r>
+              <a:rPr lang="de-CH" sz="2000" dirty="0" smtClean="0">
                 <a:sym typeface="Wingdings" panose="05000000000000000000" pitchFamily="2" charset="2"/>
               </a:rPr>
-              <a:t> Versteckies  Fangies</a:t>
-            </a:r>
-            <a:endParaRPr lang="de-CH" sz="2000" smtClean="0"/>
-          </a:p>
-          <a:p>
-            <a:endParaRPr lang="de-CH" smtClean="0"/>
-          </a:p>
-          <a:p>
-            <a:endParaRPr lang="de-CH" smtClean="0"/>
-          </a:p>
-          <a:p>
-            <a:endParaRPr lang="de-CH" smtClean="0"/>
-          </a:p>
-          <a:p>
-            <a:endParaRPr lang="de-CH" sz="1800" smtClean="0"/>
-          </a:p>
-          <a:p>
-            <a:endParaRPr lang="de-CH" sz="1800" smtClean="0"/>
-          </a:p>
-          <a:p>
-            <a:r>
-              <a:rPr lang="de-CH" sz="1600" smtClean="0"/>
-              <a:t>Eine Projektarbeit für Programmieren (3)</a:t>
-            </a:r>
-          </a:p>
-          <a:p>
-            <a:r>
-              <a:rPr lang="de-CH" sz="1600" smtClean="0"/>
-              <a:t>S. Bakocs, L. Stahel</a:t>
-            </a:r>
-            <a:endParaRPr lang="de-CH" sz="1600" dirty="0"/>
+              <a:t> </a:t>
+            </a:r>
+            <a:r>
+              <a:rPr lang="de-CH" sz="2000" dirty="0" err="1" smtClean="0">
+                <a:sym typeface="Wingdings" panose="05000000000000000000" pitchFamily="2" charset="2"/>
+              </a:rPr>
+              <a:t>Versteckies</a:t>
+            </a:r>
+            <a:r>
+              <a:rPr lang="de-CH" sz="2000" dirty="0" smtClean="0">
+                <a:sym typeface="Wingdings" panose="05000000000000000000" pitchFamily="2" charset="2"/>
+              </a:rPr>
+              <a:t>  </a:t>
+            </a:r>
+            <a:r>
+              <a:rPr lang="de-CH" sz="2000" dirty="0" err="1" smtClean="0">
+                <a:sym typeface="Wingdings" panose="05000000000000000000" pitchFamily="2" charset="2"/>
+              </a:rPr>
+              <a:t>Fangies</a:t>
+            </a:r>
+            <a:endParaRPr lang="de-CH" sz="2000" dirty="0" smtClean="0"/>
+          </a:p>
+          <a:p>
+            <a:endParaRPr lang="de-CH" dirty="0" smtClean="0"/>
+          </a:p>
+          <a:p>
+            <a:endParaRPr lang="de-CH" dirty="0" smtClean="0"/>
+          </a:p>
+          <a:p>
+            <a:endParaRPr lang="de-CH" dirty="0" smtClean="0"/>
+          </a:p>
+          <a:p>
+            <a:endParaRPr lang="de-CH" sz="1800" dirty="0" smtClean="0"/>
+          </a:p>
+          <a:p>
+            <a:endParaRPr lang="de-CH" sz="1800" dirty="0" smtClean="0"/>
+          </a:p>
+          <a:p>
+            <a:r>
+              <a:rPr lang="de-CH" sz="1600" dirty="0" smtClean="0"/>
+              <a:t>Eine Projektarbeit für Programmieren (3</a:t>
+            </a:r>
+            <a:r>
+              <a:rPr lang="de-CH" sz="1600" dirty="0" smtClean="0"/>
+              <a:t>)</a:t>
+            </a:r>
+            <a:endParaRPr lang="de-CH" sz="1600" dirty="0" smtClean="0"/>
+          </a:p>
+        </p:txBody>
+      </p:sp>
+      <p:sp>
+        <p:nvSpPr>
+          <p:cNvPr id="4" name="Date Placeholder 3"/>
+          <p:cNvSpPr>
+            <a:spLocks noGrp="1"/>
+          </p:cNvSpPr>
+          <p:nvPr>
+            <p:ph type="dt" sz="half" idx="10"/>
+          </p:nvPr>
+        </p:nvSpPr>
+        <p:spPr/>
+        <p:txBody>
+          <a:bodyPr/>
+          <a:lstStyle/>
+          <a:p>
+            <a:fld id="{D29B7871-5151-4F99-8472-0EFF1D2BDCCA}" type="datetime1">
+              <a:rPr lang="de-CH" smtClean="0"/>
+              <a:t>04.01.2015</a:t>
+            </a:fld>
+            <a:endParaRPr lang="de-CH"/>
+          </a:p>
+        </p:txBody>
+      </p:sp>
+      <p:sp>
+        <p:nvSpPr>
+          <p:cNvPr id="6" name="Footer Placeholder 5"/>
+          <p:cNvSpPr>
+            <a:spLocks noGrp="1"/>
+          </p:cNvSpPr>
+          <p:nvPr>
+            <p:ph type="ftr" sz="quarter" idx="11"/>
+          </p:nvPr>
+        </p:nvSpPr>
+        <p:spPr/>
+        <p:txBody>
+          <a:bodyPr/>
+          <a:lstStyle/>
+          <a:p>
+            <a:r>
+              <a:rPr lang="de-CH" smtClean="0"/>
+              <a:t>S.Bakocs, L.Stahel</a:t>
+            </a:r>
+            <a:endParaRPr lang="de-CH" dirty="0"/>
+          </a:p>
+        </p:txBody>
+      </p:sp>
+      <p:sp>
+        <p:nvSpPr>
+          <p:cNvPr id="7" name="Slide Number Placeholder 6"/>
+          <p:cNvSpPr>
+            <a:spLocks noGrp="1"/>
+          </p:cNvSpPr>
+          <p:nvPr>
+            <p:ph type="sldNum" sz="quarter" idx="12"/>
+          </p:nvPr>
+        </p:nvSpPr>
+        <p:spPr/>
+        <p:txBody>
+          <a:bodyPr/>
+          <a:lstStyle/>
+          <a:p>
+            <a:fld id="{0903F862-C958-4CC4-BEED-6508A7FB4281}" type="slidenum">
+              <a:rPr lang="de-CH" smtClean="0"/>
+              <a:t>1</a:t>
+            </a:fld>
+            <a:endParaRPr lang="de-CH"/>
           </a:p>
         </p:txBody>
       </p:sp>
@@ -5881,6 +6011,75 @@
               <a:buNone/>
             </a:pPr>
             <a:endParaRPr/>
+          </a:p>
+        </p:txBody>
+      </p:sp>
+      <p:sp>
+        <p:nvSpPr>
+          <p:cNvPr id="2" name="Date Placeholder 1"/>
+          <p:cNvSpPr>
+            <a:spLocks noGrp="1"/>
+          </p:cNvSpPr>
+          <p:nvPr>
+            <p:ph type="dt" sz="half" idx="10"/>
+          </p:nvPr>
+        </p:nvSpPr>
+        <p:spPr/>
+        <p:txBody>
+          <a:bodyPr/>
+          <a:lstStyle/>
+          <a:p>
+            <a:fld id="{86D9E498-8D2F-4556-9312-B7C65F8ABACE}" type="datetime1">
+              <a:rPr lang="de-CH" smtClean="0"/>
+              <a:t>04.01.2015</a:t>
+            </a:fld>
+            <a:endParaRPr lang="de-CH" dirty="0"/>
+          </a:p>
+        </p:txBody>
+      </p:sp>
+      <p:sp>
+        <p:nvSpPr>
+          <p:cNvPr id="4" name="Footer Placeholder 3"/>
+          <p:cNvSpPr>
+            <a:spLocks noGrp="1"/>
+          </p:cNvSpPr>
+          <p:nvPr>
+            <p:ph type="ftr" sz="quarter" idx="11"/>
+          </p:nvPr>
+        </p:nvSpPr>
+        <p:spPr/>
+        <p:txBody>
+          <a:bodyPr/>
+          <a:lstStyle/>
+          <a:p>
+            <a:r>
+              <a:rPr lang="de-CH" smtClean="0"/>
+              <a:t>S.Bakocs, L.Stahel</a:t>
+            </a:r>
+            <a:endParaRPr lang="de-CH"/>
+          </a:p>
+        </p:txBody>
+      </p:sp>
+      <p:sp>
+        <p:nvSpPr>
+          <p:cNvPr id="5" name="Slide Number Placeholder 4"/>
+          <p:cNvSpPr>
+            <a:spLocks noGrp="1"/>
+          </p:cNvSpPr>
+          <p:nvPr>
+            <p:ph type="sldNum" sz="quarter" idx="12"/>
+          </p:nvPr>
+        </p:nvSpPr>
+        <p:spPr/>
+        <p:txBody>
+          <a:bodyPr/>
+          <a:lstStyle/>
+          <a:p>
+            <a:fld id="{0903F862-C958-4CC4-BEED-6508A7FB4281}" type="slidenum">
+              <a:rPr lang="de-CH" smtClean="0"/>
+              <a:t>10</a:t>
+            </a:fld>
+            <a:endParaRPr lang="de-CH"/>
           </a:p>
         </p:txBody>
       </p:sp>
@@ -6050,6 +6249,75 @@
           </a:p>
         </p:txBody>
       </p:sp>
+      <p:sp>
+        <p:nvSpPr>
+          <p:cNvPr id="2" name="Date Placeholder 1"/>
+          <p:cNvSpPr>
+            <a:spLocks noGrp="1"/>
+          </p:cNvSpPr>
+          <p:nvPr>
+            <p:ph type="dt" sz="half" idx="10"/>
+          </p:nvPr>
+        </p:nvSpPr>
+        <p:spPr/>
+        <p:txBody>
+          <a:bodyPr/>
+          <a:lstStyle/>
+          <a:p>
+            <a:fld id="{7A9CCD88-89EA-4FB5-AC11-8BD2B2308B6F}" type="datetime1">
+              <a:rPr lang="de-CH" smtClean="0"/>
+              <a:t>04.01.2015</a:t>
+            </a:fld>
+            <a:endParaRPr lang="de-CH" dirty="0"/>
+          </a:p>
+        </p:txBody>
+      </p:sp>
+      <p:sp>
+        <p:nvSpPr>
+          <p:cNvPr id="4" name="Footer Placeholder 3"/>
+          <p:cNvSpPr>
+            <a:spLocks noGrp="1"/>
+          </p:cNvSpPr>
+          <p:nvPr>
+            <p:ph type="ftr" sz="quarter" idx="11"/>
+          </p:nvPr>
+        </p:nvSpPr>
+        <p:spPr/>
+        <p:txBody>
+          <a:bodyPr/>
+          <a:lstStyle/>
+          <a:p>
+            <a:r>
+              <a:rPr lang="de-CH" smtClean="0"/>
+              <a:t>S.Bakocs, L.Stahel</a:t>
+            </a:r>
+            <a:endParaRPr lang="de-CH"/>
+          </a:p>
+        </p:txBody>
+      </p:sp>
+      <p:sp>
+        <p:nvSpPr>
+          <p:cNvPr id="5" name="Slide Number Placeholder 4"/>
+          <p:cNvSpPr>
+            <a:spLocks noGrp="1"/>
+          </p:cNvSpPr>
+          <p:nvPr>
+            <p:ph type="sldNum" sz="quarter" idx="12"/>
+          </p:nvPr>
+        </p:nvSpPr>
+        <p:spPr/>
+        <p:txBody>
+          <a:bodyPr/>
+          <a:lstStyle/>
+          <a:p>
+            <a:fld id="{0903F862-C958-4CC4-BEED-6508A7FB4281}" type="slidenum">
+              <a:rPr lang="de-CH" smtClean="0"/>
+              <a:t>11</a:t>
+            </a:fld>
+            <a:endParaRPr lang="de-CH"/>
+          </a:p>
+        </p:txBody>
+      </p:sp>
     </p:spTree>
     <p:extLst>
       <p:ext uri="{BB962C8B-B14F-4D97-AF65-F5344CB8AC3E}">
@@ -6216,6 +6484,75 @@
           </a:p>
         </p:txBody>
       </p:sp>
+      <p:sp>
+        <p:nvSpPr>
+          <p:cNvPr id="2" name="Date Placeholder 1"/>
+          <p:cNvSpPr>
+            <a:spLocks noGrp="1"/>
+          </p:cNvSpPr>
+          <p:nvPr>
+            <p:ph type="dt" sz="half" idx="10"/>
+          </p:nvPr>
+        </p:nvSpPr>
+        <p:spPr/>
+        <p:txBody>
+          <a:bodyPr/>
+          <a:lstStyle/>
+          <a:p>
+            <a:fld id="{BD525B64-1AFB-47EA-9951-E1A66F70B6A7}" type="datetime1">
+              <a:rPr lang="de-CH" smtClean="0"/>
+              <a:t>04.01.2015</a:t>
+            </a:fld>
+            <a:endParaRPr lang="de-CH" dirty="0"/>
+          </a:p>
+        </p:txBody>
+      </p:sp>
+      <p:sp>
+        <p:nvSpPr>
+          <p:cNvPr id="4" name="Footer Placeholder 3"/>
+          <p:cNvSpPr>
+            <a:spLocks noGrp="1"/>
+          </p:cNvSpPr>
+          <p:nvPr>
+            <p:ph type="ftr" sz="quarter" idx="11"/>
+          </p:nvPr>
+        </p:nvSpPr>
+        <p:spPr/>
+        <p:txBody>
+          <a:bodyPr/>
+          <a:lstStyle/>
+          <a:p>
+            <a:r>
+              <a:rPr lang="de-CH" smtClean="0"/>
+              <a:t>S.Bakocs, L.Stahel</a:t>
+            </a:r>
+            <a:endParaRPr lang="de-CH"/>
+          </a:p>
+        </p:txBody>
+      </p:sp>
+      <p:sp>
+        <p:nvSpPr>
+          <p:cNvPr id="5" name="Slide Number Placeholder 4"/>
+          <p:cNvSpPr>
+            <a:spLocks noGrp="1"/>
+          </p:cNvSpPr>
+          <p:nvPr>
+            <p:ph type="sldNum" sz="quarter" idx="12"/>
+          </p:nvPr>
+        </p:nvSpPr>
+        <p:spPr/>
+        <p:txBody>
+          <a:bodyPr/>
+          <a:lstStyle/>
+          <a:p>
+            <a:fld id="{0903F862-C958-4CC4-BEED-6508A7FB4281}" type="slidenum">
+              <a:rPr lang="de-CH" smtClean="0"/>
+              <a:t>12</a:t>
+            </a:fld>
+            <a:endParaRPr lang="de-CH"/>
+          </a:p>
+        </p:txBody>
+      </p:sp>
     </p:spTree>
     <p:extLst>
       <p:ext uri="{BB962C8B-B14F-4D97-AF65-F5344CB8AC3E}">
@@ -7218,6 +7555,75 @@
       </p:sp>
       <p:sp>
         <p:nvSpPr>
+          <p:cNvPr id="2" name="Date Placeholder 1"/>
+          <p:cNvSpPr>
+            <a:spLocks noGrp="1"/>
+          </p:cNvSpPr>
+          <p:nvPr>
+            <p:ph type="dt" sz="half" idx="10"/>
+          </p:nvPr>
+        </p:nvSpPr>
+        <p:spPr/>
+        <p:txBody>
+          <a:bodyPr/>
+          <a:lstStyle/>
+          <a:p>
+            <a:fld id="{B427DDBE-593A-432D-8BB7-172F9454FD78}" type="datetime1">
+              <a:rPr lang="de-CH" smtClean="0"/>
+              <a:t>04.01.2015</a:t>
+            </a:fld>
+            <a:endParaRPr lang="de-CH" dirty="0"/>
+          </a:p>
+        </p:txBody>
+      </p:sp>
+      <p:sp>
+        <p:nvSpPr>
+          <p:cNvPr id="4" name="Footer Placeholder 3"/>
+          <p:cNvSpPr>
+            <a:spLocks noGrp="1"/>
+          </p:cNvSpPr>
+          <p:nvPr>
+            <p:ph type="ftr" sz="quarter" idx="11"/>
+          </p:nvPr>
+        </p:nvSpPr>
+        <p:spPr/>
+        <p:txBody>
+          <a:bodyPr/>
+          <a:lstStyle/>
+          <a:p>
+            <a:r>
+              <a:rPr lang="de-CH" smtClean="0"/>
+              <a:t>S.Bakocs, L.Stahel</a:t>
+            </a:r>
+            <a:endParaRPr lang="de-CH"/>
+          </a:p>
+        </p:txBody>
+      </p:sp>
+      <p:sp>
+        <p:nvSpPr>
+          <p:cNvPr id="5" name="Slide Number Placeholder 4"/>
+          <p:cNvSpPr>
+            <a:spLocks noGrp="1"/>
+          </p:cNvSpPr>
+          <p:nvPr>
+            <p:ph type="sldNum" sz="quarter" idx="12"/>
+          </p:nvPr>
+        </p:nvSpPr>
+        <p:spPr/>
+        <p:txBody>
+          <a:bodyPr/>
+          <a:lstStyle/>
+          <a:p>
+            <a:fld id="{0903F862-C958-4CC4-BEED-6508A7FB4281}" type="slidenum">
+              <a:rPr lang="de-CH" smtClean="0"/>
+              <a:t>13</a:t>
+            </a:fld>
+            <a:endParaRPr lang="de-CH"/>
+          </a:p>
+        </p:txBody>
+      </p:sp>
+      <p:sp>
+        <p:nvSpPr>
           <p:cNvPr id="86" name="Shape 86"/>
           <p:cNvSpPr/>
           <p:nvPr/>
@@ -7427,6 +7833,75 @@
           </a:p>
         </p:txBody>
       </p:sp>
+      <p:sp>
+        <p:nvSpPr>
+          <p:cNvPr id="2" name="Date Placeholder 1"/>
+          <p:cNvSpPr>
+            <a:spLocks noGrp="1"/>
+          </p:cNvSpPr>
+          <p:nvPr>
+            <p:ph type="dt" sz="half" idx="10"/>
+          </p:nvPr>
+        </p:nvSpPr>
+        <p:spPr/>
+        <p:txBody>
+          <a:bodyPr/>
+          <a:lstStyle/>
+          <a:p>
+            <a:fld id="{D4DBAF50-C940-45E3-A03F-53991D10DADC}" type="datetime1">
+              <a:rPr lang="de-CH" smtClean="0"/>
+              <a:t>04.01.2015</a:t>
+            </a:fld>
+            <a:endParaRPr lang="de-CH" dirty="0"/>
+          </a:p>
+        </p:txBody>
+      </p:sp>
+      <p:sp>
+        <p:nvSpPr>
+          <p:cNvPr id="4" name="Footer Placeholder 3"/>
+          <p:cNvSpPr>
+            <a:spLocks noGrp="1"/>
+          </p:cNvSpPr>
+          <p:nvPr>
+            <p:ph type="ftr" sz="quarter" idx="11"/>
+          </p:nvPr>
+        </p:nvSpPr>
+        <p:spPr/>
+        <p:txBody>
+          <a:bodyPr/>
+          <a:lstStyle/>
+          <a:p>
+            <a:r>
+              <a:rPr lang="de-CH" smtClean="0"/>
+              <a:t>S.Bakocs, L.Stahel</a:t>
+            </a:r>
+            <a:endParaRPr lang="de-CH"/>
+          </a:p>
+        </p:txBody>
+      </p:sp>
+      <p:sp>
+        <p:nvSpPr>
+          <p:cNvPr id="5" name="Slide Number Placeholder 4"/>
+          <p:cNvSpPr>
+            <a:spLocks noGrp="1"/>
+          </p:cNvSpPr>
+          <p:nvPr>
+            <p:ph type="sldNum" sz="quarter" idx="12"/>
+          </p:nvPr>
+        </p:nvSpPr>
+        <p:spPr/>
+        <p:txBody>
+          <a:bodyPr/>
+          <a:lstStyle/>
+          <a:p>
+            <a:fld id="{0903F862-C958-4CC4-BEED-6508A7FB4281}" type="slidenum">
+              <a:rPr lang="de-CH" smtClean="0"/>
+              <a:t>14</a:t>
+            </a:fld>
+            <a:endParaRPr lang="de-CH"/>
+          </a:p>
+        </p:txBody>
+      </p:sp>
     </p:spTree>
     <p:extLst>
       <p:ext uri="{BB962C8B-B14F-4D97-AF65-F5344CB8AC3E}">
@@ -7510,6 +7985,75 @@
           <a:bodyPr/>
           <a:lstStyle/>
           <a:p>
+            <a:endParaRPr lang="de-CH"/>
+          </a:p>
+        </p:txBody>
+      </p:sp>
+      <p:sp>
+        <p:nvSpPr>
+          <p:cNvPr id="3" name="Date Placeholder 2"/>
+          <p:cNvSpPr>
+            <a:spLocks noGrp="1"/>
+          </p:cNvSpPr>
+          <p:nvPr>
+            <p:ph type="dt" sz="half" idx="10"/>
+          </p:nvPr>
+        </p:nvSpPr>
+        <p:spPr/>
+        <p:txBody>
+          <a:bodyPr/>
+          <a:lstStyle/>
+          <a:p>
+            <a:fld id="{6DA1A327-F847-4CFF-B30E-DB9DECE86ACE}" type="datetime1">
+              <a:rPr lang="de-CH" smtClean="0"/>
+              <a:t>04.01.2015</a:t>
+            </a:fld>
+            <a:endParaRPr lang="de-CH" dirty="0"/>
+          </a:p>
+        </p:txBody>
+      </p:sp>
+      <p:sp>
+        <p:nvSpPr>
+          <p:cNvPr id="5" name="Footer Placeholder 4"/>
+          <p:cNvSpPr>
+            <a:spLocks noGrp="1"/>
+          </p:cNvSpPr>
+          <p:nvPr>
+            <p:ph type="ftr" sz="quarter" idx="11"/>
+          </p:nvPr>
+        </p:nvSpPr>
+        <p:spPr/>
+        <p:txBody>
+          <a:bodyPr/>
+          <a:lstStyle/>
+          <a:p>
+            <a:r>
+              <a:rPr lang="de-CH" smtClean="0"/>
+              <a:t>S.Bakocs, L.Stahel</a:t>
+            </a:r>
+            <a:endParaRPr lang="de-CH"/>
+          </a:p>
+        </p:txBody>
+      </p:sp>
+      <p:sp>
+        <p:nvSpPr>
+          <p:cNvPr id="6" name="Slide Number Placeholder 5"/>
+          <p:cNvSpPr>
+            <a:spLocks noGrp="1"/>
+          </p:cNvSpPr>
+          <p:nvPr>
+            <p:ph type="sldNum" sz="quarter" idx="12"/>
+          </p:nvPr>
+        </p:nvSpPr>
+        <p:spPr/>
+        <p:txBody>
+          <a:bodyPr/>
+          <a:lstStyle/>
+          <a:p>
+            <a:fld id="{0903F862-C958-4CC4-BEED-6508A7FB4281}" type="slidenum">
+              <a:rPr lang="de-CH" smtClean="0"/>
+              <a:t>15</a:t>
+            </a:fld>
             <a:endParaRPr lang="de-CH"/>
           </a:p>
         </p:txBody>
@@ -7641,6 +8185,75 @@
           </a:p>
         </p:txBody>
       </p:sp>
+      <p:sp>
+        <p:nvSpPr>
+          <p:cNvPr id="2" name="Date Placeholder 1"/>
+          <p:cNvSpPr>
+            <a:spLocks noGrp="1"/>
+          </p:cNvSpPr>
+          <p:nvPr>
+            <p:ph type="dt" sz="half" idx="10"/>
+          </p:nvPr>
+        </p:nvSpPr>
+        <p:spPr/>
+        <p:txBody>
+          <a:bodyPr/>
+          <a:lstStyle/>
+          <a:p>
+            <a:fld id="{FF4F468F-8445-4135-84CD-691F3B663841}" type="datetime1">
+              <a:rPr lang="de-CH" smtClean="0"/>
+              <a:t>04.01.2015</a:t>
+            </a:fld>
+            <a:endParaRPr lang="de-CH" dirty="0"/>
+          </a:p>
+        </p:txBody>
+      </p:sp>
+      <p:sp>
+        <p:nvSpPr>
+          <p:cNvPr id="4" name="Footer Placeholder 3"/>
+          <p:cNvSpPr>
+            <a:spLocks noGrp="1"/>
+          </p:cNvSpPr>
+          <p:nvPr>
+            <p:ph type="ftr" sz="quarter" idx="11"/>
+          </p:nvPr>
+        </p:nvSpPr>
+        <p:spPr/>
+        <p:txBody>
+          <a:bodyPr/>
+          <a:lstStyle/>
+          <a:p>
+            <a:r>
+              <a:rPr lang="de-CH" smtClean="0"/>
+              <a:t>S.Bakocs, L.Stahel</a:t>
+            </a:r>
+            <a:endParaRPr lang="de-CH"/>
+          </a:p>
+        </p:txBody>
+      </p:sp>
+      <p:sp>
+        <p:nvSpPr>
+          <p:cNvPr id="5" name="Slide Number Placeholder 4"/>
+          <p:cNvSpPr>
+            <a:spLocks noGrp="1"/>
+          </p:cNvSpPr>
+          <p:nvPr>
+            <p:ph type="sldNum" sz="quarter" idx="12"/>
+          </p:nvPr>
+        </p:nvSpPr>
+        <p:spPr/>
+        <p:txBody>
+          <a:bodyPr/>
+          <a:lstStyle/>
+          <a:p>
+            <a:fld id="{0903F862-C958-4CC4-BEED-6508A7FB4281}" type="slidenum">
+              <a:rPr lang="de-CH" smtClean="0"/>
+              <a:t>16</a:t>
+            </a:fld>
+            <a:endParaRPr lang="de-CH"/>
+          </a:p>
+        </p:txBody>
+      </p:sp>
       <p:pic>
         <p:nvPicPr>
           <p:cNvPr id="105" name="Shape 105"/>
@@ -7768,6 +8381,75 @@
           </a:p>
         </p:txBody>
       </p:sp>
+      <p:sp>
+        <p:nvSpPr>
+          <p:cNvPr id="2" name="Date Placeholder 1"/>
+          <p:cNvSpPr>
+            <a:spLocks noGrp="1"/>
+          </p:cNvSpPr>
+          <p:nvPr>
+            <p:ph type="dt" sz="half" idx="10"/>
+          </p:nvPr>
+        </p:nvSpPr>
+        <p:spPr/>
+        <p:txBody>
+          <a:bodyPr/>
+          <a:lstStyle/>
+          <a:p>
+            <a:fld id="{2FC2963E-5256-433F-B063-FB241407955A}" type="datetime1">
+              <a:rPr lang="de-CH" smtClean="0"/>
+              <a:t>04.01.2015</a:t>
+            </a:fld>
+            <a:endParaRPr lang="de-CH" dirty="0"/>
+          </a:p>
+        </p:txBody>
+      </p:sp>
+      <p:sp>
+        <p:nvSpPr>
+          <p:cNvPr id="4" name="Footer Placeholder 3"/>
+          <p:cNvSpPr>
+            <a:spLocks noGrp="1"/>
+          </p:cNvSpPr>
+          <p:nvPr>
+            <p:ph type="ftr" sz="quarter" idx="11"/>
+          </p:nvPr>
+        </p:nvSpPr>
+        <p:spPr/>
+        <p:txBody>
+          <a:bodyPr/>
+          <a:lstStyle/>
+          <a:p>
+            <a:r>
+              <a:rPr lang="de-CH" smtClean="0"/>
+              <a:t>S.Bakocs, L.Stahel</a:t>
+            </a:r>
+            <a:endParaRPr lang="de-CH"/>
+          </a:p>
+        </p:txBody>
+      </p:sp>
+      <p:sp>
+        <p:nvSpPr>
+          <p:cNvPr id="5" name="Slide Number Placeholder 4"/>
+          <p:cNvSpPr>
+            <a:spLocks noGrp="1"/>
+          </p:cNvSpPr>
+          <p:nvPr>
+            <p:ph type="sldNum" sz="quarter" idx="12"/>
+          </p:nvPr>
+        </p:nvSpPr>
+        <p:spPr/>
+        <p:txBody>
+          <a:bodyPr/>
+          <a:lstStyle/>
+          <a:p>
+            <a:fld id="{0903F862-C958-4CC4-BEED-6508A7FB4281}" type="slidenum">
+              <a:rPr lang="de-CH" smtClean="0"/>
+              <a:t>17</a:t>
+            </a:fld>
+            <a:endParaRPr lang="de-CH"/>
+          </a:p>
+        </p:txBody>
+      </p:sp>
     </p:spTree>
     <p:extLst>
       <p:ext uri="{BB962C8B-B14F-4D97-AF65-F5344CB8AC3E}">
@@ -7867,6 +8549,75 @@
           </a:p>
         </p:txBody>
       </p:sp>
+      <p:sp>
+        <p:nvSpPr>
+          <p:cNvPr id="2" name="Date Placeholder 1"/>
+          <p:cNvSpPr>
+            <a:spLocks noGrp="1"/>
+          </p:cNvSpPr>
+          <p:nvPr>
+            <p:ph type="dt" sz="half" idx="10"/>
+          </p:nvPr>
+        </p:nvSpPr>
+        <p:spPr/>
+        <p:txBody>
+          <a:bodyPr/>
+          <a:lstStyle/>
+          <a:p>
+            <a:fld id="{B1F369AF-2F04-47F3-8847-6D4C6DB48DA1}" type="datetime1">
+              <a:rPr lang="de-CH" smtClean="0"/>
+              <a:t>04.01.2015</a:t>
+            </a:fld>
+            <a:endParaRPr lang="de-CH" dirty="0"/>
+          </a:p>
+        </p:txBody>
+      </p:sp>
+      <p:sp>
+        <p:nvSpPr>
+          <p:cNvPr id="4" name="Footer Placeholder 3"/>
+          <p:cNvSpPr>
+            <a:spLocks noGrp="1"/>
+          </p:cNvSpPr>
+          <p:nvPr>
+            <p:ph type="ftr" sz="quarter" idx="11"/>
+          </p:nvPr>
+        </p:nvSpPr>
+        <p:spPr/>
+        <p:txBody>
+          <a:bodyPr/>
+          <a:lstStyle/>
+          <a:p>
+            <a:r>
+              <a:rPr lang="de-CH" smtClean="0"/>
+              <a:t>S.Bakocs, L.Stahel</a:t>
+            </a:r>
+            <a:endParaRPr lang="de-CH"/>
+          </a:p>
+        </p:txBody>
+      </p:sp>
+      <p:sp>
+        <p:nvSpPr>
+          <p:cNvPr id="5" name="Slide Number Placeholder 4"/>
+          <p:cNvSpPr>
+            <a:spLocks noGrp="1"/>
+          </p:cNvSpPr>
+          <p:nvPr>
+            <p:ph type="sldNum" sz="quarter" idx="12"/>
+          </p:nvPr>
+        </p:nvSpPr>
+        <p:spPr/>
+        <p:txBody>
+          <a:bodyPr/>
+          <a:lstStyle/>
+          <a:p>
+            <a:fld id="{0903F862-C958-4CC4-BEED-6508A7FB4281}" type="slidenum">
+              <a:rPr lang="de-CH" smtClean="0"/>
+              <a:t>18</a:t>
+            </a:fld>
+            <a:endParaRPr lang="de-CH"/>
+          </a:p>
+        </p:txBody>
+      </p:sp>
     </p:spTree>
     <p:extLst>
       <p:ext uri="{BB962C8B-B14F-4D97-AF65-F5344CB8AC3E}">
@@ -7966,6 +8717,75 @@
           </a:p>
         </p:txBody>
       </p:sp>
+      <p:sp>
+        <p:nvSpPr>
+          <p:cNvPr id="2" name="Date Placeholder 1"/>
+          <p:cNvSpPr>
+            <a:spLocks noGrp="1"/>
+          </p:cNvSpPr>
+          <p:nvPr>
+            <p:ph type="dt" sz="half" idx="10"/>
+          </p:nvPr>
+        </p:nvSpPr>
+        <p:spPr/>
+        <p:txBody>
+          <a:bodyPr/>
+          <a:lstStyle/>
+          <a:p>
+            <a:fld id="{E836C588-0F84-4514-B07F-1966BDF65C85}" type="datetime1">
+              <a:rPr lang="de-CH" smtClean="0"/>
+              <a:t>04.01.2015</a:t>
+            </a:fld>
+            <a:endParaRPr lang="de-CH" dirty="0"/>
+          </a:p>
+        </p:txBody>
+      </p:sp>
+      <p:sp>
+        <p:nvSpPr>
+          <p:cNvPr id="4" name="Footer Placeholder 3"/>
+          <p:cNvSpPr>
+            <a:spLocks noGrp="1"/>
+          </p:cNvSpPr>
+          <p:nvPr>
+            <p:ph type="ftr" sz="quarter" idx="11"/>
+          </p:nvPr>
+        </p:nvSpPr>
+        <p:spPr/>
+        <p:txBody>
+          <a:bodyPr/>
+          <a:lstStyle/>
+          <a:p>
+            <a:r>
+              <a:rPr lang="de-CH" smtClean="0"/>
+              <a:t>S.Bakocs, L.Stahel</a:t>
+            </a:r>
+            <a:endParaRPr lang="de-CH"/>
+          </a:p>
+        </p:txBody>
+      </p:sp>
+      <p:sp>
+        <p:nvSpPr>
+          <p:cNvPr id="5" name="Slide Number Placeholder 4"/>
+          <p:cNvSpPr>
+            <a:spLocks noGrp="1"/>
+          </p:cNvSpPr>
+          <p:nvPr>
+            <p:ph type="sldNum" sz="quarter" idx="12"/>
+          </p:nvPr>
+        </p:nvSpPr>
+        <p:spPr/>
+        <p:txBody>
+          <a:bodyPr/>
+          <a:lstStyle/>
+          <a:p>
+            <a:fld id="{0903F862-C958-4CC4-BEED-6508A7FB4281}" type="slidenum">
+              <a:rPr lang="de-CH" smtClean="0"/>
+              <a:t>19</a:t>
+            </a:fld>
+            <a:endParaRPr lang="de-CH"/>
+          </a:p>
+        </p:txBody>
+      </p:sp>
     </p:spTree>
     <p:extLst>
       <p:ext uri="{BB962C8B-B14F-4D97-AF65-F5344CB8AC3E}">
@@ -8096,6 +8916,75 @@
           </a:p>
         </p:txBody>
       </p:sp>
+      <p:sp>
+        <p:nvSpPr>
+          <p:cNvPr id="4" name="Date Placeholder 3"/>
+          <p:cNvSpPr>
+            <a:spLocks noGrp="1"/>
+          </p:cNvSpPr>
+          <p:nvPr>
+            <p:ph type="dt" sz="half" idx="10"/>
+          </p:nvPr>
+        </p:nvSpPr>
+        <p:spPr/>
+        <p:txBody>
+          <a:bodyPr/>
+          <a:lstStyle/>
+          <a:p>
+            <a:fld id="{2292A1C0-826A-4976-87E6-E70BBB8825A6}" type="datetime1">
+              <a:rPr lang="de-CH" smtClean="0"/>
+              <a:t>04.01.2015</a:t>
+            </a:fld>
+            <a:endParaRPr lang="de-CH" dirty="0"/>
+          </a:p>
+        </p:txBody>
+      </p:sp>
+      <p:sp>
+        <p:nvSpPr>
+          <p:cNvPr id="6" name="Footer Placeholder 5"/>
+          <p:cNvSpPr>
+            <a:spLocks noGrp="1"/>
+          </p:cNvSpPr>
+          <p:nvPr>
+            <p:ph type="ftr" sz="quarter" idx="11"/>
+          </p:nvPr>
+        </p:nvSpPr>
+        <p:spPr/>
+        <p:txBody>
+          <a:bodyPr/>
+          <a:lstStyle/>
+          <a:p>
+            <a:r>
+              <a:rPr lang="de-CH" smtClean="0"/>
+              <a:t>S.Bakocs, L.Stahel</a:t>
+            </a:r>
+            <a:endParaRPr lang="de-CH"/>
+          </a:p>
+        </p:txBody>
+      </p:sp>
+      <p:sp>
+        <p:nvSpPr>
+          <p:cNvPr id="7" name="Slide Number Placeholder 6"/>
+          <p:cNvSpPr>
+            <a:spLocks noGrp="1"/>
+          </p:cNvSpPr>
+          <p:nvPr>
+            <p:ph type="sldNum" sz="quarter" idx="12"/>
+          </p:nvPr>
+        </p:nvSpPr>
+        <p:spPr/>
+        <p:txBody>
+          <a:bodyPr/>
+          <a:lstStyle/>
+          <a:p>
+            <a:fld id="{0903F862-C958-4CC4-BEED-6508A7FB4281}" type="slidenum">
+              <a:rPr lang="de-CH" smtClean="0"/>
+              <a:t>2</a:t>
+            </a:fld>
+            <a:endParaRPr lang="de-CH"/>
+          </a:p>
+        </p:txBody>
+      </p:sp>
     </p:spTree>
     <p:extLst>
       <p:ext uri="{BB962C8B-B14F-4D97-AF65-F5344CB8AC3E}">
@@ -8189,6 +9078,75 @@
               <a:rPr lang="en"/>
               <a:t>webkitRequestAnimationFrame();</a:t>
             </a:r>
+          </a:p>
+        </p:txBody>
+      </p:sp>
+      <p:sp>
+        <p:nvSpPr>
+          <p:cNvPr id="2" name="Date Placeholder 1"/>
+          <p:cNvSpPr>
+            <a:spLocks noGrp="1"/>
+          </p:cNvSpPr>
+          <p:nvPr>
+            <p:ph type="dt" sz="half" idx="10"/>
+          </p:nvPr>
+        </p:nvSpPr>
+        <p:spPr/>
+        <p:txBody>
+          <a:bodyPr/>
+          <a:lstStyle/>
+          <a:p>
+            <a:fld id="{DEF06020-5C6C-424D-8DD0-36743B0C1C7A}" type="datetime1">
+              <a:rPr lang="de-CH" smtClean="0"/>
+              <a:t>04.01.2015</a:t>
+            </a:fld>
+            <a:endParaRPr lang="de-CH" dirty="0"/>
+          </a:p>
+        </p:txBody>
+      </p:sp>
+      <p:sp>
+        <p:nvSpPr>
+          <p:cNvPr id="4" name="Footer Placeholder 3"/>
+          <p:cNvSpPr>
+            <a:spLocks noGrp="1"/>
+          </p:cNvSpPr>
+          <p:nvPr>
+            <p:ph type="ftr" sz="quarter" idx="11"/>
+          </p:nvPr>
+        </p:nvSpPr>
+        <p:spPr/>
+        <p:txBody>
+          <a:bodyPr/>
+          <a:lstStyle/>
+          <a:p>
+            <a:r>
+              <a:rPr lang="de-CH" smtClean="0"/>
+              <a:t>S.Bakocs, L.Stahel</a:t>
+            </a:r>
+            <a:endParaRPr lang="de-CH"/>
+          </a:p>
+        </p:txBody>
+      </p:sp>
+      <p:sp>
+        <p:nvSpPr>
+          <p:cNvPr id="5" name="Slide Number Placeholder 4"/>
+          <p:cNvSpPr>
+            <a:spLocks noGrp="1"/>
+          </p:cNvSpPr>
+          <p:nvPr>
+            <p:ph type="sldNum" sz="quarter" idx="12"/>
+          </p:nvPr>
+        </p:nvSpPr>
+        <p:spPr/>
+        <p:txBody>
+          <a:bodyPr/>
+          <a:lstStyle/>
+          <a:p>
+            <a:fld id="{0903F862-C958-4CC4-BEED-6508A7FB4281}" type="slidenum">
+              <a:rPr lang="de-CH" smtClean="0"/>
+              <a:t>20</a:t>
+            </a:fld>
+            <a:endParaRPr lang="de-CH"/>
           </a:p>
         </p:txBody>
       </p:sp>
@@ -8275,6 +9233,75 @@
           <a:bodyPr/>
           <a:lstStyle/>
           <a:p>
+            <a:endParaRPr lang="de-CH"/>
+          </a:p>
+        </p:txBody>
+      </p:sp>
+      <p:sp>
+        <p:nvSpPr>
+          <p:cNvPr id="3" name="Date Placeholder 2"/>
+          <p:cNvSpPr>
+            <a:spLocks noGrp="1"/>
+          </p:cNvSpPr>
+          <p:nvPr>
+            <p:ph type="dt" sz="half" idx="10"/>
+          </p:nvPr>
+        </p:nvSpPr>
+        <p:spPr/>
+        <p:txBody>
+          <a:bodyPr/>
+          <a:lstStyle/>
+          <a:p>
+            <a:fld id="{2B35F776-4D4F-4DC1-87CE-F2691DC11DDD}" type="datetime1">
+              <a:rPr lang="de-CH" smtClean="0"/>
+              <a:t>04.01.2015</a:t>
+            </a:fld>
+            <a:endParaRPr lang="de-CH" dirty="0"/>
+          </a:p>
+        </p:txBody>
+      </p:sp>
+      <p:sp>
+        <p:nvSpPr>
+          <p:cNvPr id="5" name="Footer Placeholder 4"/>
+          <p:cNvSpPr>
+            <a:spLocks noGrp="1"/>
+          </p:cNvSpPr>
+          <p:nvPr>
+            <p:ph type="ftr" sz="quarter" idx="11"/>
+          </p:nvPr>
+        </p:nvSpPr>
+        <p:spPr/>
+        <p:txBody>
+          <a:bodyPr/>
+          <a:lstStyle/>
+          <a:p>
+            <a:r>
+              <a:rPr lang="de-CH" smtClean="0"/>
+              <a:t>S.Bakocs, L.Stahel</a:t>
+            </a:r>
+            <a:endParaRPr lang="de-CH"/>
+          </a:p>
+        </p:txBody>
+      </p:sp>
+      <p:sp>
+        <p:nvSpPr>
+          <p:cNvPr id="6" name="Slide Number Placeholder 5"/>
+          <p:cNvSpPr>
+            <a:spLocks noGrp="1"/>
+          </p:cNvSpPr>
+          <p:nvPr>
+            <p:ph type="sldNum" sz="quarter" idx="12"/>
+          </p:nvPr>
+        </p:nvSpPr>
+        <p:spPr/>
+        <p:txBody>
+          <a:bodyPr/>
+          <a:lstStyle/>
+          <a:p>
+            <a:fld id="{0903F862-C958-4CC4-BEED-6508A7FB4281}" type="slidenum">
+              <a:rPr lang="de-CH" smtClean="0"/>
+              <a:t>21</a:t>
+            </a:fld>
             <a:endParaRPr lang="de-CH"/>
           </a:p>
         </p:txBody>
@@ -8477,6 +9504,30 @@
           </a:p>
         </p:txBody>
       </p:sp>
+      <p:sp>
+        <p:nvSpPr>
+          <p:cNvPr id="3" name="Slide Number Placeholder 2"/>
+          <p:cNvSpPr>
+            <a:spLocks noGrp="1"/>
+          </p:cNvSpPr>
+          <p:nvPr>
+            <p:ph type="sldNum" idx="12"/>
+          </p:nvPr>
+        </p:nvSpPr>
+        <p:spPr/>
+        <p:txBody>
+          <a:bodyPr/>
+          <a:lstStyle/>
+          <a:p>
+            <a:fld id="{00000000-1234-1234-1234-123412341234}" type="slidenum">
+              <a:rPr lang="en" smtClean="0"/>
+              <a:pPr/>
+              <a:t>22</a:t>
+            </a:fld>
+            <a:endParaRPr lang="en"/>
+          </a:p>
+        </p:txBody>
+      </p:sp>
       <p:pic>
         <p:nvPicPr>
           <p:cNvPr id="142" name="Shape 142"/>
@@ -8645,6 +9696,75 @@
           <a:p>
             <a:pPr lvl="1"/>
             <a:endParaRPr lang="de-CH" dirty="0"/>
+          </a:p>
+        </p:txBody>
+      </p:sp>
+      <p:sp>
+        <p:nvSpPr>
+          <p:cNvPr id="4" name="Date Placeholder 3"/>
+          <p:cNvSpPr>
+            <a:spLocks noGrp="1"/>
+          </p:cNvSpPr>
+          <p:nvPr>
+            <p:ph type="dt" sz="half" idx="10"/>
+          </p:nvPr>
+        </p:nvSpPr>
+        <p:spPr/>
+        <p:txBody>
+          <a:bodyPr/>
+          <a:lstStyle/>
+          <a:p>
+            <a:fld id="{3B2BF671-843E-45C7-8EE5-947CF3F12935}" type="datetime1">
+              <a:rPr lang="de-CH" smtClean="0"/>
+              <a:t>04.01.2015</a:t>
+            </a:fld>
+            <a:endParaRPr lang="de-CH" dirty="0"/>
+          </a:p>
+        </p:txBody>
+      </p:sp>
+      <p:sp>
+        <p:nvSpPr>
+          <p:cNvPr id="6" name="Footer Placeholder 5"/>
+          <p:cNvSpPr>
+            <a:spLocks noGrp="1"/>
+          </p:cNvSpPr>
+          <p:nvPr>
+            <p:ph type="ftr" sz="quarter" idx="11"/>
+          </p:nvPr>
+        </p:nvSpPr>
+        <p:spPr/>
+        <p:txBody>
+          <a:bodyPr/>
+          <a:lstStyle/>
+          <a:p>
+            <a:r>
+              <a:rPr lang="de-CH" smtClean="0"/>
+              <a:t>S.Bakocs, L.Stahel</a:t>
+            </a:r>
+            <a:endParaRPr lang="de-CH"/>
+          </a:p>
+        </p:txBody>
+      </p:sp>
+      <p:sp>
+        <p:nvSpPr>
+          <p:cNvPr id="8" name="Slide Number Placeholder 7"/>
+          <p:cNvSpPr>
+            <a:spLocks noGrp="1"/>
+          </p:cNvSpPr>
+          <p:nvPr>
+            <p:ph type="sldNum" sz="quarter" idx="12"/>
+          </p:nvPr>
+        </p:nvSpPr>
+        <p:spPr/>
+        <p:txBody>
+          <a:bodyPr/>
+          <a:lstStyle/>
+          <a:p>
+            <a:fld id="{0903F862-C958-4CC4-BEED-6508A7FB4281}" type="slidenum">
+              <a:rPr lang="de-CH" smtClean="0"/>
+              <a:t>23</a:t>
+            </a:fld>
+            <a:endParaRPr lang="de-CH"/>
           </a:p>
         </p:txBody>
       </p:sp>
@@ -8977,13 +10097,78 @@
           <a:p>
             <a:r>
               <a:rPr lang="de-CH" dirty="0" smtClean="0"/>
-              <a:t>Varianten</a:t>
-            </a:r>
-            <a:r>
-              <a:rPr lang="de-CH" dirty="0" smtClean="0"/>
-              <a:t>, Lösungen, Probleme, Erkenntnisse</a:t>
+              <a:t>Varianten, Lösungen, Probleme, Erkenntnisse</a:t>
             </a:r>
             <a:endParaRPr lang="de-CH" dirty="0"/>
+          </a:p>
+        </p:txBody>
+      </p:sp>
+      <p:sp>
+        <p:nvSpPr>
+          <p:cNvPr id="4" name="Date Placeholder 3"/>
+          <p:cNvSpPr>
+            <a:spLocks noGrp="1"/>
+          </p:cNvSpPr>
+          <p:nvPr>
+            <p:ph type="dt" sz="half" idx="10"/>
+          </p:nvPr>
+        </p:nvSpPr>
+        <p:spPr/>
+        <p:txBody>
+          <a:bodyPr/>
+          <a:lstStyle/>
+          <a:p>
+            <a:fld id="{2B011CAF-DD1A-4BE6-B2F7-AB3FC568E8C9}" type="datetime1">
+              <a:rPr lang="de-CH" smtClean="0"/>
+              <a:t>04.01.2015</a:t>
+            </a:fld>
+            <a:endParaRPr lang="de-CH"/>
+          </a:p>
+        </p:txBody>
+      </p:sp>
+      <p:sp>
+        <p:nvSpPr>
+          <p:cNvPr id="6" name="Footer Placeholder 5"/>
+          <p:cNvSpPr>
+            <a:spLocks noGrp="1"/>
+          </p:cNvSpPr>
+          <p:nvPr>
+            <p:ph type="ftr" sz="quarter" idx="11"/>
+          </p:nvPr>
+        </p:nvSpPr>
+        <p:spPr/>
+        <p:txBody>
+          <a:bodyPr/>
+          <a:lstStyle/>
+          <a:p>
+            <a:r>
+              <a:rPr lang="de-CH" smtClean="0"/>
+              <a:t>S.Bakocs, L.Stahel</a:t>
+            </a:r>
+            <a:endParaRPr lang="de-CH" dirty="0"/>
+          </a:p>
+        </p:txBody>
+      </p:sp>
+      <p:sp>
+        <p:nvSpPr>
+          <p:cNvPr id="7" name="Slide Number Placeholder 6"/>
+          <p:cNvSpPr>
+            <a:spLocks noGrp="1"/>
+          </p:cNvSpPr>
+          <p:nvPr>
+            <p:ph type="sldNum" sz="quarter" idx="12"/>
+          </p:nvPr>
+        </p:nvSpPr>
+        <p:spPr/>
+        <p:txBody>
+          <a:bodyPr/>
+          <a:lstStyle/>
+          <a:p>
+            <a:fld id="{0903F862-C958-4CC4-BEED-6508A7FB4281}" type="slidenum">
+              <a:rPr lang="de-CH" smtClean="0"/>
+              <a:t>24</a:t>
+            </a:fld>
+            <a:endParaRPr lang="de-CH"/>
           </a:p>
         </p:txBody>
       </p:sp>
@@ -9174,6 +10359,75 @@
               <a:t>Komplexe umsetzung der Überwachung durch Server</a:t>
             </a:r>
             <a:endParaRPr lang="en" dirty="0"/>
+          </a:p>
+        </p:txBody>
+      </p:sp>
+      <p:sp>
+        <p:nvSpPr>
+          <p:cNvPr id="2" name="Date Placeholder 1"/>
+          <p:cNvSpPr>
+            <a:spLocks noGrp="1"/>
+          </p:cNvSpPr>
+          <p:nvPr>
+            <p:ph type="dt" sz="half" idx="10"/>
+          </p:nvPr>
+        </p:nvSpPr>
+        <p:spPr/>
+        <p:txBody>
+          <a:bodyPr/>
+          <a:lstStyle/>
+          <a:p>
+            <a:fld id="{8D3A3C4C-E792-42D6-AEA9-09A0B786EFEB}" type="datetime1">
+              <a:rPr lang="de-CH" smtClean="0"/>
+              <a:t>04.01.2015</a:t>
+            </a:fld>
+            <a:endParaRPr lang="de-CH" dirty="0"/>
+          </a:p>
+        </p:txBody>
+      </p:sp>
+      <p:sp>
+        <p:nvSpPr>
+          <p:cNvPr id="4" name="Footer Placeholder 3"/>
+          <p:cNvSpPr>
+            <a:spLocks noGrp="1"/>
+          </p:cNvSpPr>
+          <p:nvPr>
+            <p:ph type="ftr" sz="quarter" idx="11"/>
+          </p:nvPr>
+        </p:nvSpPr>
+        <p:spPr/>
+        <p:txBody>
+          <a:bodyPr/>
+          <a:lstStyle/>
+          <a:p>
+            <a:r>
+              <a:rPr lang="de-CH" smtClean="0"/>
+              <a:t>S.Bakocs, L.Stahel</a:t>
+            </a:r>
+            <a:endParaRPr lang="de-CH"/>
+          </a:p>
+        </p:txBody>
+      </p:sp>
+      <p:sp>
+        <p:nvSpPr>
+          <p:cNvPr id="5" name="Slide Number Placeholder 4"/>
+          <p:cNvSpPr>
+            <a:spLocks noGrp="1"/>
+          </p:cNvSpPr>
+          <p:nvPr>
+            <p:ph type="sldNum" sz="quarter" idx="12"/>
+          </p:nvPr>
+        </p:nvSpPr>
+        <p:spPr/>
+        <p:txBody>
+          <a:bodyPr/>
+          <a:lstStyle/>
+          <a:p>
+            <a:fld id="{0903F862-C958-4CC4-BEED-6508A7FB4281}" type="slidenum">
+              <a:rPr lang="de-CH" smtClean="0"/>
+              <a:t>25</a:t>
+            </a:fld>
+            <a:endParaRPr lang="de-CH"/>
           </a:p>
         </p:txBody>
       </p:sp>
@@ -9269,6 +10523,75 @@
           </a:xfrm>
         </p:spPr>
       </p:pic>
+      <p:sp>
+        <p:nvSpPr>
+          <p:cNvPr id="3" name="Date Placeholder 2"/>
+          <p:cNvSpPr>
+            <a:spLocks noGrp="1"/>
+          </p:cNvSpPr>
+          <p:nvPr>
+            <p:ph type="dt" sz="half" idx="10"/>
+          </p:nvPr>
+        </p:nvSpPr>
+        <p:spPr/>
+        <p:txBody>
+          <a:bodyPr/>
+          <a:lstStyle/>
+          <a:p>
+            <a:fld id="{CD7F7AF0-384F-47C3-BA65-D3243D51F1F4}" type="datetime1">
+              <a:rPr lang="de-CH" smtClean="0"/>
+              <a:t>04.01.2015</a:t>
+            </a:fld>
+            <a:endParaRPr lang="de-CH" dirty="0"/>
+          </a:p>
+        </p:txBody>
+      </p:sp>
+      <p:sp>
+        <p:nvSpPr>
+          <p:cNvPr id="6" name="Footer Placeholder 5"/>
+          <p:cNvSpPr>
+            <a:spLocks noGrp="1"/>
+          </p:cNvSpPr>
+          <p:nvPr>
+            <p:ph type="ftr" sz="quarter" idx="11"/>
+          </p:nvPr>
+        </p:nvSpPr>
+        <p:spPr/>
+        <p:txBody>
+          <a:bodyPr/>
+          <a:lstStyle/>
+          <a:p>
+            <a:r>
+              <a:rPr lang="de-CH" smtClean="0"/>
+              <a:t>S.Bakocs, L.Stahel</a:t>
+            </a:r>
+            <a:endParaRPr lang="de-CH"/>
+          </a:p>
+        </p:txBody>
+      </p:sp>
+      <p:sp>
+        <p:nvSpPr>
+          <p:cNvPr id="7" name="Slide Number Placeholder 6"/>
+          <p:cNvSpPr>
+            <a:spLocks noGrp="1"/>
+          </p:cNvSpPr>
+          <p:nvPr>
+            <p:ph type="sldNum" sz="quarter" idx="12"/>
+          </p:nvPr>
+        </p:nvSpPr>
+        <p:spPr/>
+        <p:txBody>
+          <a:bodyPr/>
+          <a:lstStyle/>
+          <a:p>
+            <a:fld id="{0903F862-C958-4CC4-BEED-6508A7FB4281}" type="slidenum">
+              <a:rPr lang="de-CH" smtClean="0"/>
+              <a:t>26</a:t>
+            </a:fld>
+            <a:endParaRPr lang="de-CH"/>
+          </a:p>
+        </p:txBody>
+      </p:sp>
     </p:spTree>
     <p:extLst>
       <p:ext uri="{BB962C8B-B14F-4D97-AF65-F5344CB8AC3E}">
@@ -9358,13 +10681,7 @@
               <a:rPr lang="de-CH" dirty="0" smtClean="0">
                 <a:sym typeface="Wingdings" panose="05000000000000000000" pitchFamily="2" charset="2"/>
               </a:rPr>
-              <a:t> Weitergabe der Kollisionsinformation an </a:t>
-            </a:r>
-            <a:r>
-              <a:rPr lang="de-CH" dirty="0" smtClean="0">
-                <a:sym typeface="Wingdings" panose="05000000000000000000" pitchFamily="2" charset="2"/>
-              </a:rPr>
-              <a:t>Clients</a:t>
+              <a:t> Weitergabe der Kollisionsinformation an Clients</a:t>
             </a:r>
           </a:p>
           <a:p>
@@ -9375,9 +10692,6 @@
               </a:rPr>
               <a:t>Überprüfung ob das Spiel vorbei ist</a:t>
             </a:r>
-            <a:endParaRPr lang="de-CH" dirty="0" smtClean="0">
-              <a:sym typeface="Wingdings" panose="05000000000000000000" pitchFamily="2" charset="2"/>
-            </a:endParaRPr>
           </a:p>
           <a:p>
             <a:r>
@@ -9395,6 +10709,75 @@
               <a:t>Bei Spielende die Clients informieren</a:t>
             </a:r>
             <a:endParaRPr lang="de-CH" dirty="0"/>
+          </a:p>
+        </p:txBody>
+      </p:sp>
+      <p:sp>
+        <p:nvSpPr>
+          <p:cNvPr id="4" name="Date Placeholder 3"/>
+          <p:cNvSpPr>
+            <a:spLocks noGrp="1"/>
+          </p:cNvSpPr>
+          <p:nvPr>
+            <p:ph type="dt" sz="half" idx="10"/>
+          </p:nvPr>
+        </p:nvSpPr>
+        <p:spPr/>
+        <p:txBody>
+          <a:bodyPr/>
+          <a:lstStyle/>
+          <a:p>
+            <a:fld id="{86ACA5D5-EA62-429C-BC13-7C74C2A46809}" type="datetime1">
+              <a:rPr lang="de-CH" smtClean="0"/>
+              <a:t>04.01.2015</a:t>
+            </a:fld>
+            <a:endParaRPr lang="de-CH" dirty="0"/>
+          </a:p>
+        </p:txBody>
+      </p:sp>
+      <p:sp>
+        <p:nvSpPr>
+          <p:cNvPr id="6" name="Footer Placeholder 5"/>
+          <p:cNvSpPr>
+            <a:spLocks noGrp="1"/>
+          </p:cNvSpPr>
+          <p:nvPr>
+            <p:ph type="ftr" sz="quarter" idx="11"/>
+          </p:nvPr>
+        </p:nvSpPr>
+        <p:spPr/>
+        <p:txBody>
+          <a:bodyPr/>
+          <a:lstStyle/>
+          <a:p>
+            <a:r>
+              <a:rPr lang="de-CH" smtClean="0"/>
+              <a:t>S.Bakocs, L.Stahel</a:t>
+            </a:r>
+            <a:endParaRPr lang="de-CH"/>
+          </a:p>
+        </p:txBody>
+      </p:sp>
+      <p:sp>
+        <p:nvSpPr>
+          <p:cNvPr id="7" name="Slide Number Placeholder 6"/>
+          <p:cNvSpPr>
+            <a:spLocks noGrp="1"/>
+          </p:cNvSpPr>
+          <p:nvPr>
+            <p:ph type="sldNum" sz="quarter" idx="12"/>
+          </p:nvPr>
+        </p:nvSpPr>
+        <p:spPr/>
+        <p:txBody>
+          <a:bodyPr/>
+          <a:lstStyle/>
+          <a:p>
+            <a:fld id="{0903F862-C958-4CC4-BEED-6508A7FB4281}" type="slidenum">
+              <a:rPr lang="de-CH" smtClean="0"/>
+              <a:t>27</a:t>
+            </a:fld>
+            <a:endParaRPr lang="de-CH"/>
           </a:p>
         </p:txBody>
       </p:sp>
@@ -9487,6 +10870,75 @@
           </a:xfrm>
         </p:spPr>
       </p:pic>
+      <p:sp>
+        <p:nvSpPr>
+          <p:cNvPr id="3" name="Date Placeholder 2"/>
+          <p:cNvSpPr>
+            <a:spLocks noGrp="1"/>
+          </p:cNvSpPr>
+          <p:nvPr>
+            <p:ph type="dt" sz="half" idx="10"/>
+          </p:nvPr>
+        </p:nvSpPr>
+        <p:spPr/>
+        <p:txBody>
+          <a:bodyPr/>
+          <a:lstStyle/>
+          <a:p>
+            <a:fld id="{D69107D7-5842-4053-AEB7-A34C09C7F219}" type="datetime1">
+              <a:rPr lang="de-CH" smtClean="0"/>
+              <a:t>04.01.2015</a:t>
+            </a:fld>
+            <a:endParaRPr lang="de-CH" dirty="0"/>
+          </a:p>
+        </p:txBody>
+      </p:sp>
+      <p:sp>
+        <p:nvSpPr>
+          <p:cNvPr id="5" name="Footer Placeholder 4"/>
+          <p:cNvSpPr>
+            <a:spLocks noGrp="1"/>
+          </p:cNvSpPr>
+          <p:nvPr>
+            <p:ph type="ftr" sz="quarter" idx="11"/>
+          </p:nvPr>
+        </p:nvSpPr>
+        <p:spPr/>
+        <p:txBody>
+          <a:bodyPr/>
+          <a:lstStyle/>
+          <a:p>
+            <a:r>
+              <a:rPr lang="de-CH" smtClean="0"/>
+              <a:t>S.Bakocs, L.Stahel</a:t>
+            </a:r>
+            <a:endParaRPr lang="de-CH"/>
+          </a:p>
+        </p:txBody>
+      </p:sp>
+      <p:sp>
+        <p:nvSpPr>
+          <p:cNvPr id="6" name="Slide Number Placeholder 5"/>
+          <p:cNvSpPr>
+            <a:spLocks noGrp="1"/>
+          </p:cNvSpPr>
+          <p:nvPr>
+            <p:ph type="sldNum" sz="quarter" idx="12"/>
+          </p:nvPr>
+        </p:nvSpPr>
+        <p:spPr/>
+        <p:txBody>
+          <a:bodyPr/>
+          <a:lstStyle/>
+          <a:p>
+            <a:fld id="{0903F862-C958-4CC4-BEED-6508A7FB4281}" type="slidenum">
+              <a:rPr lang="de-CH" smtClean="0"/>
+              <a:t>28</a:t>
+            </a:fld>
+            <a:endParaRPr lang="de-CH"/>
+          </a:p>
+        </p:txBody>
+      </p:sp>
     </p:spTree>
     <p:extLst>
       <p:ext uri="{BB962C8B-B14F-4D97-AF65-F5344CB8AC3E}">
@@ -9698,6 +11150,75 @@
           </a:p>
         </p:txBody>
       </p:sp>
+      <p:sp>
+        <p:nvSpPr>
+          <p:cNvPr id="3" name="Date Placeholder 2"/>
+          <p:cNvSpPr>
+            <a:spLocks noGrp="1"/>
+          </p:cNvSpPr>
+          <p:nvPr>
+            <p:ph type="dt" sz="half" idx="10"/>
+          </p:nvPr>
+        </p:nvSpPr>
+        <p:spPr/>
+        <p:txBody>
+          <a:bodyPr/>
+          <a:lstStyle/>
+          <a:p>
+            <a:fld id="{BD1A471C-F79E-4587-85AE-F48625D03AF8}" type="datetime1">
+              <a:rPr lang="de-CH" smtClean="0"/>
+              <a:t>04.01.2015</a:t>
+            </a:fld>
+            <a:endParaRPr lang="de-CH"/>
+          </a:p>
+        </p:txBody>
+      </p:sp>
+      <p:sp>
+        <p:nvSpPr>
+          <p:cNvPr id="6" name="Footer Placeholder 5"/>
+          <p:cNvSpPr>
+            <a:spLocks noGrp="1"/>
+          </p:cNvSpPr>
+          <p:nvPr>
+            <p:ph type="ftr" sz="quarter" idx="11"/>
+          </p:nvPr>
+        </p:nvSpPr>
+        <p:spPr/>
+        <p:txBody>
+          <a:bodyPr/>
+          <a:lstStyle/>
+          <a:p>
+            <a:r>
+              <a:rPr lang="de-CH" smtClean="0"/>
+              <a:t>S.Bakocs, L.Stahel</a:t>
+            </a:r>
+            <a:endParaRPr lang="de-CH"/>
+          </a:p>
+        </p:txBody>
+      </p:sp>
+      <p:sp>
+        <p:nvSpPr>
+          <p:cNvPr id="8" name="Slide Number Placeholder 7"/>
+          <p:cNvSpPr>
+            <a:spLocks noGrp="1"/>
+          </p:cNvSpPr>
+          <p:nvPr>
+            <p:ph type="sldNum" sz="quarter" idx="12"/>
+          </p:nvPr>
+        </p:nvSpPr>
+        <p:spPr/>
+        <p:txBody>
+          <a:bodyPr/>
+          <a:lstStyle/>
+          <a:p>
+            <a:fld id="{0903F862-C958-4CC4-BEED-6508A7FB4281}" type="slidenum">
+              <a:rPr lang="de-CH" smtClean="0"/>
+              <a:t>29</a:t>
+            </a:fld>
+            <a:endParaRPr lang="de-CH"/>
+          </a:p>
+        </p:txBody>
+      </p:sp>
     </p:spTree>
     <p:extLst>
       <p:ext uri="{BB962C8B-B14F-4D97-AF65-F5344CB8AC3E}">
@@ -9793,6 +11314,75 @@
       </p:sp>
       <p:sp>
         <p:nvSpPr>
+          <p:cNvPr id="4" name="Date Placeholder 3"/>
+          <p:cNvSpPr>
+            <a:spLocks noGrp="1"/>
+          </p:cNvSpPr>
+          <p:nvPr>
+            <p:ph type="dt" sz="half" idx="10"/>
+          </p:nvPr>
+        </p:nvSpPr>
+        <p:spPr/>
+        <p:txBody>
+          <a:bodyPr/>
+          <a:lstStyle/>
+          <a:p>
+            <a:fld id="{26FD8762-30E1-47EC-98F1-5298A95E5DBB}" type="datetime1">
+              <a:rPr lang="de-CH" smtClean="0"/>
+              <a:t>04.01.2015</a:t>
+            </a:fld>
+            <a:endParaRPr lang="de-CH" dirty="0"/>
+          </a:p>
+        </p:txBody>
+      </p:sp>
+      <p:sp>
+        <p:nvSpPr>
+          <p:cNvPr id="9" name="Footer Placeholder 8"/>
+          <p:cNvSpPr>
+            <a:spLocks noGrp="1"/>
+          </p:cNvSpPr>
+          <p:nvPr>
+            <p:ph type="ftr" sz="quarter" idx="11"/>
+          </p:nvPr>
+        </p:nvSpPr>
+        <p:spPr/>
+        <p:txBody>
+          <a:bodyPr/>
+          <a:lstStyle/>
+          <a:p>
+            <a:r>
+              <a:rPr lang="de-CH" smtClean="0"/>
+              <a:t>S.Bakocs, L.Stahel</a:t>
+            </a:r>
+            <a:endParaRPr lang="de-CH"/>
+          </a:p>
+        </p:txBody>
+      </p:sp>
+      <p:sp>
+        <p:nvSpPr>
+          <p:cNvPr id="10" name="Slide Number Placeholder 9"/>
+          <p:cNvSpPr>
+            <a:spLocks noGrp="1"/>
+          </p:cNvSpPr>
+          <p:nvPr>
+            <p:ph type="sldNum" sz="quarter" idx="12"/>
+          </p:nvPr>
+        </p:nvSpPr>
+        <p:spPr/>
+        <p:txBody>
+          <a:bodyPr/>
+          <a:lstStyle/>
+          <a:p>
+            <a:fld id="{0903F862-C958-4CC4-BEED-6508A7FB4281}" type="slidenum">
+              <a:rPr lang="de-CH" smtClean="0"/>
+              <a:t>3</a:t>
+            </a:fld>
+            <a:endParaRPr lang="de-CH"/>
+          </a:p>
+        </p:txBody>
+      </p:sp>
+      <p:sp>
+        <p:nvSpPr>
           <p:cNvPr id="5" name="Rectangle 4"/>
           <p:cNvSpPr/>
           <p:nvPr/>
@@ -10284,6 +11874,75 @@
           </a:p>
         </p:txBody>
       </p:sp>
+      <p:sp>
+        <p:nvSpPr>
+          <p:cNvPr id="3" name="Date Placeholder 2"/>
+          <p:cNvSpPr>
+            <a:spLocks noGrp="1"/>
+          </p:cNvSpPr>
+          <p:nvPr>
+            <p:ph type="dt" sz="half" idx="10"/>
+          </p:nvPr>
+        </p:nvSpPr>
+        <p:spPr/>
+        <p:txBody>
+          <a:bodyPr/>
+          <a:lstStyle/>
+          <a:p>
+            <a:fld id="{07A6AAD1-C951-43B3-8921-73DAB60BC92F}" type="datetime1">
+              <a:rPr lang="de-CH" smtClean="0"/>
+              <a:t>04.01.2015</a:t>
+            </a:fld>
+            <a:endParaRPr lang="de-CH"/>
+          </a:p>
+        </p:txBody>
+      </p:sp>
+      <p:sp>
+        <p:nvSpPr>
+          <p:cNvPr id="7" name="Footer Placeholder 6"/>
+          <p:cNvSpPr>
+            <a:spLocks noGrp="1"/>
+          </p:cNvSpPr>
+          <p:nvPr>
+            <p:ph type="ftr" sz="quarter" idx="11"/>
+          </p:nvPr>
+        </p:nvSpPr>
+        <p:spPr/>
+        <p:txBody>
+          <a:bodyPr/>
+          <a:lstStyle/>
+          <a:p>
+            <a:r>
+              <a:rPr lang="de-CH" smtClean="0"/>
+              <a:t>S.Bakocs, L.Stahel</a:t>
+            </a:r>
+            <a:endParaRPr lang="de-CH"/>
+          </a:p>
+        </p:txBody>
+      </p:sp>
+      <p:sp>
+        <p:nvSpPr>
+          <p:cNvPr id="8" name="Slide Number Placeholder 7"/>
+          <p:cNvSpPr>
+            <a:spLocks noGrp="1"/>
+          </p:cNvSpPr>
+          <p:nvPr>
+            <p:ph type="sldNum" sz="quarter" idx="12"/>
+          </p:nvPr>
+        </p:nvSpPr>
+        <p:spPr/>
+        <p:txBody>
+          <a:bodyPr/>
+          <a:lstStyle/>
+          <a:p>
+            <a:fld id="{0903F862-C958-4CC4-BEED-6508A7FB4281}" type="slidenum">
+              <a:rPr lang="de-CH" smtClean="0"/>
+              <a:t>30</a:t>
+            </a:fld>
+            <a:endParaRPr lang="de-CH"/>
+          </a:p>
+        </p:txBody>
+      </p:sp>
     </p:spTree>
     <p:extLst>
       <p:ext uri="{BB962C8B-B14F-4D97-AF65-F5344CB8AC3E}">
@@ -10407,6 +12066,75 @@
               <a:rPr lang="de-CH" dirty="0" smtClean="0"/>
             </a:br>
             <a:endParaRPr lang="de-CH" dirty="0"/>
+          </a:p>
+        </p:txBody>
+      </p:sp>
+      <p:sp>
+        <p:nvSpPr>
+          <p:cNvPr id="3" name="Date Placeholder 2"/>
+          <p:cNvSpPr>
+            <a:spLocks noGrp="1"/>
+          </p:cNvSpPr>
+          <p:nvPr>
+            <p:ph type="dt" sz="half" idx="10"/>
+          </p:nvPr>
+        </p:nvSpPr>
+        <p:spPr/>
+        <p:txBody>
+          <a:bodyPr/>
+          <a:lstStyle/>
+          <a:p>
+            <a:fld id="{5B5E3997-D54A-4E51-9FF4-94BE3097135C}" type="datetime1">
+              <a:rPr lang="de-CH" smtClean="0"/>
+              <a:t>04.01.2015</a:t>
+            </a:fld>
+            <a:endParaRPr lang="de-CH"/>
+          </a:p>
+        </p:txBody>
+      </p:sp>
+      <p:sp>
+        <p:nvSpPr>
+          <p:cNvPr id="7" name="Footer Placeholder 6"/>
+          <p:cNvSpPr>
+            <a:spLocks noGrp="1"/>
+          </p:cNvSpPr>
+          <p:nvPr>
+            <p:ph type="ftr" sz="quarter" idx="11"/>
+          </p:nvPr>
+        </p:nvSpPr>
+        <p:spPr/>
+        <p:txBody>
+          <a:bodyPr/>
+          <a:lstStyle/>
+          <a:p>
+            <a:r>
+              <a:rPr lang="de-CH" smtClean="0"/>
+              <a:t>S.Bakocs, L.Stahel</a:t>
+            </a:r>
+            <a:endParaRPr lang="de-CH"/>
+          </a:p>
+        </p:txBody>
+      </p:sp>
+      <p:sp>
+        <p:nvSpPr>
+          <p:cNvPr id="8" name="Slide Number Placeholder 7"/>
+          <p:cNvSpPr>
+            <a:spLocks noGrp="1"/>
+          </p:cNvSpPr>
+          <p:nvPr>
+            <p:ph type="sldNum" sz="quarter" idx="12"/>
+          </p:nvPr>
+        </p:nvSpPr>
+        <p:spPr/>
+        <p:txBody>
+          <a:bodyPr/>
+          <a:lstStyle/>
+          <a:p>
+            <a:fld id="{0903F862-C958-4CC4-BEED-6508A7FB4281}" type="slidenum">
+              <a:rPr lang="de-CH" smtClean="0"/>
+              <a:t>31</a:t>
+            </a:fld>
+            <a:endParaRPr lang="de-CH"/>
           </a:p>
         </p:txBody>
       </p:sp>
@@ -10555,11 +12283,7 @@
             <a:pPr lvl="1"/>
             <a:r>
               <a:rPr lang="de-CH" dirty="0" smtClean="0"/>
-              <a:t>Sammelbare Items auf dem </a:t>
-            </a:r>
-            <a:r>
-              <a:rPr lang="de-CH" dirty="0" smtClean="0"/>
-              <a:t>Spielfeld</a:t>
+              <a:t>Sammelbare Items auf dem Spielfeld</a:t>
             </a:r>
           </a:p>
           <a:p>
@@ -10577,6 +12301,75 @@
           </a:p>
           <a:p>
             <a:endParaRPr lang="de-CH" dirty="0"/>
+          </a:p>
+        </p:txBody>
+      </p:sp>
+      <p:sp>
+        <p:nvSpPr>
+          <p:cNvPr id="3" name="Date Placeholder 2"/>
+          <p:cNvSpPr>
+            <a:spLocks noGrp="1"/>
+          </p:cNvSpPr>
+          <p:nvPr>
+            <p:ph type="dt" sz="half" idx="10"/>
+          </p:nvPr>
+        </p:nvSpPr>
+        <p:spPr/>
+        <p:txBody>
+          <a:bodyPr/>
+          <a:lstStyle/>
+          <a:p>
+            <a:fld id="{689686E4-2EEA-4EFD-BACC-D2E1E747EB78}" type="datetime1">
+              <a:rPr lang="de-CH" smtClean="0"/>
+              <a:t>04.01.2015</a:t>
+            </a:fld>
+            <a:endParaRPr lang="de-CH" dirty="0"/>
+          </a:p>
+        </p:txBody>
+      </p:sp>
+      <p:sp>
+        <p:nvSpPr>
+          <p:cNvPr id="6" name="Footer Placeholder 5"/>
+          <p:cNvSpPr>
+            <a:spLocks noGrp="1"/>
+          </p:cNvSpPr>
+          <p:nvPr>
+            <p:ph type="ftr" sz="quarter" idx="11"/>
+          </p:nvPr>
+        </p:nvSpPr>
+        <p:spPr/>
+        <p:txBody>
+          <a:bodyPr/>
+          <a:lstStyle/>
+          <a:p>
+            <a:r>
+              <a:rPr lang="de-CH" smtClean="0"/>
+              <a:t>S.Bakocs, L.Stahel</a:t>
+            </a:r>
+            <a:endParaRPr lang="de-CH"/>
+          </a:p>
+        </p:txBody>
+      </p:sp>
+      <p:sp>
+        <p:nvSpPr>
+          <p:cNvPr id="7" name="Slide Number Placeholder 6"/>
+          <p:cNvSpPr>
+            <a:spLocks noGrp="1"/>
+          </p:cNvSpPr>
+          <p:nvPr>
+            <p:ph type="sldNum" sz="quarter" idx="12"/>
+          </p:nvPr>
+        </p:nvSpPr>
+        <p:spPr/>
+        <p:txBody>
+          <a:bodyPr/>
+          <a:lstStyle/>
+          <a:p>
+            <a:fld id="{0903F862-C958-4CC4-BEED-6508A7FB4281}" type="slidenum">
+              <a:rPr lang="de-CH" smtClean="0"/>
+              <a:t>32</a:t>
+            </a:fld>
+            <a:endParaRPr lang="de-CH"/>
           </a:p>
         </p:txBody>
       </p:sp>
@@ -10659,6 +12452,75 @@
           </a:p>
         </p:txBody>
       </p:sp>
+      <p:sp>
+        <p:nvSpPr>
+          <p:cNvPr id="2" name="Date Placeholder 1"/>
+          <p:cNvSpPr>
+            <a:spLocks noGrp="1"/>
+          </p:cNvSpPr>
+          <p:nvPr>
+            <p:ph type="dt" sz="half" idx="10"/>
+          </p:nvPr>
+        </p:nvSpPr>
+        <p:spPr/>
+        <p:txBody>
+          <a:bodyPr/>
+          <a:lstStyle/>
+          <a:p>
+            <a:fld id="{0E67D16F-E7B6-4FF7-863C-D096957C447A}" type="datetime1">
+              <a:rPr lang="de-CH" smtClean="0"/>
+              <a:t>04.01.2015</a:t>
+            </a:fld>
+            <a:endParaRPr lang="de-CH"/>
+          </a:p>
+        </p:txBody>
+      </p:sp>
+      <p:sp>
+        <p:nvSpPr>
+          <p:cNvPr id="4" name="Footer Placeholder 3"/>
+          <p:cNvSpPr>
+            <a:spLocks noGrp="1"/>
+          </p:cNvSpPr>
+          <p:nvPr>
+            <p:ph type="ftr" sz="quarter" idx="11"/>
+          </p:nvPr>
+        </p:nvSpPr>
+        <p:spPr/>
+        <p:txBody>
+          <a:bodyPr/>
+          <a:lstStyle/>
+          <a:p>
+            <a:r>
+              <a:rPr lang="de-CH" smtClean="0"/>
+              <a:t>S.Bakocs, L.Stahel</a:t>
+            </a:r>
+            <a:endParaRPr lang="de-CH" dirty="0"/>
+          </a:p>
+        </p:txBody>
+      </p:sp>
+      <p:sp>
+        <p:nvSpPr>
+          <p:cNvPr id="7" name="Slide Number Placeholder 6"/>
+          <p:cNvSpPr>
+            <a:spLocks noGrp="1"/>
+          </p:cNvSpPr>
+          <p:nvPr>
+            <p:ph type="sldNum" sz="quarter" idx="12"/>
+          </p:nvPr>
+        </p:nvSpPr>
+        <p:spPr/>
+        <p:txBody>
+          <a:bodyPr/>
+          <a:lstStyle/>
+          <a:p>
+            <a:fld id="{0903F862-C958-4CC4-BEED-6508A7FB4281}" type="slidenum">
+              <a:rPr lang="de-CH" smtClean="0"/>
+              <a:t>33</a:t>
+            </a:fld>
+            <a:endParaRPr lang="de-CH"/>
+          </a:p>
+        </p:txBody>
+      </p:sp>
     </p:spTree>
     <p:extLst>
       <p:ext uri="{BB962C8B-B14F-4D97-AF65-F5344CB8AC3E}">
@@ -10730,6 +12592,75 @@
           <a:bodyPr/>
           <a:lstStyle/>
           <a:p>
+            <a:endParaRPr lang="de-CH"/>
+          </a:p>
+        </p:txBody>
+      </p:sp>
+      <p:sp>
+        <p:nvSpPr>
+          <p:cNvPr id="4" name="Date Placeholder 3"/>
+          <p:cNvSpPr>
+            <a:spLocks noGrp="1"/>
+          </p:cNvSpPr>
+          <p:nvPr>
+            <p:ph type="dt" sz="half" idx="10"/>
+          </p:nvPr>
+        </p:nvSpPr>
+        <p:spPr/>
+        <p:txBody>
+          <a:bodyPr/>
+          <a:lstStyle/>
+          <a:p>
+            <a:fld id="{A9B58005-9CBE-479F-8B58-090AAD00E0D3}" type="datetime1">
+              <a:rPr lang="de-CH" smtClean="0"/>
+              <a:t>04.01.2015</a:t>
+            </a:fld>
+            <a:endParaRPr lang="de-CH" dirty="0"/>
+          </a:p>
+        </p:txBody>
+      </p:sp>
+      <p:sp>
+        <p:nvSpPr>
+          <p:cNvPr id="7" name="Footer Placeholder 6"/>
+          <p:cNvSpPr>
+            <a:spLocks noGrp="1"/>
+          </p:cNvSpPr>
+          <p:nvPr>
+            <p:ph type="ftr" sz="quarter" idx="11"/>
+          </p:nvPr>
+        </p:nvSpPr>
+        <p:spPr/>
+        <p:txBody>
+          <a:bodyPr/>
+          <a:lstStyle/>
+          <a:p>
+            <a:r>
+              <a:rPr lang="de-CH" smtClean="0"/>
+              <a:t>S.Bakocs, L.Stahel</a:t>
+            </a:r>
+            <a:endParaRPr lang="de-CH"/>
+          </a:p>
+        </p:txBody>
+      </p:sp>
+      <p:sp>
+        <p:nvSpPr>
+          <p:cNvPr id="8" name="Slide Number Placeholder 7"/>
+          <p:cNvSpPr>
+            <a:spLocks noGrp="1"/>
+          </p:cNvSpPr>
+          <p:nvPr>
+            <p:ph type="sldNum" sz="quarter" idx="12"/>
+          </p:nvPr>
+        </p:nvSpPr>
+        <p:spPr/>
+        <p:txBody>
+          <a:bodyPr/>
+          <a:lstStyle/>
+          <a:p>
+            <a:fld id="{0903F862-C958-4CC4-BEED-6508A7FB4281}" type="slidenum">
+              <a:rPr lang="de-CH" smtClean="0"/>
+              <a:t>4</a:t>
+            </a:fld>
             <a:endParaRPr lang="de-CH"/>
           </a:p>
         </p:txBody>
@@ -10878,6 +12809,75 @@
       </p:pic>
       <p:sp>
         <p:nvSpPr>
+          <p:cNvPr id="4" name="Date Placeholder 3"/>
+          <p:cNvSpPr>
+            <a:spLocks noGrp="1"/>
+          </p:cNvSpPr>
+          <p:nvPr>
+            <p:ph type="dt" sz="half" idx="10"/>
+          </p:nvPr>
+        </p:nvSpPr>
+        <p:spPr/>
+        <p:txBody>
+          <a:bodyPr/>
+          <a:lstStyle/>
+          <a:p>
+            <a:fld id="{BBCF0248-C58F-4153-AE70-F9DBC6DBDC9D}" type="datetime1">
+              <a:rPr lang="de-CH" smtClean="0"/>
+              <a:t>04.01.2015</a:t>
+            </a:fld>
+            <a:endParaRPr lang="de-CH"/>
+          </a:p>
+        </p:txBody>
+      </p:sp>
+      <p:sp>
+        <p:nvSpPr>
+          <p:cNvPr id="9" name="Footer Placeholder 8"/>
+          <p:cNvSpPr>
+            <a:spLocks noGrp="1"/>
+          </p:cNvSpPr>
+          <p:nvPr>
+            <p:ph type="ftr" sz="quarter" idx="11"/>
+          </p:nvPr>
+        </p:nvSpPr>
+        <p:spPr/>
+        <p:txBody>
+          <a:bodyPr/>
+          <a:lstStyle/>
+          <a:p>
+            <a:r>
+              <a:rPr lang="de-CH" smtClean="0"/>
+              <a:t>S.Bakocs, L.Stahel</a:t>
+            </a:r>
+            <a:endParaRPr lang="de-CH"/>
+          </a:p>
+        </p:txBody>
+      </p:sp>
+      <p:sp>
+        <p:nvSpPr>
+          <p:cNvPr id="10" name="Slide Number Placeholder 9"/>
+          <p:cNvSpPr>
+            <a:spLocks noGrp="1"/>
+          </p:cNvSpPr>
+          <p:nvPr>
+            <p:ph type="sldNum" sz="quarter" idx="12"/>
+          </p:nvPr>
+        </p:nvSpPr>
+        <p:spPr/>
+        <p:txBody>
+          <a:bodyPr/>
+          <a:lstStyle/>
+          <a:p>
+            <a:fld id="{0903F862-C958-4CC4-BEED-6508A7FB4281}" type="slidenum">
+              <a:rPr lang="de-CH" smtClean="0"/>
+              <a:t>5</a:t>
+            </a:fld>
+            <a:endParaRPr lang="de-CH"/>
+          </a:p>
+        </p:txBody>
+      </p:sp>
+      <p:sp>
+        <p:nvSpPr>
           <p:cNvPr id="6" name="Shape 46"/>
           <p:cNvSpPr txBox="1"/>
           <p:nvPr/>
@@ -11094,6 +13094,75 @@
           <a:p>
             <a:pPr lvl="1"/>
             <a:endParaRPr lang="de-CH" dirty="0"/>
+          </a:p>
+        </p:txBody>
+      </p:sp>
+      <p:sp>
+        <p:nvSpPr>
+          <p:cNvPr id="4" name="Date Placeholder 3"/>
+          <p:cNvSpPr>
+            <a:spLocks noGrp="1"/>
+          </p:cNvSpPr>
+          <p:nvPr>
+            <p:ph type="dt" sz="half" idx="10"/>
+          </p:nvPr>
+        </p:nvSpPr>
+        <p:spPr/>
+        <p:txBody>
+          <a:bodyPr/>
+          <a:lstStyle/>
+          <a:p>
+            <a:fld id="{5D8F3713-CD9F-4077-9D5B-FDB7DADDC6D1}" type="datetime1">
+              <a:rPr lang="de-CH" smtClean="0"/>
+              <a:t>04.01.2015</a:t>
+            </a:fld>
+            <a:endParaRPr lang="de-CH" dirty="0"/>
+          </a:p>
+        </p:txBody>
+      </p:sp>
+      <p:sp>
+        <p:nvSpPr>
+          <p:cNvPr id="6" name="Footer Placeholder 5"/>
+          <p:cNvSpPr>
+            <a:spLocks noGrp="1"/>
+          </p:cNvSpPr>
+          <p:nvPr>
+            <p:ph type="ftr" sz="quarter" idx="11"/>
+          </p:nvPr>
+        </p:nvSpPr>
+        <p:spPr/>
+        <p:txBody>
+          <a:bodyPr/>
+          <a:lstStyle/>
+          <a:p>
+            <a:r>
+              <a:rPr lang="de-CH" smtClean="0"/>
+              <a:t>S.Bakocs, L.Stahel</a:t>
+            </a:r>
+            <a:endParaRPr lang="de-CH"/>
+          </a:p>
+        </p:txBody>
+      </p:sp>
+      <p:sp>
+        <p:nvSpPr>
+          <p:cNvPr id="8" name="Slide Number Placeholder 7"/>
+          <p:cNvSpPr>
+            <a:spLocks noGrp="1"/>
+          </p:cNvSpPr>
+          <p:nvPr>
+            <p:ph type="sldNum" sz="quarter" idx="12"/>
+          </p:nvPr>
+        </p:nvSpPr>
+        <p:spPr/>
+        <p:txBody>
+          <a:bodyPr/>
+          <a:lstStyle/>
+          <a:p>
+            <a:fld id="{0903F862-C958-4CC4-BEED-6508A7FB4281}" type="slidenum">
+              <a:rPr lang="de-CH" smtClean="0"/>
+              <a:t>6</a:t>
+            </a:fld>
+            <a:endParaRPr lang="de-CH"/>
           </a:p>
         </p:txBody>
       </p:sp>
@@ -11426,13 +13495,78 @@
           <a:p>
             <a:r>
               <a:rPr lang="de-CH" dirty="0" smtClean="0"/>
-              <a:t>Varianten</a:t>
-            </a:r>
-            <a:r>
-              <a:rPr lang="de-CH" dirty="0" smtClean="0"/>
-              <a:t>, Lösungen, Probleme, Erkenntnisse</a:t>
+              <a:t>Varianten, Lösungen, Probleme, Erkenntnisse</a:t>
             </a:r>
             <a:endParaRPr lang="de-CH" dirty="0"/>
+          </a:p>
+        </p:txBody>
+      </p:sp>
+      <p:sp>
+        <p:nvSpPr>
+          <p:cNvPr id="2" name="Date Placeholder 1"/>
+          <p:cNvSpPr>
+            <a:spLocks noGrp="1"/>
+          </p:cNvSpPr>
+          <p:nvPr>
+            <p:ph type="dt" sz="half" idx="10"/>
+          </p:nvPr>
+        </p:nvSpPr>
+        <p:spPr/>
+        <p:txBody>
+          <a:bodyPr/>
+          <a:lstStyle/>
+          <a:p>
+            <a:fld id="{9893E16F-4B9E-497C-B9CD-A7837DC7E1D7}" type="datetime1">
+              <a:rPr lang="de-CH" smtClean="0"/>
+              <a:t>04.01.2015</a:t>
+            </a:fld>
+            <a:endParaRPr lang="de-CH"/>
+          </a:p>
+        </p:txBody>
+      </p:sp>
+      <p:sp>
+        <p:nvSpPr>
+          <p:cNvPr id="5" name="Footer Placeholder 4"/>
+          <p:cNvSpPr>
+            <a:spLocks noGrp="1"/>
+          </p:cNvSpPr>
+          <p:nvPr>
+            <p:ph type="ftr" sz="quarter" idx="11"/>
+          </p:nvPr>
+        </p:nvSpPr>
+        <p:spPr/>
+        <p:txBody>
+          <a:bodyPr/>
+          <a:lstStyle/>
+          <a:p>
+            <a:r>
+              <a:rPr lang="de-CH" smtClean="0"/>
+              <a:t>S.Bakocs, L.Stahel</a:t>
+            </a:r>
+            <a:endParaRPr lang="de-CH" dirty="0"/>
+          </a:p>
+        </p:txBody>
+      </p:sp>
+      <p:sp>
+        <p:nvSpPr>
+          <p:cNvPr id="7" name="Slide Number Placeholder 6"/>
+          <p:cNvSpPr>
+            <a:spLocks noGrp="1"/>
+          </p:cNvSpPr>
+          <p:nvPr>
+            <p:ph type="sldNum" sz="quarter" idx="12"/>
+          </p:nvPr>
+        </p:nvSpPr>
+        <p:spPr/>
+        <p:txBody>
+          <a:bodyPr/>
+          <a:lstStyle/>
+          <a:p>
+            <a:fld id="{0903F862-C958-4CC4-BEED-6508A7FB4281}" type="slidenum">
+              <a:rPr lang="de-CH" smtClean="0"/>
+              <a:t>7</a:t>
+            </a:fld>
+            <a:endParaRPr lang="de-CH"/>
           </a:p>
         </p:txBody>
       </p:sp>
@@ -11556,11 +13690,7 @@
             </a:pPr>
             <a:r>
               <a:rPr lang="en" dirty="0" smtClean="0"/>
-              <a:t>DOM</a:t>
-            </a:r>
-            <a:r>
-              <a:rPr lang="en" dirty="0" smtClean="0"/>
-              <a:t> </a:t>
+              <a:t>DOM </a:t>
             </a:r>
           </a:p>
           <a:p>
@@ -11611,6 +13741,75 @@
               <a:t> </a:t>
             </a:r>
             <a:endParaRPr lang="en" dirty="0"/>
+          </a:p>
+        </p:txBody>
+      </p:sp>
+      <p:sp>
+        <p:nvSpPr>
+          <p:cNvPr id="2" name="Date Placeholder 1"/>
+          <p:cNvSpPr>
+            <a:spLocks noGrp="1"/>
+          </p:cNvSpPr>
+          <p:nvPr>
+            <p:ph type="dt" sz="half" idx="10"/>
+          </p:nvPr>
+        </p:nvSpPr>
+        <p:spPr/>
+        <p:txBody>
+          <a:bodyPr/>
+          <a:lstStyle/>
+          <a:p>
+            <a:fld id="{2D094ECB-9276-4E07-802E-5B1F5268D1EA}" type="datetime1">
+              <a:rPr lang="de-CH" smtClean="0"/>
+              <a:t>04.01.2015</a:t>
+            </a:fld>
+            <a:endParaRPr lang="de-CH" dirty="0"/>
+          </a:p>
+        </p:txBody>
+      </p:sp>
+      <p:sp>
+        <p:nvSpPr>
+          <p:cNvPr id="4" name="Footer Placeholder 3"/>
+          <p:cNvSpPr>
+            <a:spLocks noGrp="1"/>
+          </p:cNvSpPr>
+          <p:nvPr>
+            <p:ph type="ftr" sz="quarter" idx="11"/>
+          </p:nvPr>
+        </p:nvSpPr>
+        <p:spPr/>
+        <p:txBody>
+          <a:bodyPr/>
+          <a:lstStyle/>
+          <a:p>
+            <a:r>
+              <a:rPr lang="de-CH" smtClean="0"/>
+              <a:t>S.Bakocs, L.Stahel</a:t>
+            </a:r>
+            <a:endParaRPr lang="de-CH"/>
+          </a:p>
+        </p:txBody>
+      </p:sp>
+      <p:sp>
+        <p:nvSpPr>
+          <p:cNvPr id="5" name="Slide Number Placeholder 4"/>
+          <p:cNvSpPr>
+            <a:spLocks noGrp="1"/>
+          </p:cNvSpPr>
+          <p:nvPr>
+            <p:ph type="sldNum" sz="quarter" idx="12"/>
+          </p:nvPr>
+        </p:nvSpPr>
+        <p:spPr/>
+        <p:txBody>
+          <a:bodyPr/>
+          <a:lstStyle/>
+          <a:p>
+            <a:fld id="{0903F862-C958-4CC4-BEED-6508A7FB4281}" type="slidenum">
+              <a:rPr lang="de-CH" smtClean="0"/>
+              <a:t>8</a:t>
+            </a:fld>
+            <a:endParaRPr lang="de-CH"/>
           </a:p>
         </p:txBody>
       </p:sp>
@@ -11719,11 +13918,7 @@
             </a:pPr>
             <a:r>
               <a:rPr lang="en" dirty="0"/>
-              <a:t>n*n</a:t>
-            </a:r>
-            <a:r>
-              <a:rPr lang="en" dirty="0"/>
-              <a:t> Divisionmatrix</a:t>
+              <a:t>n*n Divisionmatrix</a:t>
             </a:r>
           </a:p>
           <a:p>
@@ -11737,11 +13932,7 @@
             </a:pPr>
             <a:r>
               <a:rPr lang="en" dirty="0"/>
-              <a:t>Koordinaten</a:t>
-            </a:r>
-            <a:r>
-              <a:rPr lang="en" dirty="0"/>
-              <a:t> als Klassennamen</a:t>
+              <a:t>Koordinaten als Klassennamen</a:t>
             </a:r>
           </a:p>
           <a:p>
@@ -11836,6 +14027,75 @@
           <a:bodyPr/>
           <a:lstStyle/>
           <a:p>
+            <a:endParaRPr lang="de-CH"/>
+          </a:p>
+        </p:txBody>
+      </p:sp>
+      <p:sp>
+        <p:nvSpPr>
+          <p:cNvPr id="3" name="Date Placeholder 2"/>
+          <p:cNvSpPr>
+            <a:spLocks noGrp="1"/>
+          </p:cNvSpPr>
+          <p:nvPr>
+            <p:ph type="dt" sz="half" idx="10"/>
+          </p:nvPr>
+        </p:nvSpPr>
+        <p:spPr/>
+        <p:txBody>
+          <a:bodyPr/>
+          <a:lstStyle/>
+          <a:p>
+            <a:fld id="{49945ABF-9B7A-4426-8B70-EFA252B88090}" type="datetime1">
+              <a:rPr lang="de-CH" smtClean="0"/>
+              <a:t>04.01.2015</a:t>
+            </a:fld>
+            <a:endParaRPr lang="de-CH"/>
+          </a:p>
+        </p:txBody>
+      </p:sp>
+      <p:sp>
+        <p:nvSpPr>
+          <p:cNvPr id="5" name="Footer Placeholder 4"/>
+          <p:cNvSpPr>
+            <a:spLocks noGrp="1"/>
+          </p:cNvSpPr>
+          <p:nvPr>
+            <p:ph type="ftr" sz="quarter" idx="11"/>
+          </p:nvPr>
+        </p:nvSpPr>
+        <p:spPr/>
+        <p:txBody>
+          <a:bodyPr/>
+          <a:lstStyle/>
+          <a:p>
+            <a:r>
+              <a:rPr lang="de-CH" smtClean="0"/>
+              <a:t>S.Bakocs, L.Stahel</a:t>
+            </a:r>
+            <a:endParaRPr lang="de-CH"/>
+          </a:p>
+        </p:txBody>
+      </p:sp>
+      <p:sp>
+        <p:nvSpPr>
+          <p:cNvPr id="6" name="Slide Number Placeholder 5"/>
+          <p:cNvSpPr>
+            <a:spLocks noGrp="1"/>
+          </p:cNvSpPr>
+          <p:nvPr>
+            <p:ph type="sldNum" sz="quarter" idx="12"/>
+          </p:nvPr>
+        </p:nvSpPr>
+        <p:spPr/>
+        <p:txBody>
+          <a:bodyPr/>
+          <a:lstStyle/>
+          <a:p>
+            <a:fld id="{0903F862-C958-4CC4-BEED-6508A7FB4281}" type="slidenum">
+              <a:rPr lang="de-CH" smtClean="0"/>
+              <a:t>9</a:t>
+            </a:fld>
             <a:endParaRPr lang="de-CH"/>
           </a:p>
         </p:txBody>
